--- a/Presentations/Individual Meetings/2020-09-14/Meeting2020-09-14.pptx
+++ b/Presentations/Individual Meetings/2020-09-14/Meeting2020-09-14.pptx
@@ -7,13 +7,8 @@
   <p:sldIdLst>
     <p:sldId id="256" r:id="rId2"/>
     <p:sldId id="328" r:id="rId3"/>
-    <p:sldId id="333" r:id="rId4"/>
-    <p:sldId id="334" r:id="rId5"/>
-    <p:sldId id="335" r:id="rId6"/>
-    <p:sldId id="329" r:id="rId7"/>
-    <p:sldId id="332" r:id="rId8"/>
-    <p:sldId id="336" r:id="rId9"/>
-    <p:sldId id="331" r:id="rId10"/>
+    <p:sldId id="329" r:id="rId4"/>
+    <p:sldId id="336" r:id="rId5"/>
   </p:sldIdLst>
   <p:sldSz cx="12192000" cy="6858000"/>
   <p:notesSz cx="6858000" cy="9144000"/>
@@ -296,7 +291,7 @@
           <a:p>
             <a:fld id="{E4D37D77-59F4-4F40-A7D2-FD1165658DD5}" type="datetimeFigureOut">
               <a:rPr lang="en-ZA" smtClean="0"/>
-              <a:t>2020-09-03</a:t>
+              <a:t>2020-09-18</a:t>
             </a:fld>
             <a:endParaRPr lang="en-ZA"/>
           </a:p>
@@ -466,7 +461,7 @@
           <a:p>
             <a:fld id="{E4D37D77-59F4-4F40-A7D2-FD1165658DD5}" type="datetimeFigureOut">
               <a:rPr lang="en-ZA" smtClean="0"/>
-              <a:t>2020-09-03</a:t>
+              <a:t>2020-09-18</a:t>
             </a:fld>
             <a:endParaRPr lang="en-ZA"/>
           </a:p>
@@ -689,7 +684,7 @@
           <a:p>
             <a:fld id="{E4D37D77-59F4-4F40-A7D2-FD1165658DD5}" type="datetimeFigureOut">
               <a:rPr lang="en-ZA" smtClean="0"/>
-              <a:t>2020-09-03</a:t>
+              <a:t>2020-09-18</a:t>
             </a:fld>
             <a:endParaRPr lang="en-ZA"/>
           </a:p>
@@ -869,7 +864,7 @@
           <a:p>
             <a:fld id="{E4D37D77-59F4-4F40-A7D2-FD1165658DD5}" type="datetimeFigureOut">
               <a:rPr lang="en-ZA" smtClean="0"/>
-              <a:t>2020-09-03</a:t>
+              <a:t>2020-09-18</a:t>
             </a:fld>
             <a:endParaRPr lang="en-ZA"/>
           </a:p>
@@ -1175,7 +1170,7 @@
           <a:p>
             <a:fld id="{E4D37D77-59F4-4F40-A7D2-FD1165658DD5}" type="datetimeFigureOut">
               <a:rPr lang="en-ZA" smtClean="0"/>
-              <a:t>2020-09-03</a:t>
+              <a:t>2020-09-18</a:t>
             </a:fld>
             <a:endParaRPr lang="en-ZA"/>
           </a:p>
@@ -1479,7 +1474,7 @@
           <a:p>
             <a:fld id="{E4D37D77-59F4-4F40-A7D2-FD1165658DD5}" type="datetimeFigureOut">
               <a:rPr lang="en-ZA" smtClean="0"/>
-              <a:t>2020-09-03</a:t>
+              <a:t>2020-09-18</a:t>
             </a:fld>
             <a:endParaRPr lang="en-ZA"/>
           </a:p>
@@ -1901,7 +1896,7 @@
           <a:p>
             <a:fld id="{E4D37D77-59F4-4F40-A7D2-FD1165658DD5}" type="datetimeFigureOut">
               <a:rPr lang="en-ZA" smtClean="0"/>
-              <a:t>2020-09-03</a:t>
+              <a:t>2020-09-18</a:t>
             </a:fld>
             <a:endParaRPr lang="en-ZA"/>
           </a:p>
@@ -2019,7 +2014,7 @@
           <a:p>
             <a:fld id="{E4D37D77-59F4-4F40-A7D2-FD1165658DD5}" type="datetimeFigureOut">
               <a:rPr lang="en-ZA" smtClean="0"/>
-              <a:t>2020-09-03</a:t>
+              <a:t>2020-09-18</a:t>
             </a:fld>
             <a:endParaRPr lang="en-ZA"/>
           </a:p>
@@ -2114,7 +2109,7 @@
           <a:p>
             <a:fld id="{E4D37D77-59F4-4F40-A7D2-FD1165658DD5}" type="datetimeFigureOut">
               <a:rPr lang="en-ZA" smtClean="0"/>
-              <a:t>2020-09-03</a:t>
+              <a:t>2020-09-18</a:t>
             </a:fld>
             <a:endParaRPr lang="en-ZA"/>
           </a:p>
@@ -2387,7 +2382,7 @@
           <a:p>
             <a:fld id="{E4D37D77-59F4-4F40-A7D2-FD1165658DD5}" type="datetimeFigureOut">
               <a:rPr lang="en-ZA" smtClean="0"/>
-              <a:t>2020-09-03</a:t>
+              <a:t>2020-09-18</a:t>
             </a:fld>
             <a:endParaRPr lang="en-ZA"/>
           </a:p>
@@ -2652,7 +2647,7 @@
           <a:p>
             <a:fld id="{E4D37D77-59F4-4F40-A7D2-FD1165658DD5}" type="datetimeFigureOut">
               <a:rPr lang="en-ZA" smtClean="0"/>
-              <a:t>2020-09-03</a:t>
+              <a:t>2020-09-18</a:t>
             </a:fld>
             <a:endParaRPr lang="en-ZA"/>
           </a:p>
@@ -2901,7 +2896,7 @@
           <a:p>
             <a:fld id="{E4D37D77-59F4-4F40-A7D2-FD1165658DD5}" type="datetimeFigureOut">
               <a:rPr lang="en-ZA" smtClean="0"/>
-              <a:t>2020-09-03</a:t>
+              <a:t>2020-09-18</a:t>
             </a:fld>
             <a:endParaRPr lang="en-ZA"/>
           </a:p>
@@ -3379,7 +3374,7 @@
           <a:p>
             <a:r>
               <a:rPr lang="en-US" dirty="0"/>
-              <a:t>Meeting 07/09/2020</a:t>
+              <a:t>Meeting 14/09/2020</a:t>
             </a:r>
             <a:endParaRPr lang="en-ZA" dirty="0"/>
           </a:p>
@@ -3506,45 +3501,35 @@
           <a:p>
             <a:r>
               <a:rPr lang="en-US" dirty="0"/>
-              <a:t>Model number control</a:t>
-            </a:r>
-          </a:p>
-          <a:p>
+              <a:t>Rounding threshold vs percentage</a:t>
+            </a:r>
+          </a:p>
+          <a:p>
+            <a:pPr lvl="1"/>
             <a:r>
               <a:rPr lang="en-US" dirty="0"/>
-              <a:t>Functions are applied per layer</a:t>
-            </a:r>
-          </a:p>
-          <a:p>
+              <a:t>Rounding threshold</a:t>
+            </a:r>
+          </a:p>
+          <a:p>
+            <a:pPr lvl="2"/>
             <a:r>
               <a:rPr lang="en-US" dirty="0"/>
-              <a:t>Percentage of elements is kept</a:t>
-            </a:r>
-          </a:p>
-          <a:p>
+              <a:t>&lt;1</a:t>
+            </a:r>
+          </a:p>
+          <a:p>
+            <a:pPr lvl="1"/>
             <a:r>
               <a:rPr lang="en-US" dirty="0"/>
-              <a:t>Symmetry problem solved</a:t>
-            </a:r>
-          </a:p>
-          <a:p>
-            <a:pPr lvl="1"/>
+              <a:t>Percentage</a:t>
+            </a:r>
+          </a:p>
+          <a:p>
+            <a:pPr lvl="2"/>
             <a:r>
               <a:rPr lang="en-US" dirty="0"/>
-              <a:t>Incremented seeds are applied</a:t>
-            </a:r>
-          </a:p>
-          <a:p>
-            <a:r>
-              <a:rPr lang="en-US" dirty="0"/>
-              <a:t>Layer size is dependent on final resolution</a:t>
-            </a:r>
-          </a:p>
-          <a:p>
-            <a:pPr lvl="1"/>
-            <a:r>
-              <a:rPr lang="en-US" dirty="0"/>
-              <a:t>Hidden vector size only used to generate unique starting vector</a:t>
+              <a:t>&gt;=1</a:t>
             </a:r>
           </a:p>
         </p:txBody>
@@ -3584,7 +3569,7 @@
           <p:cNvPr id="2" name="Title 1">
             <a:extLst>
               <a:ext uri="{FF2B5EF4-FFF2-40B4-BE49-F238E27FC236}">
-                <a16:creationId xmlns:a16="http://schemas.microsoft.com/office/drawing/2014/main" id="{8D5D9444-58B0-42D2-8C00-3E2FB0663292}"/>
+                <a16:creationId xmlns:a16="http://schemas.microsoft.com/office/drawing/2014/main" id="{043741F0-34F9-4F30-9D5E-64ECA5D99D68}"/>
               </a:ext>
             </a:extLst>
           </p:cNvPr>
@@ -3602,474 +3587,2246 @@
           <a:p>
             <a:r>
               <a:rPr lang="en-US" dirty="0"/>
-              <a:t>CPPN Example</a:t>
+              <a:t>Genetic Algorithms</a:t>
             </a:r>
             <a:endParaRPr lang="en-ZA" dirty="0"/>
           </a:p>
         </p:txBody>
       </p:sp>
-      <p:graphicFrame>
-        <p:nvGraphicFramePr>
-          <p:cNvPr id="6" name="Content Placeholder 3">
-            <a:extLst>
-              <a:ext uri="{FF2B5EF4-FFF2-40B4-BE49-F238E27FC236}">
-                <a16:creationId xmlns:a16="http://schemas.microsoft.com/office/drawing/2014/main" id="{89B22CD3-81C1-4CEC-8C1A-A14F686CA19E}"/>
-              </a:ext>
-            </a:extLst>
-          </p:cNvPr>
-          <p:cNvGraphicFramePr>
-            <a:graphicFrameLocks/>
-          </p:cNvGraphicFramePr>
-          <p:nvPr>
-            <p:extLst>
-              <p:ext uri="{D42A27DB-BD31-4B8C-83A1-F6EECF244321}">
-                <p14:modId xmlns:p14="http://schemas.microsoft.com/office/powerpoint/2010/main" val="3230702976"/>
-              </p:ext>
-            </p:extLst>
-          </p:nvPr>
-        </p:nvGraphicFramePr>
-        <p:xfrm>
-          <a:off x="1203325" y="2011363"/>
-          <a:ext cx="5110614" cy="2966720"/>
-        </p:xfrm>
-        <a:graphic>
-          <a:graphicData uri="http://schemas.openxmlformats.org/drawingml/2006/table">
-            <a:tbl>
-              <a:tblPr firstRow="1" bandRow="1">
-                <a:tableStyleId>{073A0DAA-6AF3-43AB-8588-CEC1D06C72B9}</a:tableStyleId>
-              </a:tblPr>
-              <a:tblGrid>
-                <a:gridCol w="2936177">
-                  <a:extLst>
-                    <a:ext uri="{9D8B030D-6E8A-4147-A177-3AD203B41FA5}">
-                      <a16:colId xmlns:a16="http://schemas.microsoft.com/office/drawing/2014/main" val="743067059"/>
-                    </a:ext>
-                  </a:extLst>
-                </a:gridCol>
-                <a:gridCol w="2174437">
-                  <a:extLst>
-                    <a:ext uri="{9D8B030D-6E8A-4147-A177-3AD203B41FA5}">
-                      <a16:colId xmlns:a16="http://schemas.microsoft.com/office/drawing/2014/main" val="2851810920"/>
-                    </a:ext>
-                  </a:extLst>
-                </a:gridCol>
-              </a:tblGrid>
-              <a:tr h="370840">
-                <a:tc>
-                  <a:txBody>
-                    <a:bodyPr/>
-                    <a:lstStyle/>
-                    <a:p>
-                      <a:pPr algn="ctr"/>
-                      <a:r>
-                        <a:rPr lang="en-US" dirty="0"/>
-                        <a:t>Variables</a:t>
-                      </a:r>
-                      <a:endParaRPr lang="en-ZA" dirty="0"/>
-                    </a:p>
-                  </a:txBody>
-                  <a:tcPr anchor="ctr"/>
-                </a:tc>
-                <a:tc>
-                  <a:txBody>
-                    <a:bodyPr/>
-                    <a:lstStyle/>
-                    <a:p>
-                      <a:pPr algn="ctr"/>
-                      <a:r>
-                        <a:rPr lang="en-US" dirty="0"/>
-                        <a:t>Values</a:t>
-                      </a:r>
-                      <a:endParaRPr lang="en-ZA" dirty="0"/>
-                    </a:p>
-                  </a:txBody>
-                  <a:tcPr anchor="ctr"/>
-                </a:tc>
+      <mc:AlternateContent xmlns:mc="http://schemas.openxmlformats.org/markup-compatibility/2006">
+        <mc:Choice xmlns:a14="http://schemas.microsoft.com/office/drawing/2010/main" Requires="a14">
+          <p:graphicFrame>
+            <p:nvGraphicFramePr>
+              <p:cNvPr id="4" name="Table 4">
                 <a:extLst>
-                  <a:ext uri="{0D108BD9-81ED-4DB2-BD59-A6C34878D82A}">
-                    <a16:rowId xmlns:a16="http://schemas.microsoft.com/office/drawing/2014/main" val="103620994"/>
+                  <a:ext uri="{FF2B5EF4-FFF2-40B4-BE49-F238E27FC236}">
+                    <a16:creationId xmlns:a16="http://schemas.microsoft.com/office/drawing/2014/main" id="{D1A1BEFB-6B33-4839-B4D9-7F6270894A91}"/>
                   </a:ext>
                 </a:extLst>
-              </a:tr>
-              <a:tr h="370840">
-                <a:tc>
-                  <a:txBody>
-                    <a:bodyPr/>
-                    <a:lstStyle/>
-                    <a:p>
-                      <a:r>
-                        <a:rPr lang="en-US" dirty="0"/>
-                        <a:t>Number of models per CPPN</a:t>
-                      </a:r>
-                    </a:p>
-                  </a:txBody>
-                  <a:tcPr anchor="ctr"/>
-                </a:tc>
-                <a:tc>
-                  <a:txBody>
-                    <a:bodyPr/>
-                    <a:lstStyle/>
-                    <a:p>
-                      <a:r>
-                        <a:rPr lang="en-US" dirty="0"/>
-                        <a:t>5</a:t>
-                      </a:r>
-                      <a:endParaRPr lang="en-ZA" dirty="0"/>
-                    </a:p>
-                  </a:txBody>
-                  <a:tcPr anchor="ctr"/>
-                </a:tc>
+              </p:cNvPr>
+              <p:cNvGraphicFramePr>
+                <a:graphicFrameLocks noGrp="1"/>
+              </p:cNvGraphicFramePr>
+              <p:nvPr>
+                <p:ph idx="1"/>
+                <p:extLst>
+                  <p:ext uri="{D42A27DB-BD31-4B8C-83A1-F6EECF244321}">
+                    <p14:modId xmlns:p14="http://schemas.microsoft.com/office/powerpoint/2010/main" val="899331111"/>
+                  </p:ext>
+                </p:extLst>
+              </p:nvPr>
+            </p:nvGraphicFramePr>
+            <p:xfrm>
+              <a:off x="1203325" y="2011363"/>
+              <a:ext cx="9900476" cy="4414520"/>
+            </p:xfrm>
+            <a:graphic>
+              <a:graphicData uri="http://schemas.openxmlformats.org/drawingml/2006/table">
+                <a:tbl>
+                  <a:tblPr firstRow="1" bandRow="1">
+                    <a:tableStyleId>{073A0DAA-6AF3-43AB-8588-CEC1D06C72B9}</a:tableStyleId>
+                  </a:tblPr>
+                  <a:tblGrid>
+                    <a:gridCol w="2165668">
+                      <a:extLst>
+                        <a:ext uri="{9D8B030D-6E8A-4147-A177-3AD203B41FA5}">
+                          <a16:colId xmlns:a16="http://schemas.microsoft.com/office/drawing/2014/main" val="222272620"/>
+                        </a:ext>
+                      </a:extLst>
+                    </a:gridCol>
+                    <a:gridCol w="2269680">
+                      <a:extLst>
+                        <a:ext uri="{9D8B030D-6E8A-4147-A177-3AD203B41FA5}">
+                          <a16:colId xmlns:a16="http://schemas.microsoft.com/office/drawing/2014/main" val="3704541889"/>
+                        </a:ext>
+                      </a:extLst>
+                    </a:gridCol>
+                    <a:gridCol w="3062605">
+                      <a:extLst>
+                        <a:ext uri="{9D8B030D-6E8A-4147-A177-3AD203B41FA5}">
+                          <a16:colId xmlns:a16="http://schemas.microsoft.com/office/drawing/2014/main" val="3962150568"/>
+                        </a:ext>
+                      </a:extLst>
+                    </a:gridCol>
+                    <a:gridCol w="1175068">
+                      <a:extLst>
+                        <a:ext uri="{9D8B030D-6E8A-4147-A177-3AD203B41FA5}">
+                          <a16:colId xmlns:a16="http://schemas.microsoft.com/office/drawing/2014/main" val="2235608262"/>
+                        </a:ext>
+                      </a:extLst>
+                    </a:gridCol>
+                    <a:gridCol w="1227455">
+                      <a:extLst>
+                        <a:ext uri="{9D8B030D-6E8A-4147-A177-3AD203B41FA5}">
+                          <a16:colId xmlns:a16="http://schemas.microsoft.com/office/drawing/2014/main" val="2726003479"/>
+                        </a:ext>
+                      </a:extLst>
+                    </a:gridCol>
+                  </a:tblGrid>
+                  <a:tr h="370840">
+                    <a:tc>
+                      <a:txBody>
+                        <a:bodyPr/>
+                        <a:lstStyle/>
+                        <a:p>
+                          <a:pPr algn="ctr"/>
+                          <a:r>
+                            <a:rPr lang="en-US" dirty="0"/>
+                            <a:t>Generation Method</a:t>
+                          </a:r>
+                          <a:endParaRPr lang="en-ZA" dirty="0"/>
+                        </a:p>
+                      </a:txBody>
+                      <a:tcPr anchor="ctr"/>
+                    </a:tc>
+                    <a:tc>
+                      <a:txBody>
+                        <a:bodyPr/>
+                        <a:lstStyle/>
+                        <a:p>
+                          <a:pPr algn="ctr"/>
+                          <a:r>
+                            <a:rPr lang="en-US" dirty="0"/>
+                            <a:t>Number Of Variables</a:t>
+                          </a:r>
+                          <a:endParaRPr lang="en-ZA" dirty="0"/>
+                        </a:p>
+                      </a:txBody>
+                      <a:tcPr anchor="ctr"/>
+                    </a:tc>
+                    <a:tc>
+                      <a:txBody>
+                        <a:bodyPr/>
+                        <a:lstStyle/>
+                        <a:p>
+                          <a:pPr algn="ctr"/>
+                          <a:r>
+                            <a:rPr lang="en-US" dirty="0"/>
+                            <a:t>Variables</a:t>
+                          </a:r>
+                          <a:endParaRPr lang="en-ZA" dirty="0"/>
+                        </a:p>
+                      </a:txBody>
+                      <a:tcPr anchor="ctr"/>
+                    </a:tc>
+                    <a:tc>
+                      <a:txBody>
+                        <a:bodyPr/>
+                        <a:lstStyle/>
+                        <a:p>
+                          <a:pPr algn="ctr"/>
+                          <a:r>
+                            <a:rPr lang="en-US" dirty="0"/>
+                            <a:t>Minimum</a:t>
+                          </a:r>
+                          <a:endParaRPr lang="en-ZA" dirty="0"/>
+                        </a:p>
+                      </a:txBody>
+                      <a:tcPr anchor="ctr"/>
+                    </a:tc>
+                    <a:tc>
+                      <a:txBody>
+                        <a:bodyPr/>
+                        <a:lstStyle/>
+                        <a:p>
+                          <a:pPr algn="ctr"/>
+                          <a:r>
+                            <a:rPr lang="en-US" dirty="0"/>
+                            <a:t>Maximum</a:t>
+                          </a:r>
+                          <a:endParaRPr lang="en-ZA" dirty="0"/>
+                        </a:p>
+                      </a:txBody>
+                      <a:tcPr anchor="ctr"/>
+                    </a:tc>
+                    <a:extLst>
+                      <a:ext uri="{0D108BD9-81ED-4DB2-BD59-A6C34878D82A}">
+                        <a16:rowId xmlns:a16="http://schemas.microsoft.com/office/drawing/2014/main" val="3966742085"/>
+                      </a:ext>
+                    </a:extLst>
+                  </a:tr>
+                  <a:tr h="185420">
+                    <a:tc>
+                      <a:txBody>
+                        <a:bodyPr/>
+                        <a:lstStyle/>
+                        <a:p>
+                          <a:r>
+                            <a:rPr lang="en-US" dirty="0"/>
+                            <a:t>Random</a:t>
+                          </a:r>
+                          <a:endParaRPr lang="en-ZA" dirty="0"/>
+                        </a:p>
+                      </a:txBody>
+                      <a:tcPr anchor="ctr"/>
+                    </a:tc>
+                    <a:tc>
+                      <a:txBody>
+                        <a:bodyPr/>
+                        <a:lstStyle/>
+                        <a:p>
+                          <a:pPr algn="ctr"/>
+                          <a:r>
+                            <a:rPr lang="en-US" dirty="0"/>
+                            <a:t>1</a:t>
+                          </a:r>
+                          <a:endParaRPr lang="en-ZA" dirty="0"/>
+                        </a:p>
+                      </a:txBody>
+                      <a:tcPr anchor="ctr"/>
+                    </a:tc>
+                    <a:tc>
+                      <a:txBody>
+                        <a:bodyPr/>
+                        <a:lstStyle/>
+                        <a:p>
+                          <a:r>
+                            <a:rPr lang="en-US" dirty="0"/>
+                            <a:t>Number of elements removed</a:t>
+                          </a:r>
+                          <a:endParaRPr lang="en-ZA" dirty="0"/>
+                        </a:p>
+                      </a:txBody>
+                      <a:tcPr anchor="ctr"/>
+                    </a:tc>
+                    <a:tc>
+                      <a:txBody>
+                        <a:bodyPr/>
+                        <a:lstStyle/>
+                        <a:p>
+                          <a:pPr algn="ctr"/>
+                          <a:r>
+                            <a:rPr lang="en-US" dirty="0"/>
+                            <a:t>1</a:t>
+                          </a:r>
+                          <a:endParaRPr lang="en-ZA" dirty="0"/>
+                        </a:p>
+                      </a:txBody>
+                      <a:tcPr anchor="ctr"/>
+                    </a:tc>
+                    <a:tc>
+                      <a:txBody>
+                        <a:bodyPr/>
+                        <a:lstStyle/>
+                        <a:p>
+                          <a:pPr algn="ctr"/>
+                          <a14:m>
+                            <m:oMathPara xmlns:m="http://schemas.openxmlformats.org/officeDocument/2006/math">
+                              <m:oMathParaPr>
+                                <m:jc m:val="centerGroup"/>
+                              </m:oMathParaPr>
+                              <m:oMath xmlns:m="http://schemas.openxmlformats.org/officeDocument/2006/math">
+                                <m:sSub>
+                                  <m:sSubPr>
+                                    <m:ctrlPr>
+                                      <a:rPr lang="en-ZA" i="1" smtClean="0">
+                                        <a:latin typeface="Cambria Math" panose="02040503050406030204" pitchFamily="18" charset="0"/>
+                                      </a:rPr>
+                                    </m:ctrlPr>
+                                  </m:sSubPr>
+                                  <m:e>
+                                    <m:r>
+                                      <a:rPr lang="en-US" b="0" i="1" smtClean="0">
+                                        <a:latin typeface="Cambria Math" panose="02040503050406030204" pitchFamily="18" charset="0"/>
+                                      </a:rPr>
+                                      <m:t>𝑛</m:t>
+                                    </m:r>
+                                  </m:e>
+                                  <m:sub>
+                                    <m:r>
+                                      <a:rPr lang="en-US" b="0" i="1" smtClean="0">
+                                        <a:latin typeface="Cambria Math" panose="02040503050406030204" pitchFamily="18" charset="0"/>
+                                      </a:rPr>
+                                      <m:t>𝑒</m:t>
+                                    </m:r>
+                                  </m:sub>
+                                </m:sSub>
+                                <m:r>
+                                  <a:rPr lang="en-US" b="0" i="1" smtClean="0">
+                                    <a:latin typeface="Cambria Math" panose="02040503050406030204" pitchFamily="18" charset="0"/>
+                                  </a:rPr>
+                                  <m:t>−1</m:t>
+                                </m:r>
+                              </m:oMath>
+                            </m:oMathPara>
+                          </a14:m>
+                          <a:endParaRPr lang="en-ZA" dirty="0"/>
+                        </a:p>
+                      </a:txBody>
+                      <a:tcPr anchor="ctr"/>
+                    </a:tc>
+                    <a:extLst>
+                      <a:ext uri="{0D108BD9-81ED-4DB2-BD59-A6C34878D82A}">
+                        <a16:rowId xmlns:a16="http://schemas.microsoft.com/office/drawing/2014/main" val="3634460077"/>
+                      </a:ext>
+                    </a:extLst>
+                  </a:tr>
+                  <a:tr h="370840">
+                    <a:tc rowSpan="4">
+                      <a:txBody>
+                        <a:bodyPr/>
+                        <a:lstStyle/>
+                        <a:p>
+                          <a:r>
+                            <a:rPr lang="en-US" dirty="0"/>
+                            <a:t>L-System</a:t>
+                          </a:r>
+                          <a:endParaRPr lang="en-ZA" dirty="0"/>
+                        </a:p>
+                      </a:txBody>
+                      <a:tcPr anchor="ctr"/>
+                    </a:tc>
+                    <a:tc rowSpan="4">
+                      <a:txBody>
+                        <a:bodyPr/>
+                        <a:lstStyle/>
+                        <a:p>
+                          <a:pPr algn="ctr"/>
+                          <a:r>
+                            <a:rPr lang="en-US" dirty="0"/>
+                            <a:t>4</a:t>
+                          </a:r>
+                          <a:endParaRPr lang="en-ZA" dirty="0"/>
+                        </a:p>
+                      </a:txBody>
+                      <a:tcPr anchor="ctr"/>
+                    </a:tc>
+                    <a:tc>
+                      <a:txBody>
+                        <a:bodyPr/>
+                        <a:lstStyle/>
+                        <a:p>
+                          <a:r>
+                            <a:rPr lang="en-US" dirty="0"/>
+                            <a:t>Axes of symmetry</a:t>
+                          </a:r>
+                        </a:p>
+                      </a:txBody>
+                      <a:tcPr anchor="ctr"/>
+                    </a:tc>
+                    <a:tc>
+                      <a:txBody>
+                        <a:bodyPr/>
+                        <a:lstStyle/>
+                        <a:p>
+                          <a:pPr algn="ctr"/>
+                          <a:r>
+                            <a:rPr lang="en-US" dirty="0"/>
+                            <a:t>0</a:t>
+                          </a:r>
+                          <a:endParaRPr lang="en-ZA" dirty="0"/>
+                        </a:p>
+                      </a:txBody>
+                      <a:tcPr anchor="ctr"/>
+                    </a:tc>
+                    <a:tc>
+                      <a:txBody>
+                        <a:bodyPr/>
+                        <a:lstStyle/>
+                        <a:p>
+                          <a:pPr algn="ctr"/>
+                          <a:r>
+                            <a:rPr lang="en-US" dirty="0"/>
+                            <a:t>7</a:t>
+                          </a:r>
+                          <a:endParaRPr lang="en-ZA" dirty="0"/>
+                        </a:p>
+                      </a:txBody>
+                      <a:tcPr anchor="ctr"/>
+                    </a:tc>
+                    <a:extLst>
+                      <a:ext uri="{0D108BD9-81ED-4DB2-BD59-A6C34878D82A}">
+                        <a16:rowId xmlns:a16="http://schemas.microsoft.com/office/drawing/2014/main" val="1119153014"/>
+                      </a:ext>
+                    </a:extLst>
+                  </a:tr>
+                  <a:tr h="370840">
+                    <a:tc vMerge="1">
+                      <a:txBody>
+                        <a:bodyPr/>
+                        <a:lstStyle/>
+                        <a:p>
+                          <a:endParaRPr lang="en-ZA" dirty="0"/>
+                        </a:p>
+                      </a:txBody>
+                      <a:tcPr anchor="ctr"/>
+                    </a:tc>
+                    <a:tc vMerge="1">
+                      <a:txBody>
+                        <a:bodyPr/>
+                        <a:lstStyle/>
+                        <a:p>
+                          <a:pPr algn="ctr"/>
+                          <a:endParaRPr lang="en-ZA" dirty="0"/>
+                        </a:p>
+                      </a:txBody>
+                      <a:tcPr anchor="ctr"/>
+                    </a:tc>
+                    <a:tc>
+                      <a:txBody>
+                        <a:bodyPr/>
+                        <a:lstStyle/>
+                        <a:p>
+                          <a:pPr marL="0" marR="0" lvl="0" indent="0" algn="l" defTabSz="914400" rtl="0" eaLnBrk="1" fontAlgn="auto" latinLnBrk="0" hangingPunct="1">
+                            <a:lnSpc>
+                              <a:spcPct val="100000"/>
+                            </a:lnSpc>
+                            <a:spcBef>
+                              <a:spcPts val="0"/>
+                            </a:spcBef>
+                            <a:spcAft>
+                              <a:spcPts val="0"/>
+                            </a:spcAft>
+                            <a:buClrTx/>
+                            <a:buSzTx/>
+                            <a:buFontTx/>
+                            <a:buNone/>
+                            <a:tabLst/>
+                            <a:defRPr/>
+                          </a:pPr>
+                          <a:r>
+                            <a:rPr lang="en-US" dirty="0"/>
+                            <a:t>Number of grammatical rules</a:t>
+                          </a:r>
+                        </a:p>
+                      </a:txBody>
+                      <a:tcPr anchor="ctr"/>
+                    </a:tc>
+                    <a:tc>
+                      <a:txBody>
+                        <a:bodyPr/>
+                        <a:lstStyle/>
+                        <a:p>
+                          <a:pPr algn="ctr"/>
+                          <a:r>
+                            <a:rPr lang="en-US" dirty="0"/>
+                            <a:t>1</a:t>
+                          </a:r>
+                          <a:endParaRPr lang="en-ZA" dirty="0"/>
+                        </a:p>
+                      </a:txBody>
+                      <a:tcPr anchor="ctr"/>
+                    </a:tc>
+                    <a:tc>
+                      <a:txBody>
+                        <a:bodyPr/>
+                        <a:lstStyle/>
+                        <a:p>
+                          <a:pPr algn="ctr"/>
+                          <a:r>
+                            <a:rPr lang="en-US" dirty="0"/>
+                            <a:t>4</a:t>
+                          </a:r>
+                          <a:endParaRPr lang="en-ZA" dirty="0"/>
+                        </a:p>
+                      </a:txBody>
+                      <a:tcPr anchor="ctr"/>
+                    </a:tc>
+                    <a:extLst>
+                      <a:ext uri="{0D108BD9-81ED-4DB2-BD59-A6C34878D82A}">
+                        <a16:rowId xmlns:a16="http://schemas.microsoft.com/office/drawing/2014/main" val="4273510935"/>
+                      </a:ext>
+                    </a:extLst>
+                  </a:tr>
+                  <a:tr h="370840">
+                    <a:tc vMerge="1">
+                      <a:txBody>
+                        <a:bodyPr/>
+                        <a:lstStyle/>
+                        <a:p>
+                          <a:endParaRPr lang="en-ZA" dirty="0"/>
+                        </a:p>
+                      </a:txBody>
+                      <a:tcPr anchor="ctr"/>
+                    </a:tc>
+                    <a:tc vMerge="1">
+                      <a:txBody>
+                        <a:bodyPr/>
+                        <a:lstStyle/>
+                        <a:p>
+                          <a:pPr algn="ctr"/>
+                          <a:endParaRPr lang="en-ZA" dirty="0"/>
+                        </a:p>
+                      </a:txBody>
+                      <a:tcPr anchor="ctr"/>
+                    </a:tc>
+                    <a:tc>
+                      <a:txBody>
+                        <a:bodyPr/>
+                        <a:lstStyle/>
+                        <a:p>
+                          <a:pPr marL="0" marR="0" lvl="0" indent="0" algn="l" defTabSz="914400" rtl="0" eaLnBrk="1" fontAlgn="auto" latinLnBrk="0" hangingPunct="1">
+                            <a:lnSpc>
+                              <a:spcPct val="100000"/>
+                            </a:lnSpc>
+                            <a:spcBef>
+                              <a:spcPts val="0"/>
+                            </a:spcBef>
+                            <a:spcAft>
+                              <a:spcPts val="0"/>
+                            </a:spcAft>
+                            <a:buClrTx/>
+                            <a:buSzTx/>
+                            <a:buFontTx/>
+                            <a:buNone/>
+                            <a:tabLst/>
+                            <a:defRPr/>
+                          </a:pPr>
+                          <a:r>
+                            <a:rPr lang="en-US" dirty="0"/>
+                            <a:t>Length of rules</a:t>
+                          </a:r>
+                        </a:p>
+                      </a:txBody>
+                      <a:tcPr anchor="ctr"/>
+                    </a:tc>
+                    <a:tc>
+                      <a:txBody>
+                        <a:bodyPr/>
+                        <a:lstStyle/>
+                        <a:p>
+                          <a:pPr algn="ctr"/>
+                          <a:r>
+                            <a:rPr lang="en-US" dirty="0"/>
+                            <a:t>2</a:t>
+                          </a:r>
+                          <a:endParaRPr lang="en-ZA" dirty="0"/>
+                        </a:p>
+                      </a:txBody>
+                      <a:tcPr anchor="ctr"/>
+                    </a:tc>
+                    <a:tc>
+                      <a:txBody>
+                        <a:bodyPr/>
+                        <a:lstStyle/>
+                        <a:p>
+                          <a:pPr algn="ctr"/>
+                          <a:r>
+                            <a:rPr lang="en-US" dirty="0"/>
+                            <a:t>10</a:t>
+                          </a:r>
+                          <a:endParaRPr lang="en-ZA" dirty="0"/>
+                        </a:p>
+                      </a:txBody>
+                      <a:tcPr anchor="ctr"/>
+                    </a:tc>
+                    <a:extLst>
+                      <a:ext uri="{0D108BD9-81ED-4DB2-BD59-A6C34878D82A}">
+                        <a16:rowId xmlns:a16="http://schemas.microsoft.com/office/drawing/2014/main" val="805757137"/>
+                      </a:ext>
+                    </a:extLst>
+                  </a:tr>
+                  <a:tr h="370840">
+                    <a:tc vMerge="1">
+                      <a:txBody>
+                        <a:bodyPr/>
+                        <a:lstStyle/>
+                        <a:p>
+                          <a:endParaRPr lang="en-ZA" dirty="0"/>
+                        </a:p>
+                      </a:txBody>
+                      <a:tcPr anchor="ctr"/>
+                    </a:tc>
+                    <a:tc vMerge="1">
+                      <a:txBody>
+                        <a:bodyPr/>
+                        <a:lstStyle/>
+                        <a:p>
+                          <a:pPr algn="ctr"/>
+                          <a:endParaRPr lang="en-ZA" dirty="0"/>
+                        </a:p>
+                      </a:txBody>
+                      <a:tcPr anchor="ctr"/>
+                    </a:tc>
+                    <a:tc>
+                      <a:txBody>
+                        <a:bodyPr/>
+                        <a:lstStyle/>
+                        <a:p>
+                          <a:pPr marL="0" marR="0" lvl="0" indent="0" algn="l" defTabSz="914400" rtl="0" eaLnBrk="1" fontAlgn="auto" latinLnBrk="0" hangingPunct="1">
+                            <a:lnSpc>
+                              <a:spcPct val="100000"/>
+                            </a:lnSpc>
+                            <a:spcBef>
+                              <a:spcPts val="0"/>
+                            </a:spcBef>
+                            <a:spcAft>
+                              <a:spcPts val="0"/>
+                            </a:spcAft>
+                            <a:buClrTx/>
+                            <a:buSzTx/>
+                            <a:buFontTx/>
+                            <a:buNone/>
+                            <a:tabLst/>
+                            <a:defRPr/>
+                          </a:pPr>
+                          <a:r>
+                            <a:rPr lang="en-US" dirty="0"/>
+                            <a:t>Iterations</a:t>
+                          </a:r>
+                          <a:endParaRPr lang="en-ZA" dirty="0"/>
+                        </a:p>
+                      </a:txBody>
+                      <a:tcPr anchor="ctr"/>
+                    </a:tc>
+                    <a:tc>
+                      <a:txBody>
+                        <a:bodyPr/>
+                        <a:lstStyle/>
+                        <a:p>
+                          <a:pPr algn="ctr"/>
+                          <a:r>
+                            <a:rPr lang="en-US" dirty="0"/>
+                            <a:t>2</a:t>
+                          </a:r>
+                          <a:endParaRPr lang="en-ZA" dirty="0"/>
+                        </a:p>
+                      </a:txBody>
+                      <a:tcPr anchor="ctr"/>
+                    </a:tc>
+                    <a:tc>
+                      <a:txBody>
+                        <a:bodyPr/>
+                        <a:lstStyle/>
+                        <a:p>
+                          <a:pPr algn="ctr"/>
+                          <a:r>
+                            <a:rPr lang="en-US" dirty="0"/>
+                            <a:t>10</a:t>
+                          </a:r>
+                          <a:endParaRPr lang="en-ZA" dirty="0"/>
+                        </a:p>
+                      </a:txBody>
+                      <a:tcPr anchor="ctr"/>
+                    </a:tc>
+                    <a:extLst>
+                      <a:ext uri="{0D108BD9-81ED-4DB2-BD59-A6C34878D82A}">
+                        <a16:rowId xmlns:a16="http://schemas.microsoft.com/office/drawing/2014/main" val="3661678395"/>
+                      </a:ext>
+                    </a:extLst>
+                  </a:tr>
+                  <a:tr h="0">
+                    <a:tc rowSpan="6">
+                      <a:txBody>
+                        <a:bodyPr/>
+                        <a:lstStyle/>
+                        <a:p>
+                          <a:r>
+                            <a:rPr lang="en-US" dirty="0"/>
+                            <a:t>CPPNs</a:t>
+                          </a:r>
+                          <a:endParaRPr lang="en-ZA" dirty="0"/>
+                        </a:p>
+                      </a:txBody>
+                      <a:tcPr anchor="ctr"/>
+                    </a:tc>
+                    <a:tc rowSpan="6">
+                      <a:txBody>
+                        <a:bodyPr/>
+                        <a:lstStyle/>
+                        <a:p>
+                          <a:pPr algn="ctr"/>
+                          <a:r>
+                            <a:rPr lang="en-US" dirty="0"/>
+                            <a:t>6</a:t>
+                          </a:r>
+                          <a:endParaRPr lang="en-ZA" dirty="0"/>
+                        </a:p>
+                      </a:txBody>
+                      <a:tcPr anchor="ctr"/>
+                    </a:tc>
+                    <a:tc>
+                      <a:txBody>
+                        <a:bodyPr/>
+                        <a:lstStyle/>
+                        <a:p>
+                          <a:r>
+                            <a:rPr lang="en-US" dirty="0"/>
+                            <a:t>Number of models per CPPN</a:t>
+                          </a:r>
+                        </a:p>
+                      </a:txBody>
+                      <a:tcPr anchor="ctr"/>
+                    </a:tc>
+                    <a:tc>
+                      <a:txBody>
+                        <a:bodyPr/>
+                        <a:lstStyle/>
+                        <a:p>
+                          <a:pPr algn="ctr"/>
+                          <a:r>
+                            <a:rPr lang="en-US" dirty="0"/>
+                            <a:t>1</a:t>
+                          </a:r>
+                          <a:endParaRPr lang="en-ZA" dirty="0"/>
+                        </a:p>
+                      </a:txBody>
+                      <a:tcPr anchor="ctr"/>
+                    </a:tc>
+                    <a:tc>
+                      <a:txBody>
+                        <a:bodyPr/>
+                        <a:lstStyle/>
+                        <a:p>
+                          <a:pPr algn="ctr"/>
+                          <a:r>
+                            <a:rPr lang="en-US" dirty="0"/>
+                            <a:t>10</a:t>
+                          </a:r>
+                          <a:endParaRPr lang="en-ZA" dirty="0"/>
+                        </a:p>
+                      </a:txBody>
+                      <a:tcPr anchor="ctr"/>
+                    </a:tc>
+                    <a:extLst>
+                      <a:ext uri="{0D108BD9-81ED-4DB2-BD59-A6C34878D82A}">
+                        <a16:rowId xmlns:a16="http://schemas.microsoft.com/office/drawing/2014/main" val="2075654868"/>
+                      </a:ext>
+                    </a:extLst>
+                  </a:tr>
+                  <a:tr h="303953">
+                    <a:tc vMerge="1">
+                      <a:txBody>
+                        <a:bodyPr/>
+                        <a:lstStyle/>
+                        <a:p>
+                          <a:endParaRPr lang="en-ZA"/>
+                        </a:p>
+                      </a:txBody>
+                      <a:tcPr/>
+                    </a:tc>
+                    <a:tc vMerge="1">
+                      <a:txBody>
+                        <a:bodyPr/>
+                        <a:lstStyle/>
+                        <a:p>
+                          <a:endParaRPr lang="en-ZA"/>
+                        </a:p>
+                      </a:txBody>
+                      <a:tcPr/>
+                    </a:tc>
+                    <a:tc>
+                      <a:txBody>
+                        <a:bodyPr/>
+                        <a:lstStyle/>
+                        <a:p>
+                          <a:pPr marL="0" marR="0" lvl="0" indent="0" algn="l" defTabSz="914400" rtl="0" eaLnBrk="1" fontAlgn="auto" latinLnBrk="0" hangingPunct="1">
+                            <a:lnSpc>
+                              <a:spcPct val="100000"/>
+                            </a:lnSpc>
+                            <a:spcBef>
+                              <a:spcPts val="0"/>
+                            </a:spcBef>
+                            <a:spcAft>
+                              <a:spcPts val="0"/>
+                            </a:spcAft>
+                            <a:buClrTx/>
+                            <a:buSzTx/>
+                            <a:buFontTx/>
+                            <a:buNone/>
+                            <a:tabLst/>
+                            <a:defRPr/>
+                          </a:pPr>
+                          <a:r>
+                            <a:rPr lang="en-US" dirty="0"/>
+                            <a:t>Number of network layers</a:t>
+                          </a:r>
+                        </a:p>
+                      </a:txBody>
+                      <a:tcPr anchor="ctr"/>
+                    </a:tc>
+                    <a:tc>
+                      <a:txBody>
+                        <a:bodyPr/>
+                        <a:lstStyle/>
+                        <a:p>
+                          <a:pPr algn="ctr"/>
+                          <a:r>
+                            <a:rPr lang="en-US" dirty="0"/>
+                            <a:t>2</a:t>
+                          </a:r>
+                          <a:endParaRPr lang="en-ZA" dirty="0"/>
+                        </a:p>
+                      </a:txBody>
+                      <a:tcPr anchor="ctr"/>
+                    </a:tc>
+                    <a:tc>
+                      <a:txBody>
+                        <a:bodyPr/>
+                        <a:lstStyle/>
+                        <a:p>
+                          <a:pPr algn="ctr"/>
+                          <a:r>
+                            <a:rPr lang="en-US" dirty="0"/>
+                            <a:t>10</a:t>
+                          </a:r>
+                          <a:endParaRPr lang="en-ZA" dirty="0"/>
+                        </a:p>
+                      </a:txBody>
+                      <a:tcPr anchor="ctr"/>
+                    </a:tc>
+                    <a:extLst>
+                      <a:ext uri="{0D108BD9-81ED-4DB2-BD59-A6C34878D82A}">
+                        <a16:rowId xmlns:a16="http://schemas.microsoft.com/office/drawing/2014/main" val="3965091228"/>
+                      </a:ext>
+                    </a:extLst>
+                  </a:tr>
+                  <a:tr h="242147">
+                    <a:tc vMerge="1">
+                      <a:txBody>
+                        <a:bodyPr/>
+                        <a:lstStyle/>
+                        <a:p>
+                          <a:endParaRPr lang="en-ZA"/>
+                        </a:p>
+                      </a:txBody>
+                      <a:tcPr/>
+                    </a:tc>
+                    <a:tc vMerge="1">
+                      <a:txBody>
+                        <a:bodyPr/>
+                        <a:lstStyle/>
+                        <a:p>
+                          <a:endParaRPr lang="en-ZA"/>
+                        </a:p>
+                      </a:txBody>
+                      <a:tcPr/>
+                    </a:tc>
+                    <a:tc>
+                      <a:txBody>
+                        <a:bodyPr/>
+                        <a:lstStyle/>
+                        <a:p>
+                          <a:pPr marL="0" marR="0" lvl="0" indent="0" algn="l" defTabSz="914400" rtl="0" eaLnBrk="1" fontAlgn="auto" latinLnBrk="0" hangingPunct="1">
+                            <a:lnSpc>
+                              <a:spcPct val="100000"/>
+                            </a:lnSpc>
+                            <a:spcBef>
+                              <a:spcPts val="0"/>
+                            </a:spcBef>
+                            <a:spcAft>
+                              <a:spcPts val="0"/>
+                            </a:spcAft>
+                            <a:buClrTx/>
+                            <a:buSzTx/>
+                            <a:buFontTx/>
+                            <a:buNone/>
+                            <a:tabLst/>
+                            <a:defRPr/>
+                          </a:pPr>
+                          <a:r>
+                            <a:rPr lang="en-US" dirty="0"/>
+                            <a:t>Size of initial layer</a:t>
+                          </a:r>
+                        </a:p>
+                      </a:txBody>
+                      <a:tcPr anchor="ctr"/>
+                    </a:tc>
+                    <a:tc>
+                      <a:txBody>
+                        <a:bodyPr/>
+                        <a:lstStyle/>
+                        <a:p>
+                          <a:pPr algn="ctr"/>
+                          <a:r>
+                            <a:rPr lang="en-US" dirty="0"/>
+                            <a:t>5</a:t>
+                          </a:r>
+                          <a:endParaRPr lang="en-ZA" dirty="0"/>
+                        </a:p>
+                      </a:txBody>
+                      <a:tcPr anchor="ctr"/>
+                    </a:tc>
+                    <a:tc>
+                      <a:txBody>
+                        <a:bodyPr/>
+                        <a:lstStyle/>
+                        <a:p>
+                          <a:pPr algn="ctr"/>
+                          <a:r>
+                            <a:rPr lang="en-US" dirty="0"/>
+                            <a:t>32</a:t>
+                          </a:r>
+                          <a:endParaRPr lang="en-ZA" dirty="0"/>
+                        </a:p>
+                      </a:txBody>
+                      <a:tcPr anchor="ctr"/>
+                    </a:tc>
+                    <a:extLst>
+                      <a:ext uri="{0D108BD9-81ED-4DB2-BD59-A6C34878D82A}">
+                        <a16:rowId xmlns:a16="http://schemas.microsoft.com/office/drawing/2014/main" val="1539828643"/>
+                      </a:ext>
+                    </a:extLst>
+                  </a:tr>
+                  <a:tr h="180340">
+                    <a:tc vMerge="1">
+                      <a:txBody>
+                        <a:bodyPr/>
+                        <a:lstStyle/>
+                        <a:p>
+                          <a:endParaRPr lang="en-ZA"/>
+                        </a:p>
+                      </a:txBody>
+                      <a:tcPr/>
+                    </a:tc>
+                    <a:tc vMerge="1">
+                      <a:txBody>
+                        <a:bodyPr/>
+                        <a:lstStyle/>
+                        <a:p>
+                          <a:endParaRPr lang="en-ZA"/>
+                        </a:p>
+                      </a:txBody>
+                      <a:tcPr/>
+                    </a:tc>
+                    <a:tc>
+                      <a:txBody>
+                        <a:bodyPr/>
+                        <a:lstStyle/>
+                        <a:p>
+                          <a:pPr marL="0" marR="0" lvl="0" indent="0" algn="l" defTabSz="914400" rtl="0" eaLnBrk="1" fontAlgn="auto" latinLnBrk="0" hangingPunct="1">
+                            <a:lnSpc>
+                              <a:spcPct val="100000"/>
+                            </a:lnSpc>
+                            <a:spcBef>
+                              <a:spcPts val="0"/>
+                            </a:spcBef>
+                            <a:spcAft>
+                              <a:spcPts val="0"/>
+                            </a:spcAft>
+                            <a:buClrTx/>
+                            <a:buSzTx/>
+                            <a:buFontTx/>
+                            <a:buNone/>
+                            <a:tabLst/>
+                            <a:defRPr/>
+                          </a:pPr>
+                          <a:r>
+                            <a:rPr lang="en-US" dirty="0"/>
+                            <a:t>Scale</a:t>
+                          </a:r>
+                        </a:p>
+                      </a:txBody>
+                      <a:tcPr anchor="ctr"/>
+                    </a:tc>
+                    <a:tc>
+                      <a:txBody>
+                        <a:bodyPr/>
+                        <a:lstStyle/>
+                        <a:p>
+                          <a:pPr algn="ctr"/>
+                          <a:r>
+                            <a:rPr lang="en-US" dirty="0"/>
+                            <a:t>1</a:t>
+                          </a:r>
+                          <a:endParaRPr lang="en-ZA" dirty="0"/>
+                        </a:p>
+                      </a:txBody>
+                      <a:tcPr anchor="ctr"/>
+                    </a:tc>
+                    <a:tc>
+                      <a:txBody>
+                        <a:bodyPr/>
+                        <a:lstStyle/>
+                        <a:p>
+                          <a:pPr algn="ctr"/>
+                          <a:r>
+                            <a:rPr lang="en-US" dirty="0"/>
+                            <a:t>10</a:t>
+                          </a:r>
+                          <a:endParaRPr lang="en-ZA" dirty="0"/>
+                        </a:p>
+                      </a:txBody>
+                      <a:tcPr anchor="ctr"/>
+                    </a:tc>
+                    <a:extLst>
+                      <a:ext uri="{0D108BD9-81ED-4DB2-BD59-A6C34878D82A}">
+                        <a16:rowId xmlns:a16="http://schemas.microsoft.com/office/drawing/2014/main" val="2492521382"/>
+                      </a:ext>
+                    </a:extLst>
+                  </a:tr>
+                  <a:tr h="118533">
+                    <a:tc vMerge="1">
+                      <a:txBody>
+                        <a:bodyPr/>
+                        <a:lstStyle/>
+                        <a:p>
+                          <a:endParaRPr lang="en-ZA"/>
+                        </a:p>
+                      </a:txBody>
+                      <a:tcPr/>
+                    </a:tc>
+                    <a:tc vMerge="1">
+                      <a:txBody>
+                        <a:bodyPr/>
+                        <a:lstStyle/>
+                        <a:p>
+                          <a:endParaRPr lang="en-ZA"/>
+                        </a:p>
+                      </a:txBody>
+                      <a:tcPr/>
+                    </a:tc>
+                    <a:tc>
+                      <a:txBody>
+                        <a:bodyPr/>
+                        <a:lstStyle/>
+                        <a:p>
+                          <a:pPr marL="0" marR="0" lvl="0" indent="0" algn="l" defTabSz="914400" rtl="0" eaLnBrk="1" fontAlgn="auto" latinLnBrk="0" hangingPunct="1">
+                            <a:lnSpc>
+                              <a:spcPct val="100000"/>
+                            </a:lnSpc>
+                            <a:spcBef>
+                              <a:spcPts val="0"/>
+                            </a:spcBef>
+                            <a:spcAft>
+                              <a:spcPts val="0"/>
+                            </a:spcAft>
+                            <a:buClrTx/>
+                            <a:buSzTx/>
+                            <a:buFontTx/>
+                            <a:buNone/>
+                            <a:tabLst/>
+                            <a:defRPr/>
+                          </a:pPr>
+                          <a:r>
+                            <a:rPr lang="en-US" dirty="0"/>
+                            <a:t>Seed</a:t>
+                          </a:r>
+                        </a:p>
+                      </a:txBody>
+                      <a:tcPr anchor="ctr"/>
+                    </a:tc>
+                    <a:tc>
+                      <a:txBody>
+                        <a:bodyPr/>
+                        <a:lstStyle/>
+                        <a:p>
+                          <a:pPr algn="ctr"/>
+                          <a:r>
+                            <a:rPr lang="en-US" dirty="0"/>
+                            <a:t>1</a:t>
+                          </a:r>
+                          <a:endParaRPr lang="en-ZA" dirty="0"/>
+                        </a:p>
+                      </a:txBody>
+                      <a:tcPr anchor="ctr"/>
+                    </a:tc>
+                    <a:tc>
+                      <a:txBody>
+                        <a:bodyPr/>
+                        <a:lstStyle/>
+                        <a:p>
+                          <a:pPr algn="ctr"/>
+                          <a:r>
+                            <a:rPr lang="en-US" dirty="0"/>
+                            <a:t>100</a:t>
+                          </a:r>
+                          <a:endParaRPr lang="en-ZA" dirty="0"/>
+                        </a:p>
+                      </a:txBody>
+                      <a:tcPr anchor="ctr"/>
+                    </a:tc>
+                    <a:extLst>
+                      <a:ext uri="{0D108BD9-81ED-4DB2-BD59-A6C34878D82A}">
+                        <a16:rowId xmlns:a16="http://schemas.microsoft.com/office/drawing/2014/main" val="3576275081"/>
+                      </a:ext>
+                    </a:extLst>
+                  </a:tr>
+                  <a:tr h="0">
+                    <a:tc vMerge="1">
+                      <a:txBody>
+                        <a:bodyPr/>
+                        <a:lstStyle/>
+                        <a:p>
+                          <a:endParaRPr lang="en-ZA"/>
+                        </a:p>
+                      </a:txBody>
+                      <a:tcPr/>
+                    </a:tc>
+                    <a:tc vMerge="1">
+                      <a:txBody>
+                        <a:bodyPr/>
+                        <a:lstStyle/>
+                        <a:p>
+                          <a:endParaRPr lang="en-ZA"/>
+                        </a:p>
+                      </a:txBody>
+                      <a:tcPr/>
+                    </a:tc>
+                    <a:tc>
+                      <a:txBody>
+                        <a:bodyPr/>
+                        <a:lstStyle/>
+                        <a:p>
+                          <a:pPr marL="0" marR="0" lvl="0" indent="0" algn="l" defTabSz="914400" rtl="0" eaLnBrk="1" fontAlgn="auto" latinLnBrk="0" hangingPunct="1">
+                            <a:lnSpc>
+                              <a:spcPct val="100000"/>
+                            </a:lnSpc>
+                            <a:spcBef>
+                              <a:spcPts val="0"/>
+                            </a:spcBef>
+                            <a:spcAft>
+                              <a:spcPts val="0"/>
+                            </a:spcAft>
+                            <a:buClrTx/>
+                            <a:buSzTx/>
+                            <a:buFontTx/>
+                            <a:buNone/>
+                            <a:tabLst/>
+                            <a:defRPr/>
+                          </a:pPr>
+                          <a:r>
+                            <a:rPr lang="en-US" dirty="0"/>
+                            <a:t>Percentage of elements kept</a:t>
+                          </a:r>
+                          <a:endParaRPr lang="en-ZA" dirty="0"/>
+                        </a:p>
+                      </a:txBody>
+                      <a:tcPr anchor="ctr"/>
+                    </a:tc>
+                    <a:tc>
+                      <a:txBody>
+                        <a:bodyPr/>
+                        <a:lstStyle/>
+                        <a:p>
+                          <a:pPr algn="ctr"/>
+                          <a:r>
+                            <a:rPr lang="en-US" dirty="0"/>
+                            <a:t>10</a:t>
+                          </a:r>
+                          <a:endParaRPr lang="en-ZA" dirty="0"/>
+                        </a:p>
+                      </a:txBody>
+                      <a:tcPr anchor="ctr"/>
+                    </a:tc>
+                    <a:tc>
+                      <a:txBody>
+                        <a:bodyPr/>
+                        <a:lstStyle/>
+                        <a:p>
+                          <a:pPr algn="ctr"/>
+                          <a:r>
+                            <a:rPr lang="en-US" dirty="0"/>
+                            <a:t>90</a:t>
+                          </a:r>
+                          <a:endParaRPr lang="en-ZA" dirty="0"/>
+                        </a:p>
+                      </a:txBody>
+                      <a:tcPr anchor="ctr"/>
+                    </a:tc>
+                    <a:extLst>
+                      <a:ext uri="{0D108BD9-81ED-4DB2-BD59-A6C34878D82A}">
+                        <a16:rowId xmlns:a16="http://schemas.microsoft.com/office/drawing/2014/main" val="2531554922"/>
+                      </a:ext>
+                    </a:extLst>
+                  </a:tr>
+                </a:tbl>
+              </a:graphicData>
+            </a:graphic>
+          </p:graphicFrame>
+        </mc:Choice>
+        <mc:Fallback>
+          <p:graphicFrame>
+            <p:nvGraphicFramePr>
+              <p:cNvPr id="4" name="Table 4">
                 <a:extLst>
-                  <a:ext uri="{0D108BD9-81ED-4DB2-BD59-A6C34878D82A}">
-                    <a16:rowId xmlns:a16="http://schemas.microsoft.com/office/drawing/2014/main" val="3998627747"/>
+                  <a:ext uri="{FF2B5EF4-FFF2-40B4-BE49-F238E27FC236}">
+                    <a16:creationId xmlns:a16="http://schemas.microsoft.com/office/drawing/2014/main" id="{D1A1BEFB-6B33-4839-B4D9-7F6270894A91}"/>
                   </a:ext>
                 </a:extLst>
-              </a:tr>
-              <a:tr h="370840">
-                <a:tc>
-                  <a:txBody>
-                    <a:bodyPr/>
-                    <a:lstStyle/>
-                    <a:p>
-                      <a:pPr marL="0" marR="0" lvl="0" indent="0" algn="l" defTabSz="914400" rtl="0" eaLnBrk="1" fontAlgn="auto" latinLnBrk="0" hangingPunct="1">
-                        <a:lnSpc>
-                          <a:spcPct val="100000"/>
-                        </a:lnSpc>
-                        <a:spcBef>
-                          <a:spcPts val="0"/>
-                        </a:spcBef>
-                        <a:spcAft>
-                          <a:spcPts val="0"/>
-                        </a:spcAft>
-                        <a:buClrTx/>
-                        <a:buSzTx/>
-                        <a:buFontTx/>
-                        <a:buNone/>
-                        <a:tabLst/>
-                        <a:defRPr/>
-                      </a:pPr>
-                      <a:r>
-                        <a:rPr lang="en-US" dirty="0"/>
-                        <a:t>Number of layers</a:t>
-                      </a:r>
-                    </a:p>
-                  </a:txBody>
-                  <a:tcPr anchor="ctr"/>
-                </a:tc>
-                <a:tc>
-                  <a:txBody>
-                    <a:bodyPr/>
-                    <a:lstStyle/>
-                    <a:p>
-                      <a:r>
-                        <a:rPr lang="en-US" dirty="0"/>
-                        <a:t>10</a:t>
-                      </a:r>
-                      <a:endParaRPr lang="en-ZA" dirty="0"/>
-                    </a:p>
-                  </a:txBody>
-                  <a:tcPr anchor="ctr"/>
-                </a:tc>
-                <a:extLst>
-                  <a:ext uri="{0D108BD9-81ED-4DB2-BD59-A6C34878D82A}">
-                    <a16:rowId xmlns:a16="http://schemas.microsoft.com/office/drawing/2014/main" val="3679364409"/>
-                  </a:ext>
-                </a:extLst>
-              </a:tr>
-              <a:tr h="370840">
-                <a:tc>
-                  <a:txBody>
-                    <a:bodyPr/>
-                    <a:lstStyle/>
-                    <a:p>
-                      <a:pPr marL="0" marR="0" lvl="0" indent="0" algn="l" defTabSz="914400" rtl="0" eaLnBrk="1" fontAlgn="auto" latinLnBrk="0" hangingPunct="1">
-                        <a:lnSpc>
-                          <a:spcPct val="100000"/>
-                        </a:lnSpc>
-                        <a:spcBef>
-                          <a:spcPts val="0"/>
-                        </a:spcBef>
-                        <a:spcAft>
-                          <a:spcPts val="0"/>
-                        </a:spcAft>
-                        <a:buClrTx/>
-                        <a:buSzTx/>
-                        <a:buFontTx/>
-                        <a:buNone/>
-                        <a:tabLst/>
-                        <a:defRPr/>
-                      </a:pPr>
-                      <a:r>
-                        <a:rPr lang="en-US" dirty="0"/>
-                        <a:t>Size of initial layer</a:t>
-                      </a:r>
-                    </a:p>
-                  </a:txBody>
-                  <a:tcPr anchor="ctr"/>
-                </a:tc>
-                <a:tc>
-                  <a:txBody>
-                    <a:bodyPr/>
-                    <a:lstStyle/>
-                    <a:p>
-                      <a:r>
-                        <a:rPr lang="en-US" dirty="0"/>
-                        <a:t>20</a:t>
-                      </a:r>
-                      <a:endParaRPr lang="en-ZA" dirty="0"/>
-                    </a:p>
-                  </a:txBody>
-                  <a:tcPr anchor="ctr"/>
-                </a:tc>
-                <a:extLst>
-                  <a:ext uri="{0D108BD9-81ED-4DB2-BD59-A6C34878D82A}">
-                    <a16:rowId xmlns:a16="http://schemas.microsoft.com/office/drawing/2014/main" val="2585565624"/>
-                  </a:ext>
-                </a:extLst>
-              </a:tr>
-              <a:tr h="370840">
-                <a:tc>
-                  <a:txBody>
-                    <a:bodyPr/>
-                    <a:lstStyle/>
-                    <a:p>
-                      <a:pPr marL="0" marR="0" lvl="0" indent="0" algn="l" defTabSz="914400" rtl="0" eaLnBrk="1" fontAlgn="auto" latinLnBrk="0" hangingPunct="1">
-                        <a:lnSpc>
-                          <a:spcPct val="100000"/>
-                        </a:lnSpc>
-                        <a:spcBef>
-                          <a:spcPts val="0"/>
-                        </a:spcBef>
-                        <a:spcAft>
-                          <a:spcPts val="0"/>
-                        </a:spcAft>
-                        <a:buClrTx/>
-                        <a:buSzTx/>
-                        <a:buFontTx/>
-                        <a:buNone/>
-                        <a:tabLst/>
-                        <a:defRPr/>
-                      </a:pPr>
-                      <a:r>
-                        <a:rPr lang="en-US" dirty="0"/>
-                        <a:t>Scale</a:t>
-                      </a:r>
-                    </a:p>
-                  </a:txBody>
-                  <a:tcPr anchor="ctr"/>
-                </a:tc>
-                <a:tc>
-                  <a:txBody>
-                    <a:bodyPr/>
-                    <a:lstStyle/>
-                    <a:p>
-                      <a:r>
-                        <a:rPr lang="en-US" dirty="0"/>
-                        <a:t>1</a:t>
-                      </a:r>
-                      <a:endParaRPr lang="en-ZA" dirty="0"/>
-                    </a:p>
-                  </a:txBody>
-                  <a:tcPr anchor="ctr"/>
-                </a:tc>
-                <a:extLst>
-                  <a:ext uri="{0D108BD9-81ED-4DB2-BD59-A6C34878D82A}">
-                    <a16:rowId xmlns:a16="http://schemas.microsoft.com/office/drawing/2014/main" val="2766562798"/>
-                  </a:ext>
-                </a:extLst>
-              </a:tr>
-              <a:tr h="370840">
-                <a:tc>
-                  <a:txBody>
-                    <a:bodyPr/>
-                    <a:lstStyle/>
-                    <a:p>
-                      <a:pPr marL="0" marR="0" lvl="0" indent="0" algn="l" defTabSz="914400" rtl="0" eaLnBrk="1" fontAlgn="auto" latinLnBrk="0" hangingPunct="1">
-                        <a:lnSpc>
-                          <a:spcPct val="100000"/>
-                        </a:lnSpc>
-                        <a:spcBef>
-                          <a:spcPts val="0"/>
-                        </a:spcBef>
-                        <a:spcAft>
-                          <a:spcPts val="0"/>
-                        </a:spcAft>
-                        <a:buClrTx/>
-                        <a:buSzTx/>
-                        <a:buFontTx/>
-                        <a:buNone/>
-                        <a:tabLst/>
-                        <a:defRPr/>
-                      </a:pPr>
-                      <a:r>
-                        <a:rPr lang="en-US" dirty="0"/>
-                        <a:t>Seed</a:t>
-                      </a:r>
-                    </a:p>
-                  </a:txBody>
-                  <a:tcPr anchor="ctr"/>
-                </a:tc>
-                <a:tc>
-                  <a:txBody>
-                    <a:bodyPr/>
-                    <a:lstStyle/>
-                    <a:p>
-                      <a:r>
-                        <a:rPr lang="en-US" dirty="0"/>
-                        <a:t>11</a:t>
-                      </a:r>
-                      <a:endParaRPr lang="en-ZA" dirty="0"/>
-                    </a:p>
-                  </a:txBody>
-                  <a:tcPr anchor="ctr"/>
-                </a:tc>
-                <a:extLst>
-                  <a:ext uri="{0D108BD9-81ED-4DB2-BD59-A6C34878D82A}">
-                    <a16:rowId xmlns:a16="http://schemas.microsoft.com/office/drawing/2014/main" val="2401554264"/>
-                  </a:ext>
-                </a:extLst>
-              </a:tr>
-              <a:tr h="370840">
-                <a:tc>
-                  <a:txBody>
-                    <a:bodyPr/>
-                    <a:lstStyle/>
-                    <a:p>
-                      <a:pPr marL="0" marR="0" lvl="0" indent="0" algn="l" defTabSz="914400" rtl="0" eaLnBrk="1" fontAlgn="auto" latinLnBrk="0" hangingPunct="1">
-                        <a:lnSpc>
-                          <a:spcPct val="100000"/>
-                        </a:lnSpc>
-                        <a:spcBef>
-                          <a:spcPts val="0"/>
-                        </a:spcBef>
-                        <a:spcAft>
-                          <a:spcPts val="0"/>
-                        </a:spcAft>
-                        <a:buClrTx/>
-                        <a:buSzTx/>
-                        <a:buFontTx/>
-                        <a:buNone/>
-                        <a:tabLst/>
-                        <a:defRPr/>
-                      </a:pPr>
-                      <a:r>
-                        <a:rPr lang="en-US" dirty="0"/>
-                        <a:t>Percentage of elements kept</a:t>
-                      </a:r>
-                      <a:endParaRPr lang="en-ZA" dirty="0"/>
-                    </a:p>
-                  </a:txBody>
-                  <a:tcPr anchor="ctr"/>
-                </a:tc>
-                <a:tc>
-                  <a:txBody>
-                    <a:bodyPr/>
-                    <a:lstStyle/>
-                    <a:p>
-                      <a:r>
-                        <a:rPr lang="en-US" dirty="0"/>
-                        <a:t>50</a:t>
-                      </a:r>
-                      <a:endParaRPr lang="en-ZA" dirty="0"/>
-                    </a:p>
-                  </a:txBody>
-                  <a:tcPr anchor="ctr"/>
-                </a:tc>
-                <a:extLst>
-                  <a:ext uri="{0D108BD9-81ED-4DB2-BD59-A6C34878D82A}">
-                    <a16:rowId xmlns:a16="http://schemas.microsoft.com/office/drawing/2014/main" val="235480900"/>
-                  </a:ext>
-                </a:extLst>
-              </a:tr>
-              <a:tr h="370840">
-                <a:tc>
-                  <a:txBody>
-                    <a:bodyPr/>
-                    <a:lstStyle/>
-                    <a:p>
-                      <a:pPr marL="0" marR="0" lvl="0" indent="0" algn="l" defTabSz="914400" rtl="0" eaLnBrk="1" fontAlgn="auto" latinLnBrk="0" hangingPunct="1">
-                        <a:lnSpc>
-                          <a:spcPct val="100000"/>
-                        </a:lnSpc>
-                        <a:spcBef>
-                          <a:spcPts val="0"/>
-                        </a:spcBef>
-                        <a:spcAft>
-                          <a:spcPts val="0"/>
-                        </a:spcAft>
-                        <a:buClrTx/>
-                        <a:buSzTx/>
-                        <a:buFontTx/>
-                        <a:buNone/>
-                        <a:tabLst/>
-                        <a:defRPr/>
-                      </a:pPr>
-                      <a:r>
-                        <a:rPr lang="en-US" dirty="0"/>
-                        <a:t>Model ID</a:t>
-                      </a:r>
-                      <a:endParaRPr lang="en-ZA" dirty="0"/>
-                    </a:p>
-                  </a:txBody>
-                  <a:tcPr anchor="ctr"/>
-                </a:tc>
-                <a:tc>
-                  <a:txBody>
-                    <a:bodyPr/>
-                    <a:lstStyle/>
-                    <a:p>
-                      <a:r>
-                        <a:rPr lang="en-US" dirty="0"/>
-                        <a:t>3</a:t>
-                      </a:r>
-                      <a:endParaRPr lang="en-ZA" dirty="0"/>
-                    </a:p>
-                  </a:txBody>
-                  <a:tcPr anchor="ctr"/>
-                </a:tc>
-                <a:extLst>
-                  <a:ext uri="{0D108BD9-81ED-4DB2-BD59-A6C34878D82A}">
-                    <a16:rowId xmlns:a16="http://schemas.microsoft.com/office/drawing/2014/main" val="1182376329"/>
-                  </a:ext>
-                </a:extLst>
-              </a:tr>
-            </a:tbl>
-          </a:graphicData>
-        </a:graphic>
-      </p:graphicFrame>
-      <p:pic>
-        <p:nvPicPr>
-          <p:cNvPr id="7" name="Picture 6">
-            <a:extLst>
-              <a:ext uri="{FF2B5EF4-FFF2-40B4-BE49-F238E27FC236}">
-                <a16:creationId xmlns:a16="http://schemas.microsoft.com/office/drawing/2014/main" id="{18E91A39-46BE-4F4E-A015-3FF40A700CB0}"/>
-              </a:ext>
-            </a:extLst>
-          </p:cNvPr>
-          <p:cNvPicPr>
-            <a:picLocks noChangeAspect="1"/>
-          </p:cNvPicPr>
-          <p:nvPr/>
-        </p:nvPicPr>
-        <p:blipFill rotWithShape="1">
-          <a:blip r:embed="rId2"/>
-          <a:srcRect l="30102" r="29419"/>
-          <a:stretch/>
-        </p:blipFill>
-        <p:spPr>
-          <a:xfrm>
-            <a:off x="6372469" y="2011363"/>
-            <a:ext cx="4614530" cy="4542857"/>
-          </a:xfrm>
-          <a:prstGeom prst="rect">
-            <a:avLst/>
-          </a:prstGeom>
-        </p:spPr>
-      </p:pic>
+              </p:cNvPr>
+              <p:cNvGraphicFramePr>
+                <a:graphicFrameLocks noGrp="1"/>
+              </p:cNvGraphicFramePr>
+              <p:nvPr>
+                <p:ph idx="1"/>
+                <p:extLst>
+                  <p:ext uri="{D42A27DB-BD31-4B8C-83A1-F6EECF244321}">
+                    <p14:modId xmlns:p14="http://schemas.microsoft.com/office/powerpoint/2010/main" val="899331111"/>
+                  </p:ext>
+                </p:extLst>
+              </p:nvPr>
+            </p:nvGraphicFramePr>
+            <p:xfrm>
+              <a:off x="1203325" y="2011363"/>
+              <a:ext cx="9900476" cy="4414520"/>
+            </p:xfrm>
+            <a:graphic>
+              <a:graphicData uri="http://schemas.openxmlformats.org/drawingml/2006/table">
+                <a:tbl>
+                  <a:tblPr firstRow="1" bandRow="1">
+                    <a:tableStyleId>{073A0DAA-6AF3-43AB-8588-CEC1D06C72B9}</a:tableStyleId>
+                  </a:tblPr>
+                  <a:tblGrid>
+                    <a:gridCol w="2165668">
+                      <a:extLst>
+                        <a:ext uri="{9D8B030D-6E8A-4147-A177-3AD203B41FA5}">
+                          <a16:colId xmlns:a16="http://schemas.microsoft.com/office/drawing/2014/main" val="222272620"/>
+                        </a:ext>
+                      </a:extLst>
+                    </a:gridCol>
+                    <a:gridCol w="2269680">
+                      <a:extLst>
+                        <a:ext uri="{9D8B030D-6E8A-4147-A177-3AD203B41FA5}">
+                          <a16:colId xmlns:a16="http://schemas.microsoft.com/office/drawing/2014/main" val="3704541889"/>
+                        </a:ext>
+                      </a:extLst>
+                    </a:gridCol>
+                    <a:gridCol w="3062605">
+                      <a:extLst>
+                        <a:ext uri="{9D8B030D-6E8A-4147-A177-3AD203B41FA5}">
+                          <a16:colId xmlns:a16="http://schemas.microsoft.com/office/drawing/2014/main" val="3962150568"/>
+                        </a:ext>
+                      </a:extLst>
+                    </a:gridCol>
+                    <a:gridCol w="1175068">
+                      <a:extLst>
+                        <a:ext uri="{9D8B030D-6E8A-4147-A177-3AD203B41FA5}">
+                          <a16:colId xmlns:a16="http://schemas.microsoft.com/office/drawing/2014/main" val="2235608262"/>
+                        </a:ext>
+                      </a:extLst>
+                    </a:gridCol>
+                    <a:gridCol w="1227455">
+                      <a:extLst>
+                        <a:ext uri="{9D8B030D-6E8A-4147-A177-3AD203B41FA5}">
+                          <a16:colId xmlns:a16="http://schemas.microsoft.com/office/drawing/2014/main" val="2726003479"/>
+                        </a:ext>
+                      </a:extLst>
+                    </a:gridCol>
+                  </a:tblGrid>
+                  <a:tr h="370840">
+                    <a:tc>
+                      <a:txBody>
+                        <a:bodyPr/>
+                        <a:lstStyle/>
+                        <a:p>
+                          <a:pPr algn="ctr"/>
+                          <a:r>
+                            <a:rPr lang="en-US" dirty="0"/>
+                            <a:t>Generation Method</a:t>
+                          </a:r>
+                          <a:endParaRPr lang="en-ZA" dirty="0"/>
+                        </a:p>
+                      </a:txBody>
+                      <a:tcPr anchor="ctr"/>
+                    </a:tc>
+                    <a:tc>
+                      <a:txBody>
+                        <a:bodyPr/>
+                        <a:lstStyle/>
+                        <a:p>
+                          <a:pPr algn="ctr"/>
+                          <a:r>
+                            <a:rPr lang="en-US" dirty="0"/>
+                            <a:t>Number Of Variables</a:t>
+                          </a:r>
+                          <a:endParaRPr lang="en-ZA" dirty="0"/>
+                        </a:p>
+                      </a:txBody>
+                      <a:tcPr anchor="ctr"/>
+                    </a:tc>
+                    <a:tc>
+                      <a:txBody>
+                        <a:bodyPr/>
+                        <a:lstStyle/>
+                        <a:p>
+                          <a:pPr algn="ctr"/>
+                          <a:r>
+                            <a:rPr lang="en-US" dirty="0"/>
+                            <a:t>Variables</a:t>
+                          </a:r>
+                          <a:endParaRPr lang="en-ZA" dirty="0"/>
+                        </a:p>
+                      </a:txBody>
+                      <a:tcPr anchor="ctr"/>
+                    </a:tc>
+                    <a:tc>
+                      <a:txBody>
+                        <a:bodyPr/>
+                        <a:lstStyle/>
+                        <a:p>
+                          <a:pPr algn="ctr"/>
+                          <a:r>
+                            <a:rPr lang="en-US" dirty="0"/>
+                            <a:t>Minimum</a:t>
+                          </a:r>
+                          <a:endParaRPr lang="en-ZA" dirty="0"/>
+                        </a:p>
+                      </a:txBody>
+                      <a:tcPr anchor="ctr"/>
+                    </a:tc>
+                    <a:tc>
+                      <a:txBody>
+                        <a:bodyPr/>
+                        <a:lstStyle/>
+                        <a:p>
+                          <a:pPr algn="ctr"/>
+                          <a:r>
+                            <a:rPr lang="en-US" dirty="0"/>
+                            <a:t>Maximum</a:t>
+                          </a:r>
+                          <a:endParaRPr lang="en-ZA" dirty="0"/>
+                        </a:p>
+                      </a:txBody>
+                      <a:tcPr anchor="ctr"/>
+                    </a:tc>
+                    <a:extLst>
+                      <a:ext uri="{0D108BD9-81ED-4DB2-BD59-A6C34878D82A}">
+                        <a16:rowId xmlns:a16="http://schemas.microsoft.com/office/drawing/2014/main" val="3966742085"/>
+                      </a:ext>
+                    </a:extLst>
+                  </a:tr>
+                  <a:tr h="365760">
+                    <a:tc>
+                      <a:txBody>
+                        <a:bodyPr/>
+                        <a:lstStyle/>
+                        <a:p>
+                          <a:r>
+                            <a:rPr lang="en-US" dirty="0"/>
+                            <a:t>Random</a:t>
+                          </a:r>
+                          <a:endParaRPr lang="en-ZA" dirty="0"/>
+                        </a:p>
+                      </a:txBody>
+                      <a:tcPr anchor="ctr"/>
+                    </a:tc>
+                    <a:tc>
+                      <a:txBody>
+                        <a:bodyPr/>
+                        <a:lstStyle/>
+                        <a:p>
+                          <a:pPr algn="ctr"/>
+                          <a:r>
+                            <a:rPr lang="en-US" dirty="0"/>
+                            <a:t>1</a:t>
+                          </a:r>
+                          <a:endParaRPr lang="en-ZA" dirty="0"/>
+                        </a:p>
+                      </a:txBody>
+                      <a:tcPr anchor="ctr"/>
+                    </a:tc>
+                    <a:tc>
+                      <a:txBody>
+                        <a:bodyPr/>
+                        <a:lstStyle/>
+                        <a:p>
+                          <a:r>
+                            <a:rPr lang="en-US" dirty="0"/>
+                            <a:t>Number of elements removed</a:t>
+                          </a:r>
+                          <a:endParaRPr lang="en-ZA" dirty="0"/>
+                        </a:p>
+                      </a:txBody>
+                      <a:tcPr anchor="ctr"/>
+                    </a:tc>
+                    <a:tc>
+                      <a:txBody>
+                        <a:bodyPr/>
+                        <a:lstStyle/>
+                        <a:p>
+                          <a:pPr algn="ctr"/>
+                          <a:r>
+                            <a:rPr lang="en-US" dirty="0"/>
+                            <a:t>1</a:t>
+                          </a:r>
+                          <a:endParaRPr lang="en-ZA" dirty="0"/>
+                        </a:p>
+                      </a:txBody>
+                      <a:tcPr anchor="ctr"/>
+                    </a:tc>
+                    <a:tc>
+                      <a:txBody>
+                        <a:bodyPr/>
+                        <a:lstStyle/>
+                        <a:p>
+                          <a:endParaRPr lang="en-US"/>
+                        </a:p>
+                      </a:txBody>
+                      <a:tcPr anchor="ctr">
+                        <a:blipFill>
+                          <a:blip r:embed="rId2"/>
+                          <a:stretch>
+                            <a:fillRect l="-708955" t="-108333" r="-1990" b="-1033333"/>
+                          </a:stretch>
+                        </a:blipFill>
+                      </a:tcPr>
+                    </a:tc>
+                    <a:extLst>
+                      <a:ext uri="{0D108BD9-81ED-4DB2-BD59-A6C34878D82A}">
+                        <a16:rowId xmlns:a16="http://schemas.microsoft.com/office/drawing/2014/main" val="3634460077"/>
+                      </a:ext>
+                    </a:extLst>
+                  </a:tr>
+                  <a:tr h="370840">
+                    <a:tc rowSpan="4">
+                      <a:txBody>
+                        <a:bodyPr/>
+                        <a:lstStyle/>
+                        <a:p>
+                          <a:r>
+                            <a:rPr lang="en-US" dirty="0"/>
+                            <a:t>L-System</a:t>
+                          </a:r>
+                          <a:endParaRPr lang="en-ZA" dirty="0"/>
+                        </a:p>
+                      </a:txBody>
+                      <a:tcPr anchor="ctr"/>
+                    </a:tc>
+                    <a:tc rowSpan="4">
+                      <a:txBody>
+                        <a:bodyPr/>
+                        <a:lstStyle/>
+                        <a:p>
+                          <a:pPr algn="ctr"/>
+                          <a:r>
+                            <a:rPr lang="en-US" dirty="0"/>
+                            <a:t>4</a:t>
+                          </a:r>
+                          <a:endParaRPr lang="en-ZA" dirty="0"/>
+                        </a:p>
+                      </a:txBody>
+                      <a:tcPr anchor="ctr"/>
+                    </a:tc>
+                    <a:tc>
+                      <a:txBody>
+                        <a:bodyPr/>
+                        <a:lstStyle/>
+                        <a:p>
+                          <a:r>
+                            <a:rPr lang="en-US" dirty="0"/>
+                            <a:t>Axes of symmetry</a:t>
+                          </a:r>
+                        </a:p>
+                      </a:txBody>
+                      <a:tcPr anchor="ctr"/>
+                    </a:tc>
+                    <a:tc>
+                      <a:txBody>
+                        <a:bodyPr/>
+                        <a:lstStyle/>
+                        <a:p>
+                          <a:pPr algn="ctr"/>
+                          <a:r>
+                            <a:rPr lang="en-US" dirty="0"/>
+                            <a:t>0</a:t>
+                          </a:r>
+                          <a:endParaRPr lang="en-ZA" dirty="0"/>
+                        </a:p>
+                      </a:txBody>
+                      <a:tcPr anchor="ctr"/>
+                    </a:tc>
+                    <a:tc>
+                      <a:txBody>
+                        <a:bodyPr/>
+                        <a:lstStyle/>
+                        <a:p>
+                          <a:pPr algn="ctr"/>
+                          <a:r>
+                            <a:rPr lang="en-US" dirty="0"/>
+                            <a:t>7</a:t>
+                          </a:r>
+                          <a:endParaRPr lang="en-ZA" dirty="0"/>
+                        </a:p>
+                      </a:txBody>
+                      <a:tcPr anchor="ctr"/>
+                    </a:tc>
+                    <a:extLst>
+                      <a:ext uri="{0D108BD9-81ED-4DB2-BD59-A6C34878D82A}">
+                        <a16:rowId xmlns:a16="http://schemas.microsoft.com/office/drawing/2014/main" val="1119153014"/>
+                      </a:ext>
+                    </a:extLst>
+                  </a:tr>
+                  <a:tr h="370840">
+                    <a:tc vMerge="1">
+                      <a:txBody>
+                        <a:bodyPr/>
+                        <a:lstStyle/>
+                        <a:p>
+                          <a:endParaRPr lang="en-ZA" dirty="0"/>
+                        </a:p>
+                      </a:txBody>
+                      <a:tcPr anchor="ctr"/>
+                    </a:tc>
+                    <a:tc vMerge="1">
+                      <a:txBody>
+                        <a:bodyPr/>
+                        <a:lstStyle/>
+                        <a:p>
+                          <a:pPr algn="ctr"/>
+                          <a:endParaRPr lang="en-ZA" dirty="0"/>
+                        </a:p>
+                      </a:txBody>
+                      <a:tcPr anchor="ctr"/>
+                    </a:tc>
+                    <a:tc>
+                      <a:txBody>
+                        <a:bodyPr/>
+                        <a:lstStyle/>
+                        <a:p>
+                          <a:pPr marL="0" marR="0" lvl="0" indent="0" algn="l" defTabSz="914400" rtl="0" eaLnBrk="1" fontAlgn="auto" latinLnBrk="0" hangingPunct="1">
+                            <a:lnSpc>
+                              <a:spcPct val="100000"/>
+                            </a:lnSpc>
+                            <a:spcBef>
+                              <a:spcPts val="0"/>
+                            </a:spcBef>
+                            <a:spcAft>
+                              <a:spcPts val="0"/>
+                            </a:spcAft>
+                            <a:buClrTx/>
+                            <a:buSzTx/>
+                            <a:buFontTx/>
+                            <a:buNone/>
+                            <a:tabLst/>
+                            <a:defRPr/>
+                          </a:pPr>
+                          <a:r>
+                            <a:rPr lang="en-US" dirty="0"/>
+                            <a:t>Number of grammatical rules</a:t>
+                          </a:r>
+                        </a:p>
+                      </a:txBody>
+                      <a:tcPr anchor="ctr"/>
+                    </a:tc>
+                    <a:tc>
+                      <a:txBody>
+                        <a:bodyPr/>
+                        <a:lstStyle/>
+                        <a:p>
+                          <a:pPr algn="ctr"/>
+                          <a:r>
+                            <a:rPr lang="en-US" dirty="0"/>
+                            <a:t>1</a:t>
+                          </a:r>
+                          <a:endParaRPr lang="en-ZA" dirty="0"/>
+                        </a:p>
+                      </a:txBody>
+                      <a:tcPr anchor="ctr"/>
+                    </a:tc>
+                    <a:tc>
+                      <a:txBody>
+                        <a:bodyPr/>
+                        <a:lstStyle/>
+                        <a:p>
+                          <a:pPr algn="ctr"/>
+                          <a:r>
+                            <a:rPr lang="en-US" dirty="0"/>
+                            <a:t>4</a:t>
+                          </a:r>
+                          <a:endParaRPr lang="en-ZA" dirty="0"/>
+                        </a:p>
+                      </a:txBody>
+                      <a:tcPr anchor="ctr"/>
+                    </a:tc>
+                    <a:extLst>
+                      <a:ext uri="{0D108BD9-81ED-4DB2-BD59-A6C34878D82A}">
+                        <a16:rowId xmlns:a16="http://schemas.microsoft.com/office/drawing/2014/main" val="4273510935"/>
+                      </a:ext>
+                    </a:extLst>
+                  </a:tr>
+                  <a:tr h="370840">
+                    <a:tc vMerge="1">
+                      <a:txBody>
+                        <a:bodyPr/>
+                        <a:lstStyle/>
+                        <a:p>
+                          <a:endParaRPr lang="en-ZA" dirty="0"/>
+                        </a:p>
+                      </a:txBody>
+                      <a:tcPr anchor="ctr"/>
+                    </a:tc>
+                    <a:tc vMerge="1">
+                      <a:txBody>
+                        <a:bodyPr/>
+                        <a:lstStyle/>
+                        <a:p>
+                          <a:pPr algn="ctr"/>
+                          <a:endParaRPr lang="en-ZA" dirty="0"/>
+                        </a:p>
+                      </a:txBody>
+                      <a:tcPr anchor="ctr"/>
+                    </a:tc>
+                    <a:tc>
+                      <a:txBody>
+                        <a:bodyPr/>
+                        <a:lstStyle/>
+                        <a:p>
+                          <a:pPr marL="0" marR="0" lvl="0" indent="0" algn="l" defTabSz="914400" rtl="0" eaLnBrk="1" fontAlgn="auto" latinLnBrk="0" hangingPunct="1">
+                            <a:lnSpc>
+                              <a:spcPct val="100000"/>
+                            </a:lnSpc>
+                            <a:spcBef>
+                              <a:spcPts val="0"/>
+                            </a:spcBef>
+                            <a:spcAft>
+                              <a:spcPts val="0"/>
+                            </a:spcAft>
+                            <a:buClrTx/>
+                            <a:buSzTx/>
+                            <a:buFontTx/>
+                            <a:buNone/>
+                            <a:tabLst/>
+                            <a:defRPr/>
+                          </a:pPr>
+                          <a:r>
+                            <a:rPr lang="en-US" dirty="0"/>
+                            <a:t>Length of rules</a:t>
+                          </a:r>
+                        </a:p>
+                      </a:txBody>
+                      <a:tcPr anchor="ctr"/>
+                    </a:tc>
+                    <a:tc>
+                      <a:txBody>
+                        <a:bodyPr/>
+                        <a:lstStyle/>
+                        <a:p>
+                          <a:pPr algn="ctr"/>
+                          <a:r>
+                            <a:rPr lang="en-US" dirty="0"/>
+                            <a:t>2</a:t>
+                          </a:r>
+                          <a:endParaRPr lang="en-ZA" dirty="0"/>
+                        </a:p>
+                      </a:txBody>
+                      <a:tcPr anchor="ctr"/>
+                    </a:tc>
+                    <a:tc>
+                      <a:txBody>
+                        <a:bodyPr/>
+                        <a:lstStyle/>
+                        <a:p>
+                          <a:pPr algn="ctr"/>
+                          <a:r>
+                            <a:rPr lang="en-US" dirty="0"/>
+                            <a:t>10</a:t>
+                          </a:r>
+                          <a:endParaRPr lang="en-ZA" dirty="0"/>
+                        </a:p>
+                      </a:txBody>
+                      <a:tcPr anchor="ctr"/>
+                    </a:tc>
+                    <a:extLst>
+                      <a:ext uri="{0D108BD9-81ED-4DB2-BD59-A6C34878D82A}">
+                        <a16:rowId xmlns:a16="http://schemas.microsoft.com/office/drawing/2014/main" val="805757137"/>
+                      </a:ext>
+                    </a:extLst>
+                  </a:tr>
+                  <a:tr h="370840">
+                    <a:tc vMerge="1">
+                      <a:txBody>
+                        <a:bodyPr/>
+                        <a:lstStyle/>
+                        <a:p>
+                          <a:endParaRPr lang="en-ZA" dirty="0"/>
+                        </a:p>
+                      </a:txBody>
+                      <a:tcPr anchor="ctr"/>
+                    </a:tc>
+                    <a:tc vMerge="1">
+                      <a:txBody>
+                        <a:bodyPr/>
+                        <a:lstStyle/>
+                        <a:p>
+                          <a:pPr algn="ctr"/>
+                          <a:endParaRPr lang="en-ZA" dirty="0"/>
+                        </a:p>
+                      </a:txBody>
+                      <a:tcPr anchor="ctr"/>
+                    </a:tc>
+                    <a:tc>
+                      <a:txBody>
+                        <a:bodyPr/>
+                        <a:lstStyle/>
+                        <a:p>
+                          <a:pPr marL="0" marR="0" lvl="0" indent="0" algn="l" defTabSz="914400" rtl="0" eaLnBrk="1" fontAlgn="auto" latinLnBrk="0" hangingPunct="1">
+                            <a:lnSpc>
+                              <a:spcPct val="100000"/>
+                            </a:lnSpc>
+                            <a:spcBef>
+                              <a:spcPts val="0"/>
+                            </a:spcBef>
+                            <a:spcAft>
+                              <a:spcPts val="0"/>
+                            </a:spcAft>
+                            <a:buClrTx/>
+                            <a:buSzTx/>
+                            <a:buFontTx/>
+                            <a:buNone/>
+                            <a:tabLst/>
+                            <a:defRPr/>
+                          </a:pPr>
+                          <a:r>
+                            <a:rPr lang="en-US" dirty="0"/>
+                            <a:t>Iterations</a:t>
+                          </a:r>
+                          <a:endParaRPr lang="en-ZA" dirty="0"/>
+                        </a:p>
+                      </a:txBody>
+                      <a:tcPr anchor="ctr"/>
+                    </a:tc>
+                    <a:tc>
+                      <a:txBody>
+                        <a:bodyPr/>
+                        <a:lstStyle/>
+                        <a:p>
+                          <a:pPr algn="ctr"/>
+                          <a:r>
+                            <a:rPr lang="en-US" dirty="0"/>
+                            <a:t>2</a:t>
+                          </a:r>
+                          <a:endParaRPr lang="en-ZA" dirty="0"/>
+                        </a:p>
+                      </a:txBody>
+                      <a:tcPr anchor="ctr"/>
+                    </a:tc>
+                    <a:tc>
+                      <a:txBody>
+                        <a:bodyPr/>
+                        <a:lstStyle/>
+                        <a:p>
+                          <a:pPr algn="ctr"/>
+                          <a:r>
+                            <a:rPr lang="en-US" dirty="0"/>
+                            <a:t>10</a:t>
+                          </a:r>
+                          <a:endParaRPr lang="en-ZA" dirty="0"/>
+                        </a:p>
+                      </a:txBody>
+                      <a:tcPr anchor="ctr"/>
+                    </a:tc>
+                    <a:extLst>
+                      <a:ext uri="{0D108BD9-81ED-4DB2-BD59-A6C34878D82A}">
+                        <a16:rowId xmlns:a16="http://schemas.microsoft.com/office/drawing/2014/main" val="3661678395"/>
+                      </a:ext>
+                    </a:extLst>
+                  </a:tr>
+                  <a:tr h="365760">
+                    <a:tc rowSpan="6">
+                      <a:txBody>
+                        <a:bodyPr/>
+                        <a:lstStyle/>
+                        <a:p>
+                          <a:r>
+                            <a:rPr lang="en-US" dirty="0"/>
+                            <a:t>CPPNs</a:t>
+                          </a:r>
+                          <a:endParaRPr lang="en-ZA" dirty="0"/>
+                        </a:p>
+                      </a:txBody>
+                      <a:tcPr anchor="ctr"/>
+                    </a:tc>
+                    <a:tc rowSpan="6">
+                      <a:txBody>
+                        <a:bodyPr/>
+                        <a:lstStyle/>
+                        <a:p>
+                          <a:pPr algn="ctr"/>
+                          <a:r>
+                            <a:rPr lang="en-US" dirty="0"/>
+                            <a:t>6</a:t>
+                          </a:r>
+                          <a:endParaRPr lang="en-ZA" dirty="0"/>
+                        </a:p>
+                      </a:txBody>
+                      <a:tcPr anchor="ctr"/>
+                    </a:tc>
+                    <a:tc>
+                      <a:txBody>
+                        <a:bodyPr/>
+                        <a:lstStyle/>
+                        <a:p>
+                          <a:r>
+                            <a:rPr lang="en-US" dirty="0"/>
+                            <a:t>Number of models per CPPN</a:t>
+                          </a:r>
+                        </a:p>
+                      </a:txBody>
+                      <a:tcPr anchor="ctr"/>
+                    </a:tc>
+                    <a:tc>
+                      <a:txBody>
+                        <a:bodyPr/>
+                        <a:lstStyle/>
+                        <a:p>
+                          <a:pPr algn="ctr"/>
+                          <a:r>
+                            <a:rPr lang="en-US" dirty="0"/>
+                            <a:t>1</a:t>
+                          </a:r>
+                          <a:endParaRPr lang="en-ZA" dirty="0"/>
+                        </a:p>
+                      </a:txBody>
+                      <a:tcPr anchor="ctr"/>
+                    </a:tc>
+                    <a:tc>
+                      <a:txBody>
+                        <a:bodyPr/>
+                        <a:lstStyle/>
+                        <a:p>
+                          <a:pPr algn="ctr"/>
+                          <a:r>
+                            <a:rPr lang="en-US" dirty="0"/>
+                            <a:t>10</a:t>
+                          </a:r>
+                          <a:endParaRPr lang="en-ZA" dirty="0"/>
+                        </a:p>
+                      </a:txBody>
+                      <a:tcPr anchor="ctr"/>
+                    </a:tc>
+                    <a:extLst>
+                      <a:ext uri="{0D108BD9-81ED-4DB2-BD59-A6C34878D82A}">
+                        <a16:rowId xmlns:a16="http://schemas.microsoft.com/office/drawing/2014/main" val="2075654868"/>
+                      </a:ext>
+                    </a:extLst>
+                  </a:tr>
+                  <a:tr h="365760">
+                    <a:tc vMerge="1">
+                      <a:txBody>
+                        <a:bodyPr/>
+                        <a:lstStyle/>
+                        <a:p>
+                          <a:endParaRPr lang="en-ZA"/>
+                        </a:p>
+                      </a:txBody>
+                      <a:tcPr/>
+                    </a:tc>
+                    <a:tc vMerge="1">
+                      <a:txBody>
+                        <a:bodyPr/>
+                        <a:lstStyle/>
+                        <a:p>
+                          <a:endParaRPr lang="en-ZA"/>
+                        </a:p>
+                      </a:txBody>
+                      <a:tcPr/>
+                    </a:tc>
+                    <a:tc>
+                      <a:txBody>
+                        <a:bodyPr/>
+                        <a:lstStyle/>
+                        <a:p>
+                          <a:pPr marL="0" marR="0" lvl="0" indent="0" algn="l" defTabSz="914400" rtl="0" eaLnBrk="1" fontAlgn="auto" latinLnBrk="0" hangingPunct="1">
+                            <a:lnSpc>
+                              <a:spcPct val="100000"/>
+                            </a:lnSpc>
+                            <a:spcBef>
+                              <a:spcPts val="0"/>
+                            </a:spcBef>
+                            <a:spcAft>
+                              <a:spcPts val="0"/>
+                            </a:spcAft>
+                            <a:buClrTx/>
+                            <a:buSzTx/>
+                            <a:buFontTx/>
+                            <a:buNone/>
+                            <a:tabLst/>
+                            <a:defRPr/>
+                          </a:pPr>
+                          <a:r>
+                            <a:rPr lang="en-US" dirty="0"/>
+                            <a:t>Number of network layers</a:t>
+                          </a:r>
+                        </a:p>
+                      </a:txBody>
+                      <a:tcPr anchor="ctr"/>
+                    </a:tc>
+                    <a:tc>
+                      <a:txBody>
+                        <a:bodyPr/>
+                        <a:lstStyle/>
+                        <a:p>
+                          <a:pPr algn="ctr"/>
+                          <a:r>
+                            <a:rPr lang="en-US" dirty="0"/>
+                            <a:t>2</a:t>
+                          </a:r>
+                          <a:endParaRPr lang="en-ZA" dirty="0"/>
+                        </a:p>
+                      </a:txBody>
+                      <a:tcPr anchor="ctr"/>
+                    </a:tc>
+                    <a:tc>
+                      <a:txBody>
+                        <a:bodyPr/>
+                        <a:lstStyle/>
+                        <a:p>
+                          <a:pPr algn="ctr"/>
+                          <a:r>
+                            <a:rPr lang="en-US" dirty="0"/>
+                            <a:t>10</a:t>
+                          </a:r>
+                          <a:endParaRPr lang="en-ZA" dirty="0"/>
+                        </a:p>
+                      </a:txBody>
+                      <a:tcPr anchor="ctr"/>
+                    </a:tc>
+                    <a:extLst>
+                      <a:ext uri="{0D108BD9-81ED-4DB2-BD59-A6C34878D82A}">
+                        <a16:rowId xmlns:a16="http://schemas.microsoft.com/office/drawing/2014/main" val="3965091228"/>
+                      </a:ext>
+                    </a:extLst>
+                  </a:tr>
+                  <a:tr h="365760">
+                    <a:tc vMerge="1">
+                      <a:txBody>
+                        <a:bodyPr/>
+                        <a:lstStyle/>
+                        <a:p>
+                          <a:endParaRPr lang="en-ZA"/>
+                        </a:p>
+                      </a:txBody>
+                      <a:tcPr/>
+                    </a:tc>
+                    <a:tc vMerge="1">
+                      <a:txBody>
+                        <a:bodyPr/>
+                        <a:lstStyle/>
+                        <a:p>
+                          <a:endParaRPr lang="en-ZA"/>
+                        </a:p>
+                      </a:txBody>
+                      <a:tcPr/>
+                    </a:tc>
+                    <a:tc>
+                      <a:txBody>
+                        <a:bodyPr/>
+                        <a:lstStyle/>
+                        <a:p>
+                          <a:pPr marL="0" marR="0" lvl="0" indent="0" algn="l" defTabSz="914400" rtl="0" eaLnBrk="1" fontAlgn="auto" latinLnBrk="0" hangingPunct="1">
+                            <a:lnSpc>
+                              <a:spcPct val="100000"/>
+                            </a:lnSpc>
+                            <a:spcBef>
+                              <a:spcPts val="0"/>
+                            </a:spcBef>
+                            <a:spcAft>
+                              <a:spcPts val="0"/>
+                            </a:spcAft>
+                            <a:buClrTx/>
+                            <a:buSzTx/>
+                            <a:buFontTx/>
+                            <a:buNone/>
+                            <a:tabLst/>
+                            <a:defRPr/>
+                          </a:pPr>
+                          <a:r>
+                            <a:rPr lang="en-US" dirty="0"/>
+                            <a:t>Size of initial layer</a:t>
+                          </a:r>
+                        </a:p>
+                      </a:txBody>
+                      <a:tcPr anchor="ctr"/>
+                    </a:tc>
+                    <a:tc>
+                      <a:txBody>
+                        <a:bodyPr/>
+                        <a:lstStyle/>
+                        <a:p>
+                          <a:pPr algn="ctr"/>
+                          <a:r>
+                            <a:rPr lang="en-US" dirty="0"/>
+                            <a:t>5</a:t>
+                          </a:r>
+                          <a:endParaRPr lang="en-ZA" dirty="0"/>
+                        </a:p>
+                      </a:txBody>
+                      <a:tcPr anchor="ctr"/>
+                    </a:tc>
+                    <a:tc>
+                      <a:txBody>
+                        <a:bodyPr/>
+                        <a:lstStyle/>
+                        <a:p>
+                          <a:pPr algn="ctr"/>
+                          <a:r>
+                            <a:rPr lang="en-US" dirty="0"/>
+                            <a:t>32</a:t>
+                          </a:r>
+                          <a:endParaRPr lang="en-ZA" dirty="0"/>
+                        </a:p>
+                      </a:txBody>
+                      <a:tcPr anchor="ctr"/>
+                    </a:tc>
+                    <a:extLst>
+                      <a:ext uri="{0D108BD9-81ED-4DB2-BD59-A6C34878D82A}">
+                        <a16:rowId xmlns:a16="http://schemas.microsoft.com/office/drawing/2014/main" val="1539828643"/>
+                      </a:ext>
+                    </a:extLst>
+                  </a:tr>
+                  <a:tr h="365760">
+                    <a:tc vMerge="1">
+                      <a:txBody>
+                        <a:bodyPr/>
+                        <a:lstStyle/>
+                        <a:p>
+                          <a:endParaRPr lang="en-ZA"/>
+                        </a:p>
+                      </a:txBody>
+                      <a:tcPr/>
+                    </a:tc>
+                    <a:tc vMerge="1">
+                      <a:txBody>
+                        <a:bodyPr/>
+                        <a:lstStyle/>
+                        <a:p>
+                          <a:endParaRPr lang="en-ZA"/>
+                        </a:p>
+                      </a:txBody>
+                      <a:tcPr/>
+                    </a:tc>
+                    <a:tc>
+                      <a:txBody>
+                        <a:bodyPr/>
+                        <a:lstStyle/>
+                        <a:p>
+                          <a:pPr marL="0" marR="0" lvl="0" indent="0" algn="l" defTabSz="914400" rtl="0" eaLnBrk="1" fontAlgn="auto" latinLnBrk="0" hangingPunct="1">
+                            <a:lnSpc>
+                              <a:spcPct val="100000"/>
+                            </a:lnSpc>
+                            <a:spcBef>
+                              <a:spcPts val="0"/>
+                            </a:spcBef>
+                            <a:spcAft>
+                              <a:spcPts val="0"/>
+                            </a:spcAft>
+                            <a:buClrTx/>
+                            <a:buSzTx/>
+                            <a:buFontTx/>
+                            <a:buNone/>
+                            <a:tabLst/>
+                            <a:defRPr/>
+                          </a:pPr>
+                          <a:r>
+                            <a:rPr lang="en-US" dirty="0"/>
+                            <a:t>Scale</a:t>
+                          </a:r>
+                        </a:p>
+                      </a:txBody>
+                      <a:tcPr anchor="ctr"/>
+                    </a:tc>
+                    <a:tc>
+                      <a:txBody>
+                        <a:bodyPr/>
+                        <a:lstStyle/>
+                        <a:p>
+                          <a:pPr algn="ctr"/>
+                          <a:r>
+                            <a:rPr lang="en-US" dirty="0"/>
+                            <a:t>1</a:t>
+                          </a:r>
+                          <a:endParaRPr lang="en-ZA" dirty="0"/>
+                        </a:p>
+                      </a:txBody>
+                      <a:tcPr anchor="ctr"/>
+                    </a:tc>
+                    <a:tc>
+                      <a:txBody>
+                        <a:bodyPr/>
+                        <a:lstStyle/>
+                        <a:p>
+                          <a:pPr algn="ctr"/>
+                          <a:r>
+                            <a:rPr lang="en-US" dirty="0"/>
+                            <a:t>10</a:t>
+                          </a:r>
+                          <a:endParaRPr lang="en-ZA" dirty="0"/>
+                        </a:p>
+                      </a:txBody>
+                      <a:tcPr anchor="ctr"/>
+                    </a:tc>
+                    <a:extLst>
+                      <a:ext uri="{0D108BD9-81ED-4DB2-BD59-A6C34878D82A}">
+                        <a16:rowId xmlns:a16="http://schemas.microsoft.com/office/drawing/2014/main" val="2492521382"/>
+                      </a:ext>
+                    </a:extLst>
+                  </a:tr>
+                  <a:tr h="365760">
+                    <a:tc vMerge="1">
+                      <a:txBody>
+                        <a:bodyPr/>
+                        <a:lstStyle/>
+                        <a:p>
+                          <a:endParaRPr lang="en-ZA"/>
+                        </a:p>
+                      </a:txBody>
+                      <a:tcPr/>
+                    </a:tc>
+                    <a:tc vMerge="1">
+                      <a:txBody>
+                        <a:bodyPr/>
+                        <a:lstStyle/>
+                        <a:p>
+                          <a:endParaRPr lang="en-ZA"/>
+                        </a:p>
+                      </a:txBody>
+                      <a:tcPr/>
+                    </a:tc>
+                    <a:tc>
+                      <a:txBody>
+                        <a:bodyPr/>
+                        <a:lstStyle/>
+                        <a:p>
+                          <a:pPr marL="0" marR="0" lvl="0" indent="0" algn="l" defTabSz="914400" rtl="0" eaLnBrk="1" fontAlgn="auto" latinLnBrk="0" hangingPunct="1">
+                            <a:lnSpc>
+                              <a:spcPct val="100000"/>
+                            </a:lnSpc>
+                            <a:spcBef>
+                              <a:spcPts val="0"/>
+                            </a:spcBef>
+                            <a:spcAft>
+                              <a:spcPts val="0"/>
+                            </a:spcAft>
+                            <a:buClrTx/>
+                            <a:buSzTx/>
+                            <a:buFontTx/>
+                            <a:buNone/>
+                            <a:tabLst/>
+                            <a:defRPr/>
+                          </a:pPr>
+                          <a:r>
+                            <a:rPr lang="en-US" dirty="0"/>
+                            <a:t>Seed</a:t>
+                          </a:r>
+                        </a:p>
+                      </a:txBody>
+                      <a:tcPr anchor="ctr"/>
+                    </a:tc>
+                    <a:tc>
+                      <a:txBody>
+                        <a:bodyPr/>
+                        <a:lstStyle/>
+                        <a:p>
+                          <a:pPr algn="ctr"/>
+                          <a:r>
+                            <a:rPr lang="en-US" dirty="0"/>
+                            <a:t>1</a:t>
+                          </a:r>
+                          <a:endParaRPr lang="en-ZA" dirty="0"/>
+                        </a:p>
+                      </a:txBody>
+                      <a:tcPr anchor="ctr"/>
+                    </a:tc>
+                    <a:tc>
+                      <a:txBody>
+                        <a:bodyPr/>
+                        <a:lstStyle/>
+                        <a:p>
+                          <a:pPr algn="ctr"/>
+                          <a:r>
+                            <a:rPr lang="en-US" dirty="0"/>
+                            <a:t>100</a:t>
+                          </a:r>
+                          <a:endParaRPr lang="en-ZA" dirty="0"/>
+                        </a:p>
+                      </a:txBody>
+                      <a:tcPr anchor="ctr"/>
+                    </a:tc>
+                    <a:extLst>
+                      <a:ext uri="{0D108BD9-81ED-4DB2-BD59-A6C34878D82A}">
+                        <a16:rowId xmlns:a16="http://schemas.microsoft.com/office/drawing/2014/main" val="3576275081"/>
+                      </a:ext>
+                    </a:extLst>
+                  </a:tr>
+                  <a:tr h="365760">
+                    <a:tc vMerge="1">
+                      <a:txBody>
+                        <a:bodyPr/>
+                        <a:lstStyle/>
+                        <a:p>
+                          <a:endParaRPr lang="en-ZA"/>
+                        </a:p>
+                      </a:txBody>
+                      <a:tcPr/>
+                    </a:tc>
+                    <a:tc vMerge="1">
+                      <a:txBody>
+                        <a:bodyPr/>
+                        <a:lstStyle/>
+                        <a:p>
+                          <a:endParaRPr lang="en-ZA"/>
+                        </a:p>
+                      </a:txBody>
+                      <a:tcPr/>
+                    </a:tc>
+                    <a:tc>
+                      <a:txBody>
+                        <a:bodyPr/>
+                        <a:lstStyle/>
+                        <a:p>
+                          <a:pPr marL="0" marR="0" lvl="0" indent="0" algn="l" defTabSz="914400" rtl="0" eaLnBrk="1" fontAlgn="auto" latinLnBrk="0" hangingPunct="1">
+                            <a:lnSpc>
+                              <a:spcPct val="100000"/>
+                            </a:lnSpc>
+                            <a:spcBef>
+                              <a:spcPts val="0"/>
+                            </a:spcBef>
+                            <a:spcAft>
+                              <a:spcPts val="0"/>
+                            </a:spcAft>
+                            <a:buClrTx/>
+                            <a:buSzTx/>
+                            <a:buFontTx/>
+                            <a:buNone/>
+                            <a:tabLst/>
+                            <a:defRPr/>
+                          </a:pPr>
+                          <a:r>
+                            <a:rPr lang="en-US" dirty="0"/>
+                            <a:t>Percentage of elements kept</a:t>
+                          </a:r>
+                          <a:endParaRPr lang="en-ZA" dirty="0"/>
+                        </a:p>
+                      </a:txBody>
+                      <a:tcPr anchor="ctr"/>
+                    </a:tc>
+                    <a:tc>
+                      <a:txBody>
+                        <a:bodyPr/>
+                        <a:lstStyle/>
+                        <a:p>
+                          <a:pPr algn="ctr"/>
+                          <a:r>
+                            <a:rPr lang="en-US" dirty="0"/>
+                            <a:t>10</a:t>
+                          </a:r>
+                          <a:endParaRPr lang="en-ZA" dirty="0"/>
+                        </a:p>
+                      </a:txBody>
+                      <a:tcPr anchor="ctr"/>
+                    </a:tc>
+                    <a:tc>
+                      <a:txBody>
+                        <a:bodyPr/>
+                        <a:lstStyle/>
+                        <a:p>
+                          <a:pPr algn="ctr"/>
+                          <a:r>
+                            <a:rPr lang="en-US" dirty="0"/>
+                            <a:t>90</a:t>
+                          </a:r>
+                          <a:endParaRPr lang="en-ZA" dirty="0"/>
+                        </a:p>
+                      </a:txBody>
+                      <a:tcPr anchor="ctr"/>
+                    </a:tc>
+                    <a:extLst>
+                      <a:ext uri="{0D108BD9-81ED-4DB2-BD59-A6C34878D82A}">
+                        <a16:rowId xmlns:a16="http://schemas.microsoft.com/office/drawing/2014/main" val="2531554922"/>
+                      </a:ext>
+                    </a:extLst>
+                  </a:tr>
+                </a:tbl>
+              </a:graphicData>
+            </a:graphic>
+          </p:graphicFrame>
+        </mc:Fallback>
+      </mc:AlternateContent>
     </p:spTree>
     <p:extLst>
       <p:ext uri="{BB962C8B-B14F-4D97-AF65-F5344CB8AC3E}">
-        <p14:creationId xmlns:p14="http://schemas.microsoft.com/office/powerpoint/2010/main" val="64178002"/>
+        <p14:creationId xmlns:p14="http://schemas.microsoft.com/office/powerpoint/2010/main" val="1924218437"/>
       </p:ext>
     </p:extLst>
   </p:cSld>
@@ -4101,2845 +5858,6 @@
           <p:cNvPr id="2" name="Title 1">
             <a:extLst>
               <a:ext uri="{FF2B5EF4-FFF2-40B4-BE49-F238E27FC236}">
-                <a16:creationId xmlns:a16="http://schemas.microsoft.com/office/drawing/2014/main" id="{9232246F-14C0-43D2-979E-E48083553A52}"/>
-              </a:ext>
-            </a:extLst>
-          </p:cNvPr>
-          <p:cNvSpPr>
-            <a:spLocks noGrp="1"/>
-          </p:cNvSpPr>
-          <p:nvPr>
-            <p:ph type="title"/>
-          </p:nvPr>
-        </p:nvSpPr>
-        <p:spPr/>
-        <p:txBody>
-          <a:bodyPr/>
-          <a:lstStyle/>
-          <a:p>
-            <a:r>
-              <a:rPr lang="en-US" dirty="0"/>
-              <a:t>Genetic Algorithms</a:t>
-            </a:r>
-            <a:endParaRPr lang="en-ZA" dirty="0"/>
-          </a:p>
-        </p:txBody>
-      </p:sp>
-      <p:sp>
-        <p:nvSpPr>
-          <p:cNvPr id="3" name="Content Placeholder 2">
-            <a:extLst>
-              <a:ext uri="{FF2B5EF4-FFF2-40B4-BE49-F238E27FC236}">
-                <a16:creationId xmlns:a16="http://schemas.microsoft.com/office/drawing/2014/main" id="{22B418A9-374C-42F8-9785-12BB7AFB9144}"/>
-              </a:ext>
-            </a:extLst>
-          </p:cNvPr>
-          <p:cNvSpPr>
-            <a:spLocks noGrp="1"/>
-          </p:cNvSpPr>
-          <p:nvPr>
-            <p:ph idx="1"/>
-          </p:nvPr>
-        </p:nvSpPr>
-        <p:spPr>
-          <a:xfrm>
-            <a:off x="1202919" y="4576762"/>
-            <a:ext cx="9784080" cy="1641157"/>
-          </a:xfrm>
-        </p:spPr>
-        <p:txBody>
-          <a:bodyPr/>
-          <a:lstStyle/>
-          <a:p>
-            <a:r>
-              <a:rPr lang="en-US" dirty="0"/>
-              <a:t>Points are prioritized over probability</a:t>
-            </a:r>
-          </a:p>
-          <a:p>
-            <a:r>
-              <a:rPr lang="en-US" dirty="0"/>
-              <a:t>Biased mutation</a:t>
-            </a:r>
-          </a:p>
-          <a:p>
-            <a:pPr lvl="1"/>
-            <a:r>
-              <a:rPr lang="en-US" dirty="0"/>
-              <a:t>Value is shifted up or down by 1</a:t>
-            </a:r>
-            <a:endParaRPr lang="en-ZA" dirty="0"/>
-          </a:p>
-        </p:txBody>
-      </p:sp>
-      <p:graphicFrame>
-        <p:nvGraphicFramePr>
-          <p:cNvPr id="5" name="Content Placeholder 3">
-            <a:extLst>
-              <a:ext uri="{FF2B5EF4-FFF2-40B4-BE49-F238E27FC236}">
-                <a16:creationId xmlns:a16="http://schemas.microsoft.com/office/drawing/2014/main" id="{EECE85A2-6E1F-48D2-8BEC-A2791FD1E37C}"/>
-              </a:ext>
-            </a:extLst>
-          </p:cNvPr>
-          <p:cNvGraphicFramePr>
-            <a:graphicFrameLocks/>
-          </p:cNvGraphicFramePr>
-          <p:nvPr>
-            <p:extLst>
-              <p:ext uri="{D42A27DB-BD31-4B8C-83A1-F6EECF244321}">
-                <p14:modId xmlns:p14="http://schemas.microsoft.com/office/powerpoint/2010/main" val="2521975454"/>
-              </p:ext>
-            </p:extLst>
-          </p:nvPr>
-        </p:nvGraphicFramePr>
-        <p:xfrm>
-          <a:off x="1203325" y="2011363"/>
-          <a:ext cx="3831591" cy="2565400"/>
-        </p:xfrm>
-        <a:graphic>
-          <a:graphicData uri="http://schemas.openxmlformats.org/drawingml/2006/table">
-            <a:tbl>
-              <a:tblPr firstRow="1" bandRow="1">
-                <a:tableStyleId>{073A0DAA-6AF3-43AB-8588-CEC1D06C72B9}</a:tableStyleId>
-              </a:tblPr>
-              <a:tblGrid>
-                <a:gridCol w="1778318">
-                  <a:extLst>
-                    <a:ext uri="{9D8B030D-6E8A-4147-A177-3AD203B41FA5}">
-                      <a16:colId xmlns:a16="http://schemas.microsoft.com/office/drawing/2014/main" val="743067059"/>
-                    </a:ext>
-                  </a:extLst>
-                </a:gridCol>
-                <a:gridCol w="1260793">
-                  <a:extLst>
-                    <a:ext uri="{9D8B030D-6E8A-4147-A177-3AD203B41FA5}">
-                      <a16:colId xmlns:a16="http://schemas.microsoft.com/office/drawing/2014/main" val="2851810920"/>
-                    </a:ext>
-                  </a:extLst>
-                </a:gridCol>
-                <a:gridCol w="792480">
-                  <a:extLst>
-                    <a:ext uri="{9D8B030D-6E8A-4147-A177-3AD203B41FA5}">
-                      <a16:colId xmlns:a16="http://schemas.microsoft.com/office/drawing/2014/main" val="2563105920"/>
-                    </a:ext>
-                  </a:extLst>
-                </a:gridCol>
-              </a:tblGrid>
-              <a:tr h="370840">
-                <a:tc>
-                  <a:txBody>
-                    <a:bodyPr/>
-                    <a:lstStyle/>
-                    <a:p>
-                      <a:pPr algn="ctr"/>
-                      <a:r>
-                        <a:rPr lang="en-US" dirty="0"/>
-                        <a:t>Modification</a:t>
-                      </a:r>
-                      <a:endParaRPr lang="en-ZA" dirty="0"/>
-                    </a:p>
-                  </a:txBody>
-                  <a:tcPr anchor="ctr"/>
-                </a:tc>
-                <a:tc>
-                  <a:txBody>
-                    <a:bodyPr/>
-                    <a:lstStyle/>
-                    <a:p>
-                      <a:pPr algn="ctr"/>
-                      <a:r>
-                        <a:rPr lang="en-US" dirty="0"/>
-                        <a:t>Variables</a:t>
-                      </a:r>
-                      <a:endParaRPr lang="en-ZA" dirty="0"/>
-                    </a:p>
-                  </a:txBody>
-                  <a:tcPr anchor="ctr"/>
-                </a:tc>
-                <a:tc>
-                  <a:txBody>
-                    <a:bodyPr/>
-                    <a:lstStyle/>
-                    <a:p>
-                      <a:pPr algn="ctr"/>
-                      <a:r>
-                        <a:rPr lang="en-US" dirty="0"/>
-                        <a:t>Value</a:t>
-                      </a:r>
-                      <a:endParaRPr lang="en-ZA" dirty="0"/>
-                    </a:p>
-                  </a:txBody>
-                  <a:tcPr anchor="ctr"/>
-                </a:tc>
-                <a:extLst>
-                  <a:ext uri="{0D108BD9-81ED-4DB2-BD59-A6C34878D82A}">
-                    <a16:rowId xmlns:a16="http://schemas.microsoft.com/office/drawing/2014/main" val="103620994"/>
-                  </a:ext>
-                </a:extLst>
-              </a:tr>
-              <a:tr h="185420">
-                <a:tc rowSpan="2">
-                  <a:txBody>
-                    <a:bodyPr/>
-                    <a:lstStyle/>
-                    <a:p>
-                      <a:r>
-                        <a:rPr lang="en-US" dirty="0"/>
-                        <a:t>Crossover</a:t>
-                      </a:r>
-                    </a:p>
-                  </a:txBody>
-                  <a:tcPr anchor="ctr"/>
-                </a:tc>
-                <a:tc>
-                  <a:txBody>
-                    <a:bodyPr/>
-                    <a:lstStyle/>
-                    <a:p>
-                      <a:r>
-                        <a:rPr lang="en-US" dirty="0"/>
-                        <a:t>Points</a:t>
-                      </a:r>
-                      <a:endParaRPr lang="en-ZA" dirty="0"/>
-                    </a:p>
-                  </a:txBody>
-                  <a:tcPr anchor="ctr"/>
-                </a:tc>
-                <a:tc>
-                  <a:txBody>
-                    <a:bodyPr/>
-                    <a:lstStyle/>
-                    <a:p>
-                      <a:pPr algn="ctr"/>
-                      <a:r>
-                        <a:rPr lang="en-US" dirty="0"/>
-                        <a:t>2</a:t>
-                      </a:r>
-                      <a:endParaRPr lang="en-ZA" dirty="0"/>
-                    </a:p>
-                  </a:txBody>
-                  <a:tcPr anchor="ctr"/>
-                </a:tc>
-                <a:extLst>
-                  <a:ext uri="{0D108BD9-81ED-4DB2-BD59-A6C34878D82A}">
-                    <a16:rowId xmlns:a16="http://schemas.microsoft.com/office/drawing/2014/main" val="3998627747"/>
-                  </a:ext>
-                </a:extLst>
-              </a:tr>
-              <a:tr h="185420">
-                <a:tc vMerge="1">
-                  <a:txBody>
-                    <a:bodyPr/>
-                    <a:lstStyle/>
-                    <a:p>
-                      <a:endParaRPr lang="en-ZA"/>
-                    </a:p>
-                  </a:txBody>
-                  <a:tcPr/>
-                </a:tc>
-                <a:tc>
-                  <a:txBody>
-                    <a:bodyPr/>
-                    <a:lstStyle/>
-                    <a:p>
-                      <a:r>
-                        <a:rPr lang="en-US" dirty="0"/>
-                        <a:t>Probability</a:t>
-                      </a:r>
-                      <a:endParaRPr lang="en-ZA" dirty="0"/>
-                    </a:p>
-                  </a:txBody>
-                  <a:tcPr anchor="ctr"/>
-                </a:tc>
-                <a:tc>
-                  <a:txBody>
-                    <a:bodyPr/>
-                    <a:lstStyle/>
-                    <a:p>
-                      <a:pPr algn="ctr"/>
-                      <a:r>
-                        <a:rPr lang="en-US" dirty="0"/>
-                        <a:t>0,9</a:t>
-                      </a:r>
-                      <a:endParaRPr lang="en-ZA" dirty="0"/>
-                    </a:p>
-                  </a:txBody>
-                  <a:tcPr anchor="ctr"/>
-                </a:tc>
-                <a:extLst>
-                  <a:ext uri="{0D108BD9-81ED-4DB2-BD59-A6C34878D82A}">
-                    <a16:rowId xmlns:a16="http://schemas.microsoft.com/office/drawing/2014/main" val="3379584247"/>
-                  </a:ext>
-                </a:extLst>
-              </a:tr>
-              <a:tr h="185420">
-                <a:tc rowSpan="2">
-                  <a:txBody>
-                    <a:bodyPr/>
-                    <a:lstStyle/>
-                    <a:p>
-                      <a:pPr marL="0" marR="0" lvl="0" indent="0" algn="l" defTabSz="914400" rtl="0" eaLnBrk="1" fontAlgn="auto" latinLnBrk="0" hangingPunct="1">
-                        <a:lnSpc>
-                          <a:spcPct val="100000"/>
-                        </a:lnSpc>
-                        <a:spcBef>
-                          <a:spcPts val="0"/>
-                        </a:spcBef>
-                        <a:spcAft>
-                          <a:spcPts val="0"/>
-                        </a:spcAft>
-                        <a:buClrTx/>
-                        <a:buSzTx/>
-                        <a:buFontTx/>
-                        <a:buNone/>
-                        <a:tabLst/>
-                        <a:defRPr/>
-                      </a:pPr>
-                      <a:r>
-                        <a:rPr lang="en-US" dirty="0"/>
-                        <a:t>Mutation</a:t>
-                      </a:r>
-                    </a:p>
-                  </a:txBody>
-                  <a:tcPr anchor="ctr"/>
-                </a:tc>
-                <a:tc>
-                  <a:txBody>
-                    <a:bodyPr/>
-                    <a:lstStyle/>
-                    <a:p>
-                      <a:r>
-                        <a:rPr lang="en-US" dirty="0"/>
-                        <a:t>Points</a:t>
-                      </a:r>
-                      <a:endParaRPr lang="en-ZA" dirty="0"/>
-                    </a:p>
-                  </a:txBody>
-                  <a:tcPr anchor="ctr"/>
-                </a:tc>
-                <a:tc>
-                  <a:txBody>
-                    <a:bodyPr/>
-                    <a:lstStyle/>
-                    <a:p>
-                      <a:pPr algn="ctr"/>
-                      <a:r>
-                        <a:rPr lang="en-US" dirty="0"/>
-                        <a:t>2</a:t>
-                      </a:r>
-                      <a:endParaRPr lang="en-ZA" dirty="0"/>
-                    </a:p>
-                  </a:txBody>
-                  <a:tcPr anchor="ctr"/>
-                </a:tc>
-                <a:extLst>
-                  <a:ext uri="{0D108BD9-81ED-4DB2-BD59-A6C34878D82A}">
-                    <a16:rowId xmlns:a16="http://schemas.microsoft.com/office/drawing/2014/main" val="3679364409"/>
-                  </a:ext>
-                </a:extLst>
-              </a:tr>
-              <a:tr h="185420">
-                <a:tc vMerge="1">
-                  <a:txBody>
-                    <a:bodyPr/>
-                    <a:lstStyle/>
-                    <a:p>
-                      <a:endParaRPr lang="en-ZA"/>
-                    </a:p>
-                  </a:txBody>
-                  <a:tcPr/>
-                </a:tc>
-                <a:tc>
-                  <a:txBody>
-                    <a:bodyPr/>
-                    <a:lstStyle/>
-                    <a:p>
-                      <a:r>
-                        <a:rPr lang="en-US" dirty="0"/>
-                        <a:t>Probability</a:t>
-                      </a:r>
-                      <a:endParaRPr lang="en-ZA" dirty="0"/>
-                    </a:p>
-                  </a:txBody>
-                  <a:tcPr anchor="ctr"/>
-                </a:tc>
-                <a:tc>
-                  <a:txBody>
-                    <a:bodyPr/>
-                    <a:lstStyle/>
-                    <a:p>
-                      <a:pPr algn="ctr"/>
-                      <a:r>
-                        <a:rPr lang="en-US" dirty="0"/>
-                        <a:t>0,1</a:t>
-                      </a:r>
-                      <a:endParaRPr lang="en-ZA" dirty="0"/>
-                    </a:p>
-                  </a:txBody>
-                  <a:tcPr anchor="ctr"/>
-                </a:tc>
-                <a:extLst>
-                  <a:ext uri="{0D108BD9-81ED-4DB2-BD59-A6C34878D82A}">
-                    <a16:rowId xmlns:a16="http://schemas.microsoft.com/office/drawing/2014/main" val="353995108"/>
-                  </a:ext>
-                </a:extLst>
-              </a:tr>
-              <a:tr h="185420">
-                <a:tc rowSpan="2">
-                  <a:txBody>
-                    <a:bodyPr/>
-                    <a:lstStyle/>
-                    <a:p>
-                      <a:pPr marL="0" marR="0" lvl="0" indent="0" algn="l" defTabSz="914400" rtl="0" eaLnBrk="1" fontAlgn="auto" latinLnBrk="0" hangingPunct="1">
-                        <a:lnSpc>
-                          <a:spcPct val="100000"/>
-                        </a:lnSpc>
-                        <a:spcBef>
-                          <a:spcPts val="0"/>
-                        </a:spcBef>
-                        <a:spcAft>
-                          <a:spcPts val="0"/>
-                        </a:spcAft>
-                        <a:buClrTx/>
-                        <a:buSzTx/>
-                        <a:buFontTx/>
-                        <a:buNone/>
-                        <a:tabLst/>
-                        <a:defRPr/>
-                      </a:pPr>
-                      <a:r>
-                        <a:rPr lang="en-US" dirty="0"/>
-                        <a:t>Biased mutation</a:t>
-                      </a:r>
-                    </a:p>
-                  </a:txBody>
-                  <a:tcPr anchor="ctr"/>
-                </a:tc>
-                <a:tc>
-                  <a:txBody>
-                    <a:bodyPr/>
-                    <a:lstStyle/>
-                    <a:p>
-                      <a:r>
-                        <a:rPr lang="en-US" dirty="0"/>
-                        <a:t>Points</a:t>
-                      </a:r>
-                      <a:endParaRPr lang="en-ZA" dirty="0"/>
-                    </a:p>
-                  </a:txBody>
-                  <a:tcPr anchor="ctr"/>
-                </a:tc>
-                <a:tc>
-                  <a:txBody>
-                    <a:bodyPr/>
-                    <a:lstStyle/>
-                    <a:p>
-                      <a:pPr algn="ctr"/>
-                      <a:r>
-                        <a:rPr lang="en-US" dirty="0"/>
-                        <a:t>2</a:t>
-                      </a:r>
-                      <a:endParaRPr lang="en-ZA" dirty="0"/>
-                    </a:p>
-                  </a:txBody>
-                  <a:tcPr anchor="ctr"/>
-                </a:tc>
-                <a:extLst>
-                  <a:ext uri="{0D108BD9-81ED-4DB2-BD59-A6C34878D82A}">
-                    <a16:rowId xmlns:a16="http://schemas.microsoft.com/office/drawing/2014/main" val="2585565624"/>
-                  </a:ext>
-                </a:extLst>
-              </a:tr>
-              <a:tr h="185420">
-                <a:tc vMerge="1">
-                  <a:txBody>
-                    <a:bodyPr/>
-                    <a:lstStyle/>
-                    <a:p>
-                      <a:endParaRPr lang="en-ZA"/>
-                    </a:p>
-                  </a:txBody>
-                  <a:tcPr/>
-                </a:tc>
-                <a:tc>
-                  <a:txBody>
-                    <a:bodyPr/>
-                    <a:lstStyle/>
-                    <a:p>
-                      <a:r>
-                        <a:rPr lang="en-US" dirty="0"/>
-                        <a:t>Probability</a:t>
-                      </a:r>
-                      <a:endParaRPr lang="en-ZA" dirty="0"/>
-                    </a:p>
-                  </a:txBody>
-                  <a:tcPr anchor="ctr"/>
-                </a:tc>
-                <a:tc>
-                  <a:txBody>
-                    <a:bodyPr/>
-                    <a:lstStyle/>
-                    <a:p>
-                      <a:pPr algn="ctr"/>
-                      <a:r>
-                        <a:rPr lang="en-US" dirty="0"/>
-                        <a:t>0,5</a:t>
-                      </a:r>
-                      <a:endParaRPr lang="en-ZA" dirty="0"/>
-                    </a:p>
-                  </a:txBody>
-                  <a:tcPr anchor="ctr"/>
-                </a:tc>
-                <a:extLst>
-                  <a:ext uri="{0D108BD9-81ED-4DB2-BD59-A6C34878D82A}">
-                    <a16:rowId xmlns:a16="http://schemas.microsoft.com/office/drawing/2014/main" val="3352934259"/>
-                  </a:ext>
-                </a:extLst>
-              </a:tr>
-            </a:tbl>
-          </a:graphicData>
-        </a:graphic>
-      </p:graphicFrame>
-    </p:spTree>
-    <p:extLst>
-      <p:ext uri="{BB962C8B-B14F-4D97-AF65-F5344CB8AC3E}">
-        <p14:creationId xmlns:p14="http://schemas.microsoft.com/office/powerpoint/2010/main" val="241207703"/>
-      </p:ext>
-    </p:extLst>
-  </p:cSld>
-  <p:clrMapOvr>
-    <a:masterClrMapping/>
-  </p:clrMapOvr>
-</p:sld>
-</file>
-
-<file path=ppt/slides/slide5.xml><?xml version="1.0" encoding="utf-8"?>
-<p:sld xmlns:a="http://schemas.openxmlformats.org/drawingml/2006/main" xmlns:r="http://schemas.openxmlformats.org/officeDocument/2006/relationships" xmlns:p="http://schemas.openxmlformats.org/presentationml/2006/main">
-  <p:cSld>
-    <p:spTree>
-      <p:nvGrpSpPr>
-        <p:cNvPr id="1" name=""/>
-        <p:cNvGrpSpPr/>
-        <p:nvPr/>
-      </p:nvGrpSpPr>
-      <p:grpSpPr>
-        <a:xfrm>
-          <a:off x="0" y="0"/>
-          <a:ext cx="0" cy="0"/>
-          <a:chOff x="0" y="0"/>
-          <a:chExt cx="0" cy="0"/>
-        </a:xfrm>
-      </p:grpSpPr>
-      <p:sp>
-        <p:nvSpPr>
-          <p:cNvPr id="2" name="Title 1">
-            <a:extLst>
-              <a:ext uri="{FF2B5EF4-FFF2-40B4-BE49-F238E27FC236}">
-                <a16:creationId xmlns:a16="http://schemas.microsoft.com/office/drawing/2014/main" id="{3A33387A-8A99-4696-A45C-46B956077DD4}"/>
-              </a:ext>
-            </a:extLst>
-          </p:cNvPr>
-          <p:cNvSpPr>
-            <a:spLocks noGrp="1"/>
-          </p:cNvSpPr>
-          <p:nvPr>
-            <p:ph type="title"/>
-          </p:nvPr>
-        </p:nvSpPr>
-        <p:spPr/>
-        <p:txBody>
-          <a:bodyPr/>
-          <a:lstStyle/>
-          <a:p>
-            <a:r>
-              <a:rPr lang="en-US" dirty="0"/>
-              <a:t>Genetic Algorithms</a:t>
-            </a:r>
-            <a:endParaRPr lang="en-ZA" dirty="0"/>
-          </a:p>
-        </p:txBody>
-      </p:sp>
-      <mc:AlternateContent xmlns:mc="http://schemas.openxmlformats.org/markup-compatibility/2006">
-        <mc:Choice xmlns:a14="http://schemas.microsoft.com/office/drawing/2010/main" Requires="a14">
-          <p:sp>
-            <p:nvSpPr>
-              <p:cNvPr id="3" name="Content Placeholder 2">
-                <a:extLst>
-                  <a:ext uri="{FF2B5EF4-FFF2-40B4-BE49-F238E27FC236}">
-                    <a16:creationId xmlns:a16="http://schemas.microsoft.com/office/drawing/2014/main" id="{2001177F-A324-4530-AE58-0B7BEC7BA198}"/>
-                  </a:ext>
-                </a:extLst>
-              </p:cNvPr>
-              <p:cNvSpPr>
-                <a:spLocks noGrp="1"/>
-              </p:cNvSpPr>
-              <p:nvPr>
-                <p:ph idx="1"/>
-              </p:nvPr>
-            </p:nvSpPr>
-            <p:spPr/>
-            <p:txBody>
-              <a:bodyPr/>
-              <a:lstStyle/>
-              <a:p>
-                <a:r>
-                  <a:rPr lang="en-US" dirty="0"/>
-                  <a:t>Parent fitness evaluation</a:t>
-                </a:r>
-              </a:p>
-              <a:p>
-                <a:pPr marL="228600" lvl="1" indent="0">
-                  <a:buNone/>
-                </a:pPr>
-                <a14:m>
-                  <m:oMathPara xmlns:m="http://schemas.openxmlformats.org/officeDocument/2006/math">
-                    <m:oMathParaPr>
-                      <m:jc m:val="centerGroup"/>
-                    </m:oMathParaPr>
-                    <m:oMath xmlns:m="http://schemas.openxmlformats.org/officeDocument/2006/math">
-                      <m:sSub>
-                        <m:sSubPr>
-                          <m:ctrlPr>
-                            <a:rPr lang="en-US" i="1" smtClean="0">
-                              <a:latin typeface="Cambria Math" panose="02040503050406030204" pitchFamily="18" charset="0"/>
-                            </a:rPr>
-                          </m:ctrlPr>
-                        </m:sSubPr>
-                        <m:e>
-                          <m:r>
-                            <a:rPr lang="en-US" b="0" i="1" smtClean="0">
-                              <a:latin typeface="Cambria Math" panose="02040503050406030204" pitchFamily="18" charset="0"/>
-                            </a:rPr>
-                            <m:t>𝑓</m:t>
-                          </m:r>
-                        </m:e>
-                        <m:sub>
-                          <m:r>
-                            <a:rPr lang="en-US" b="0" i="1" smtClean="0">
-                              <a:latin typeface="Cambria Math" panose="02040503050406030204" pitchFamily="18" charset="0"/>
-                            </a:rPr>
-                            <m:t>𝑖</m:t>
-                          </m:r>
-                        </m:sub>
-                      </m:sSub>
-                      <m:r>
-                        <a:rPr lang="en-US" b="0" i="1" smtClean="0">
-                          <a:latin typeface="Cambria Math" panose="02040503050406030204" pitchFamily="18" charset="0"/>
-                        </a:rPr>
-                        <m:t>=</m:t>
-                      </m:r>
-                      <m:f>
-                        <m:fPr>
-                          <m:ctrlPr>
-                            <a:rPr lang="en-US" b="0" i="1" smtClean="0">
-                              <a:latin typeface="Cambria Math" panose="02040503050406030204" pitchFamily="18" charset="0"/>
-                            </a:rPr>
-                          </m:ctrlPr>
-                        </m:fPr>
-                        <m:num>
-                          <m:r>
-                            <a:rPr lang="en-US" b="0" i="1" smtClean="0">
-                              <a:latin typeface="Cambria Math" panose="02040503050406030204" pitchFamily="18" charset="0"/>
-                            </a:rPr>
-                            <m:t>2</m:t>
-                          </m:r>
-                          <m:sSup>
-                            <m:sSupPr>
-                              <m:ctrlPr>
-                                <a:rPr lang="en-US" b="0" i="1" smtClean="0">
-                                  <a:latin typeface="Cambria Math" panose="02040503050406030204" pitchFamily="18" charset="0"/>
-                                </a:rPr>
-                              </m:ctrlPr>
-                            </m:sSupPr>
-                            <m:e>
-                              <m:d>
-                                <m:dPr>
-                                  <m:ctrlPr>
-                                    <a:rPr lang="en-US" b="0" i="1" smtClean="0">
-                                      <a:latin typeface="Cambria Math" panose="02040503050406030204" pitchFamily="18" charset="0"/>
-                                    </a:rPr>
-                                  </m:ctrlPr>
-                                </m:dPr>
-                                <m:e>
-                                  <m:r>
-                                    <a:rPr lang="en-US" b="0" i="1" smtClean="0">
-                                      <a:latin typeface="Cambria Math" panose="02040503050406030204" pitchFamily="18" charset="0"/>
-                                    </a:rPr>
-                                    <m:t>𝑝</m:t>
-                                  </m:r>
-                                  <m:r>
-                                    <a:rPr lang="en-US" b="0" i="1" smtClean="0">
-                                      <a:latin typeface="Cambria Math" panose="02040503050406030204" pitchFamily="18" charset="0"/>
-                                    </a:rPr>
-                                    <m:t>+1−</m:t>
-                                  </m:r>
-                                  <m:r>
-                                    <a:rPr lang="en-US" b="0" i="1" smtClean="0">
-                                      <a:latin typeface="Cambria Math" panose="02040503050406030204" pitchFamily="18" charset="0"/>
-                                    </a:rPr>
-                                    <m:t>𝑖</m:t>
-                                  </m:r>
-                                </m:e>
-                              </m:d>
-                            </m:e>
-                            <m:sup>
-                              <m:r>
-                                <a:rPr lang="en-US" b="0" i="1" smtClean="0">
-                                  <a:latin typeface="Cambria Math" panose="02040503050406030204" pitchFamily="18" charset="0"/>
-                                </a:rPr>
-                                <m:t>𝑐</m:t>
-                              </m:r>
-                            </m:sup>
-                          </m:sSup>
-                        </m:num>
-                        <m:den>
-                          <m:sSup>
-                            <m:sSupPr>
-                              <m:ctrlPr>
-                                <a:rPr lang="en-US" b="0" i="1" smtClean="0">
-                                  <a:latin typeface="Cambria Math" panose="02040503050406030204" pitchFamily="18" charset="0"/>
-                                </a:rPr>
-                              </m:ctrlPr>
-                            </m:sSupPr>
-                            <m:e>
-                              <m:r>
-                                <a:rPr lang="en-US" b="0" i="1" smtClean="0">
-                                  <a:latin typeface="Cambria Math" panose="02040503050406030204" pitchFamily="18" charset="0"/>
-                                </a:rPr>
-                                <m:t>𝑝</m:t>
-                              </m:r>
-                            </m:e>
-                            <m:sup>
-                              <m:r>
-                                <a:rPr lang="en-US" b="0" i="1" smtClean="0">
-                                  <a:latin typeface="Cambria Math" panose="02040503050406030204" pitchFamily="18" charset="0"/>
-                                </a:rPr>
-                                <m:t>2</m:t>
-                              </m:r>
-                            </m:sup>
-                          </m:sSup>
-                          <m:r>
-                            <a:rPr lang="en-US" b="0" i="1" smtClean="0">
-                              <a:latin typeface="Cambria Math" panose="02040503050406030204" pitchFamily="18" charset="0"/>
-                            </a:rPr>
-                            <m:t>+</m:t>
-                          </m:r>
-                          <m:r>
-                            <a:rPr lang="en-US" b="0" i="1" smtClean="0">
-                              <a:latin typeface="Cambria Math" panose="02040503050406030204" pitchFamily="18" charset="0"/>
-                            </a:rPr>
-                            <m:t>𝑝</m:t>
-                          </m:r>
-                        </m:den>
-                      </m:f>
-                    </m:oMath>
-                  </m:oMathPara>
-                </a14:m>
-                <a:endParaRPr lang="en-US" dirty="0"/>
-              </a:p>
-              <a:p>
-                <a:pPr lvl="1"/>
-                <a:r>
-                  <a:rPr lang="en-US" dirty="0"/>
-                  <a:t>Where</a:t>
-                </a:r>
-              </a:p>
-              <a:p>
-                <a:pPr lvl="2"/>
-                <a14:m>
-                  <m:oMath xmlns:m="http://schemas.openxmlformats.org/officeDocument/2006/math">
-                    <m:r>
-                      <a:rPr lang="en-US" i="1">
-                        <a:latin typeface="Cambria Math" panose="02040503050406030204" pitchFamily="18" charset="0"/>
-                      </a:rPr>
-                      <m:t>𝑓</m:t>
-                    </m:r>
-                  </m:oMath>
-                </a14:m>
-                <a:r>
-                  <a:rPr lang="en-US" dirty="0"/>
-                  <a:t> is the relative fitness of the parent</a:t>
-                </a:r>
-              </a:p>
-              <a:p>
-                <a:pPr lvl="2"/>
-                <a14:m>
-                  <m:oMath xmlns:m="http://schemas.openxmlformats.org/officeDocument/2006/math">
-                    <m:r>
-                      <a:rPr lang="en-US" i="1">
-                        <a:latin typeface="Cambria Math" panose="02040503050406030204" pitchFamily="18" charset="0"/>
-                      </a:rPr>
-                      <m:t>𝑝</m:t>
-                    </m:r>
-                  </m:oMath>
-                </a14:m>
-                <a:r>
-                  <a:rPr lang="en-US" dirty="0"/>
-                  <a:t> is the population size</a:t>
-                </a:r>
-              </a:p>
-              <a:p>
-                <a:pPr lvl="2"/>
-                <a14:m>
-                  <m:oMath xmlns:m="http://schemas.openxmlformats.org/officeDocument/2006/math">
-                    <m:r>
-                      <a:rPr lang="en-US" i="1">
-                        <a:latin typeface="Cambria Math" panose="02040503050406030204" pitchFamily="18" charset="0"/>
-                      </a:rPr>
-                      <m:t>𝑐</m:t>
-                    </m:r>
-                  </m:oMath>
-                </a14:m>
-                <a:r>
-                  <a:rPr lang="en-US" dirty="0"/>
-                  <a:t> is the fitness function constant, usually 1</a:t>
-                </a:r>
-              </a:p>
-              <a:p>
-                <a:pPr lvl="2"/>
-                <a14:m>
-                  <m:oMath xmlns:m="http://schemas.openxmlformats.org/officeDocument/2006/math">
-                    <m:r>
-                      <a:rPr lang="en-US" b="0" i="1" smtClean="0">
-                        <a:latin typeface="Cambria Math" panose="02040503050406030204" pitchFamily="18" charset="0"/>
-                      </a:rPr>
-                      <m:t>𝑖</m:t>
-                    </m:r>
-                  </m:oMath>
-                </a14:m>
-                <a:r>
-                  <a:rPr lang="en-US" dirty="0"/>
-                  <a:t> is the rank of the parent</a:t>
-                </a:r>
-              </a:p>
-              <a:p>
-                <a:pPr marL="228600" lvl="1" indent="0">
-                  <a:buNone/>
-                </a:pPr>
-                <a:endParaRPr lang="en-US" dirty="0"/>
-              </a:p>
-              <a:p>
-                <a:endParaRPr lang="en-ZA" dirty="0"/>
-              </a:p>
-            </p:txBody>
-          </p:sp>
-        </mc:Choice>
-        <mc:Fallback>
-          <p:sp>
-            <p:nvSpPr>
-              <p:cNvPr id="3" name="Content Placeholder 2">
-                <a:extLst>
-                  <a:ext uri="{FF2B5EF4-FFF2-40B4-BE49-F238E27FC236}">
-                    <a16:creationId xmlns:a16="http://schemas.microsoft.com/office/drawing/2014/main" id="{2001177F-A324-4530-AE58-0B7BEC7BA198}"/>
-                  </a:ext>
-                </a:extLst>
-              </p:cNvPr>
-              <p:cNvSpPr>
-                <a:spLocks noGrp="1" noRot="1" noChangeAspect="1" noMove="1" noResize="1" noEditPoints="1" noAdjustHandles="1" noChangeArrowheads="1" noChangeShapeType="1" noTextEdit="1"/>
-              </p:cNvSpPr>
-              <p:nvPr>
-                <p:ph idx="1"/>
-              </p:nvPr>
-            </p:nvSpPr>
-            <p:spPr>
-              <a:blipFill>
-                <a:blip r:embed="rId2"/>
-                <a:stretch>
-                  <a:fillRect l="-685" t="-1884"/>
-                </a:stretch>
-              </a:blipFill>
-            </p:spPr>
-            <p:txBody>
-              <a:bodyPr/>
-              <a:lstStyle/>
-              <a:p>
-                <a:r>
-                  <a:rPr lang="en-ZA">
-                    <a:noFill/>
-                  </a:rPr>
-                  <a:t> </a:t>
-                </a:r>
-              </a:p>
-            </p:txBody>
-          </p:sp>
-        </mc:Fallback>
-      </mc:AlternateContent>
-    </p:spTree>
-    <p:extLst>
-      <p:ext uri="{BB962C8B-B14F-4D97-AF65-F5344CB8AC3E}">
-        <p14:creationId xmlns:p14="http://schemas.microsoft.com/office/powerpoint/2010/main" val="4154351785"/>
-      </p:ext>
-    </p:extLst>
-  </p:cSld>
-  <p:clrMapOvr>
-    <a:masterClrMapping/>
-  </p:clrMapOvr>
-</p:sld>
-</file>
-
-<file path=ppt/slides/slide6.xml><?xml version="1.0" encoding="utf-8"?>
-<p:sld xmlns:a="http://schemas.openxmlformats.org/drawingml/2006/main" xmlns:r="http://schemas.openxmlformats.org/officeDocument/2006/relationships" xmlns:p="http://schemas.openxmlformats.org/presentationml/2006/main">
-  <p:cSld>
-    <p:spTree>
-      <p:nvGrpSpPr>
-        <p:cNvPr id="1" name=""/>
-        <p:cNvGrpSpPr/>
-        <p:nvPr/>
-      </p:nvGrpSpPr>
-      <p:grpSpPr>
-        <a:xfrm>
-          <a:off x="0" y="0"/>
-          <a:ext cx="0" cy="0"/>
-          <a:chOff x="0" y="0"/>
-          <a:chExt cx="0" cy="0"/>
-        </a:xfrm>
-      </p:grpSpPr>
-      <p:sp>
-        <p:nvSpPr>
-          <p:cNvPr id="2" name="Title 1">
-            <a:extLst>
-              <a:ext uri="{FF2B5EF4-FFF2-40B4-BE49-F238E27FC236}">
-                <a16:creationId xmlns:a16="http://schemas.microsoft.com/office/drawing/2014/main" id="{043741F0-34F9-4F30-9D5E-64ECA5D99D68}"/>
-              </a:ext>
-            </a:extLst>
-          </p:cNvPr>
-          <p:cNvSpPr>
-            <a:spLocks noGrp="1"/>
-          </p:cNvSpPr>
-          <p:nvPr>
-            <p:ph type="title"/>
-          </p:nvPr>
-        </p:nvSpPr>
-        <p:spPr/>
-        <p:txBody>
-          <a:bodyPr/>
-          <a:lstStyle/>
-          <a:p>
-            <a:r>
-              <a:rPr lang="en-US" dirty="0"/>
-              <a:t>Genetic Algorithms</a:t>
-            </a:r>
-            <a:endParaRPr lang="en-ZA" dirty="0"/>
-          </a:p>
-        </p:txBody>
-      </p:sp>
-      <p:graphicFrame>
-        <p:nvGraphicFramePr>
-          <p:cNvPr id="4" name="Table 4">
-            <a:extLst>
-              <a:ext uri="{FF2B5EF4-FFF2-40B4-BE49-F238E27FC236}">
-                <a16:creationId xmlns:a16="http://schemas.microsoft.com/office/drawing/2014/main" id="{D1A1BEFB-6B33-4839-B4D9-7F6270894A91}"/>
-              </a:ext>
-            </a:extLst>
-          </p:cNvPr>
-          <p:cNvGraphicFramePr>
-            <a:graphicFrameLocks noGrp="1"/>
-          </p:cNvGraphicFramePr>
-          <p:nvPr>
-            <p:ph idx="1"/>
-            <p:extLst>
-              <p:ext uri="{D42A27DB-BD31-4B8C-83A1-F6EECF244321}">
-                <p14:modId xmlns:p14="http://schemas.microsoft.com/office/powerpoint/2010/main" val="830942306"/>
-              </p:ext>
-            </p:extLst>
-          </p:nvPr>
-        </p:nvGraphicFramePr>
-        <p:xfrm>
-          <a:off x="1203325" y="2011363"/>
-          <a:ext cx="9589008" cy="2956560"/>
-        </p:xfrm>
-        <a:graphic>
-          <a:graphicData uri="http://schemas.openxmlformats.org/drawingml/2006/table">
-            <a:tbl>
-              <a:tblPr firstRow="1" bandRow="1">
-                <a:tableStyleId>{073A0DAA-6AF3-43AB-8588-CEC1D06C72B9}</a:tableStyleId>
-              </a:tblPr>
-              <a:tblGrid>
-                <a:gridCol w="2165668">
-                  <a:extLst>
-                    <a:ext uri="{9D8B030D-6E8A-4147-A177-3AD203B41FA5}">
-                      <a16:colId xmlns:a16="http://schemas.microsoft.com/office/drawing/2014/main" val="222272620"/>
-                    </a:ext>
-                  </a:extLst>
-                </a:gridCol>
-                <a:gridCol w="2269680">
-                  <a:extLst>
-                    <a:ext uri="{9D8B030D-6E8A-4147-A177-3AD203B41FA5}">
-                      <a16:colId xmlns:a16="http://schemas.microsoft.com/office/drawing/2014/main" val="3704541889"/>
-                    </a:ext>
-                  </a:extLst>
-                </a:gridCol>
-                <a:gridCol w="3062605">
-                  <a:extLst>
-                    <a:ext uri="{9D8B030D-6E8A-4147-A177-3AD203B41FA5}">
-                      <a16:colId xmlns:a16="http://schemas.microsoft.com/office/drawing/2014/main" val="3962150568"/>
-                    </a:ext>
-                  </a:extLst>
-                </a:gridCol>
-                <a:gridCol w="2091055">
-                  <a:extLst>
-                    <a:ext uri="{9D8B030D-6E8A-4147-A177-3AD203B41FA5}">
-                      <a16:colId xmlns:a16="http://schemas.microsoft.com/office/drawing/2014/main" val="2235608262"/>
-                    </a:ext>
-                  </a:extLst>
-                </a:gridCol>
-              </a:tblGrid>
-              <a:tr h="370840">
-                <a:tc>
-                  <a:txBody>
-                    <a:bodyPr/>
-                    <a:lstStyle/>
-                    <a:p>
-                      <a:pPr algn="ctr"/>
-                      <a:r>
-                        <a:rPr lang="en-US" dirty="0"/>
-                        <a:t>Generation Method</a:t>
-                      </a:r>
-                      <a:endParaRPr lang="en-ZA" dirty="0"/>
-                    </a:p>
-                  </a:txBody>
-                  <a:tcPr anchor="ctr"/>
-                </a:tc>
-                <a:tc>
-                  <a:txBody>
-                    <a:bodyPr/>
-                    <a:lstStyle/>
-                    <a:p>
-                      <a:pPr algn="ctr"/>
-                      <a:r>
-                        <a:rPr lang="en-US" dirty="0"/>
-                        <a:t>Number Of Variables</a:t>
-                      </a:r>
-                      <a:endParaRPr lang="en-ZA" dirty="0"/>
-                    </a:p>
-                  </a:txBody>
-                  <a:tcPr anchor="ctr"/>
-                </a:tc>
-                <a:tc>
-                  <a:txBody>
-                    <a:bodyPr/>
-                    <a:lstStyle/>
-                    <a:p>
-                      <a:pPr algn="ctr"/>
-                      <a:r>
-                        <a:rPr lang="en-US" dirty="0"/>
-                        <a:t>Variables</a:t>
-                      </a:r>
-                      <a:endParaRPr lang="en-ZA" dirty="0"/>
-                    </a:p>
-                  </a:txBody>
-                  <a:tcPr anchor="ctr"/>
-                </a:tc>
-                <a:tc>
-                  <a:txBody>
-                    <a:bodyPr/>
-                    <a:lstStyle/>
-                    <a:p>
-                      <a:pPr algn="ctr"/>
-                      <a:r>
-                        <a:rPr lang="en-US" dirty="0"/>
-                        <a:t>Fitness</a:t>
-                      </a:r>
-                      <a:endParaRPr lang="en-ZA" dirty="0"/>
-                    </a:p>
-                  </a:txBody>
-                  <a:tcPr anchor="ctr"/>
-                </a:tc>
-                <a:extLst>
-                  <a:ext uri="{0D108BD9-81ED-4DB2-BD59-A6C34878D82A}">
-                    <a16:rowId xmlns:a16="http://schemas.microsoft.com/office/drawing/2014/main" val="3966742085"/>
-                  </a:ext>
-                </a:extLst>
-              </a:tr>
-              <a:tr h="185420">
-                <a:tc rowSpan="2">
-                  <a:txBody>
-                    <a:bodyPr/>
-                    <a:lstStyle/>
-                    <a:p>
-                      <a:r>
-                        <a:rPr lang="en-US" dirty="0"/>
-                        <a:t>Random</a:t>
-                      </a:r>
-                      <a:endParaRPr lang="en-ZA" dirty="0"/>
-                    </a:p>
-                  </a:txBody>
-                  <a:tcPr anchor="ctr"/>
-                </a:tc>
-                <a:tc rowSpan="2">
-                  <a:txBody>
-                    <a:bodyPr/>
-                    <a:lstStyle/>
-                    <a:p>
-                      <a:pPr algn="ctr"/>
-                      <a:r>
-                        <a:rPr lang="en-US" dirty="0"/>
-                        <a:t>2</a:t>
-                      </a:r>
-                      <a:endParaRPr lang="en-ZA" dirty="0"/>
-                    </a:p>
-                  </a:txBody>
-                  <a:tcPr anchor="ctr"/>
-                </a:tc>
-                <a:tc>
-                  <a:txBody>
-                    <a:bodyPr/>
-                    <a:lstStyle/>
-                    <a:p>
-                      <a:r>
-                        <a:rPr lang="en-US" dirty="0"/>
-                        <a:t>Number of elements removed</a:t>
-                      </a:r>
-                      <a:endParaRPr lang="en-ZA" dirty="0"/>
-                    </a:p>
-                  </a:txBody>
-                  <a:tcPr anchor="ctr"/>
-                </a:tc>
-                <a:tc>
-                  <a:txBody>
-                    <a:bodyPr/>
-                    <a:lstStyle/>
-                    <a:p>
-                      <a:r>
-                        <a:rPr lang="en-US" dirty="0"/>
-                        <a:t>Maximize to a point</a:t>
-                      </a:r>
-                      <a:endParaRPr lang="en-ZA" dirty="0"/>
-                    </a:p>
-                  </a:txBody>
-                  <a:tcPr anchor="ctr"/>
-                </a:tc>
-                <a:extLst>
-                  <a:ext uri="{0D108BD9-81ED-4DB2-BD59-A6C34878D82A}">
-                    <a16:rowId xmlns:a16="http://schemas.microsoft.com/office/drawing/2014/main" val="3634460077"/>
-                  </a:ext>
-                </a:extLst>
-              </a:tr>
-              <a:tr h="185420">
-                <a:tc vMerge="1">
-                  <a:txBody>
-                    <a:bodyPr/>
-                    <a:lstStyle/>
-                    <a:p>
-                      <a:endParaRPr lang="en-ZA"/>
-                    </a:p>
-                  </a:txBody>
-                  <a:tcPr/>
-                </a:tc>
-                <a:tc vMerge="1">
-                  <a:txBody>
-                    <a:bodyPr/>
-                    <a:lstStyle/>
-                    <a:p>
-                      <a:endParaRPr lang="en-ZA"/>
-                    </a:p>
-                  </a:txBody>
-                  <a:tcPr/>
-                </a:tc>
-                <a:tc>
-                  <a:txBody>
-                    <a:bodyPr/>
-                    <a:lstStyle/>
-                    <a:p>
-                      <a:r>
-                        <a:rPr lang="en-US" dirty="0"/>
-                        <a:t>Element locations removed</a:t>
-                      </a:r>
-                      <a:endParaRPr lang="en-ZA" dirty="0"/>
-                    </a:p>
-                  </a:txBody>
-                  <a:tcPr anchor="ctr"/>
-                </a:tc>
-                <a:tc>
-                  <a:txBody>
-                    <a:bodyPr/>
-                    <a:lstStyle/>
-                    <a:p>
-                      <a:endParaRPr lang="en-ZA" dirty="0"/>
-                    </a:p>
-                  </a:txBody>
-                  <a:tcPr anchor="ctr"/>
-                </a:tc>
-                <a:extLst>
-                  <a:ext uri="{0D108BD9-81ED-4DB2-BD59-A6C34878D82A}">
-                    <a16:rowId xmlns:a16="http://schemas.microsoft.com/office/drawing/2014/main" val="2463654431"/>
-                  </a:ext>
-                </a:extLst>
-              </a:tr>
-              <a:tr h="370840">
-                <a:tc rowSpan="5">
-                  <a:txBody>
-                    <a:bodyPr/>
-                    <a:lstStyle/>
-                    <a:p>
-                      <a:r>
-                        <a:rPr lang="en-US" dirty="0"/>
-                        <a:t>L-System</a:t>
-                      </a:r>
-                      <a:endParaRPr lang="en-ZA" dirty="0"/>
-                    </a:p>
-                  </a:txBody>
-                  <a:tcPr anchor="ctr"/>
-                </a:tc>
-                <a:tc rowSpan="5">
-                  <a:txBody>
-                    <a:bodyPr/>
-                    <a:lstStyle/>
-                    <a:p>
-                      <a:pPr algn="ctr"/>
-                      <a:r>
-                        <a:rPr lang="en-US" dirty="0"/>
-                        <a:t>5</a:t>
-                      </a:r>
-                      <a:endParaRPr lang="en-ZA" dirty="0"/>
-                    </a:p>
-                  </a:txBody>
-                  <a:tcPr anchor="ctr"/>
-                </a:tc>
-                <a:tc>
-                  <a:txBody>
-                    <a:bodyPr/>
-                    <a:lstStyle/>
-                    <a:p>
-                      <a:r>
-                        <a:rPr lang="en-US" dirty="0"/>
-                        <a:t>Axes of symmetry</a:t>
-                      </a:r>
-                    </a:p>
-                  </a:txBody>
-                  <a:tcPr anchor="ctr"/>
-                </a:tc>
-                <a:tc>
-                  <a:txBody>
-                    <a:bodyPr/>
-                    <a:lstStyle/>
-                    <a:p>
-                      <a:endParaRPr lang="en-ZA" dirty="0"/>
-                    </a:p>
-                  </a:txBody>
-                  <a:tcPr anchor="ctr"/>
-                </a:tc>
-                <a:extLst>
-                  <a:ext uri="{0D108BD9-81ED-4DB2-BD59-A6C34878D82A}">
-                    <a16:rowId xmlns:a16="http://schemas.microsoft.com/office/drawing/2014/main" val="1119153014"/>
-                  </a:ext>
-                </a:extLst>
-              </a:tr>
-              <a:tr h="370840">
-                <a:tc vMerge="1">
-                  <a:txBody>
-                    <a:bodyPr/>
-                    <a:lstStyle/>
-                    <a:p>
-                      <a:endParaRPr lang="en-ZA" dirty="0"/>
-                    </a:p>
-                  </a:txBody>
-                  <a:tcPr anchor="ctr"/>
-                </a:tc>
-                <a:tc vMerge="1">
-                  <a:txBody>
-                    <a:bodyPr/>
-                    <a:lstStyle/>
-                    <a:p>
-                      <a:pPr algn="ctr"/>
-                      <a:endParaRPr lang="en-ZA" dirty="0"/>
-                    </a:p>
-                  </a:txBody>
-                  <a:tcPr anchor="ctr"/>
-                </a:tc>
-                <a:tc>
-                  <a:txBody>
-                    <a:bodyPr/>
-                    <a:lstStyle/>
-                    <a:p>
-                      <a:pPr marL="0" marR="0" lvl="0" indent="0" algn="l" defTabSz="914400" rtl="0" eaLnBrk="1" fontAlgn="auto" latinLnBrk="0" hangingPunct="1">
-                        <a:lnSpc>
-                          <a:spcPct val="100000"/>
-                        </a:lnSpc>
-                        <a:spcBef>
-                          <a:spcPts val="0"/>
-                        </a:spcBef>
-                        <a:spcAft>
-                          <a:spcPts val="0"/>
-                        </a:spcAft>
-                        <a:buClrTx/>
-                        <a:buSzTx/>
-                        <a:buFontTx/>
-                        <a:buNone/>
-                        <a:tabLst/>
-                        <a:defRPr/>
-                      </a:pPr>
-                      <a:r>
-                        <a:rPr lang="en-US" dirty="0"/>
-                        <a:t>Number of grammatical rules</a:t>
-                      </a:r>
-                    </a:p>
-                  </a:txBody>
-                  <a:tcPr anchor="ctr"/>
-                </a:tc>
-                <a:tc>
-                  <a:txBody>
-                    <a:bodyPr/>
-                    <a:lstStyle/>
-                    <a:p>
-                      <a:r>
-                        <a:rPr lang="en-US" dirty="0"/>
-                        <a:t>Minimize to a point</a:t>
-                      </a:r>
-                      <a:endParaRPr lang="en-ZA" dirty="0"/>
-                    </a:p>
-                  </a:txBody>
-                  <a:tcPr anchor="ctr"/>
-                </a:tc>
-                <a:extLst>
-                  <a:ext uri="{0D108BD9-81ED-4DB2-BD59-A6C34878D82A}">
-                    <a16:rowId xmlns:a16="http://schemas.microsoft.com/office/drawing/2014/main" val="4273510935"/>
-                  </a:ext>
-                </a:extLst>
-              </a:tr>
-              <a:tr h="370840">
-                <a:tc vMerge="1">
-                  <a:txBody>
-                    <a:bodyPr/>
-                    <a:lstStyle/>
-                    <a:p>
-                      <a:endParaRPr lang="en-ZA" dirty="0"/>
-                    </a:p>
-                  </a:txBody>
-                  <a:tcPr anchor="ctr"/>
-                </a:tc>
-                <a:tc vMerge="1">
-                  <a:txBody>
-                    <a:bodyPr/>
-                    <a:lstStyle/>
-                    <a:p>
-                      <a:pPr algn="ctr"/>
-                      <a:endParaRPr lang="en-ZA" dirty="0"/>
-                    </a:p>
-                  </a:txBody>
-                  <a:tcPr anchor="ctr"/>
-                </a:tc>
-                <a:tc>
-                  <a:txBody>
-                    <a:bodyPr/>
-                    <a:lstStyle/>
-                    <a:p>
-                      <a:pPr marL="0" marR="0" lvl="0" indent="0" algn="l" defTabSz="914400" rtl="0" eaLnBrk="1" fontAlgn="auto" latinLnBrk="0" hangingPunct="1">
-                        <a:lnSpc>
-                          <a:spcPct val="100000"/>
-                        </a:lnSpc>
-                        <a:spcBef>
-                          <a:spcPts val="0"/>
-                        </a:spcBef>
-                        <a:spcAft>
-                          <a:spcPts val="0"/>
-                        </a:spcAft>
-                        <a:buClrTx/>
-                        <a:buSzTx/>
-                        <a:buFontTx/>
-                        <a:buNone/>
-                        <a:tabLst/>
-                        <a:defRPr/>
-                      </a:pPr>
-                      <a:r>
-                        <a:rPr lang="en-US" dirty="0"/>
-                        <a:t>Length of rules</a:t>
-                      </a:r>
-                    </a:p>
-                  </a:txBody>
-                  <a:tcPr anchor="ctr"/>
-                </a:tc>
-                <a:tc>
-                  <a:txBody>
-                    <a:bodyPr/>
-                    <a:lstStyle/>
-                    <a:p>
-                      <a:r>
-                        <a:rPr lang="en-US" dirty="0"/>
-                        <a:t>Minimize to a point</a:t>
-                      </a:r>
-                      <a:endParaRPr lang="en-ZA" dirty="0"/>
-                    </a:p>
-                  </a:txBody>
-                  <a:tcPr anchor="ctr"/>
-                </a:tc>
-                <a:extLst>
-                  <a:ext uri="{0D108BD9-81ED-4DB2-BD59-A6C34878D82A}">
-                    <a16:rowId xmlns:a16="http://schemas.microsoft.com/office/drawing/2014/main" val="805757137"/>
-                  </a:ext>
-                </a:extLst>
-              </a:tr>
-              <a:tr h="370840">
-                <a:tc vMerge="1">
-                  <a:txBody>
-                    <a:bodyPr/>
-                    <a:lstStyle/>
-                    <a:p>
-                      <a:endParaRPr lang="en-ZA" dirty="0"/>
-                    </a:p>
-                  </a:txBody>
-                  <a:tcPr anchor="ctr"/>
-                </a:tc>
-                <a:tc vMerge="1">
-                  <a:txBody>
-                    <a:bodyPr/>
-                    <a:lstStyle/>
-                    <a:p>
-                      <a:pPr algn="ctr"/>
-                      <a:endParaRPr lang="en-ZA" dirty="0"/>
-                    </a:p>
-                  </a:txBody>
-                  <a:tcPr anchor="ctr"/>
-                </a:tc>
-                <a:tc>
-                  <a:txBody>
-                    <a:bodyPr/>
-                    <a:lstStyle/>
-                    <a:p>
-                      <a:pPr marL="0" marR="0" lvl="0" indent="0" algn="l" defTabSz="914400" rtl="0" eaLnBrk="1" fontAlgn="auto" latinLnBrk="0" hangingPunct="1">
-                        <a:lnSpc>
-                          <a:spcPct val="100000"/>
-                        </a:lnSpc>
-                        <a:spcBef>
-                          <a:spcPts val="0"/>
-                        </a:spcBef>
-                        <a:spcAft>
-                          <a:spcPts val="0"/>
-                        </a:spcAft>
-                        <a:buClrTx/>
-                        <a:buSzTx/>
-                        <a:buFontTx/>
-                        <a:buNone/>
-                        <a:tabLst/>
-                        <a:defRPr/>
-                      </a:pPr>
-                      <a:r>
-                        <a:rPr lang="en-US" dirty="0"/>
-                        <a:t>Rule units</a:t>
-                      </a:r>
-                    </a:p>
-                  </a:txBody>
-                  <a:tcPr anchor="ctr"/>
-                </a:tc>
-                <a:tc>
-                  <a:txBody>
-                    <a:bodyPr/>
-                    <a:lstStyle/>
-                    <a:p>
-                      <a:endParaRPr lang="en-ZA" dirty="0"/>
-                    </a:p>
-                  </a:txBody>
-                  <a:tcPr anchor="ctr"/>
-                </a:tc>
-                <a:extLst>
-                  <a:ext uri="{0D108BD9-81ED-4DB2-BD59-A6C34878D82A}">
-                    <a16:rowId xmlns:a16="http://schemas.microsoft.com/office/drawing/2014/main" val="4238029258"/>
-                  </a:ext>
-                </a:extLst>
-              </a:tr>
-              <a:tr h="370840">
-                <a:tc vMerge="1">
-                  <a:txBody>
-                    <a:bodyPr/>
-                    <a:lstStyle/>
-                    <a:p>
-                      <a:endParaRPr lang="en-ZA" dirty="0"/>
-                    </a:p>
-                  </a:txBody>
-                  <a:tcPr anchor="ctr"/>
-                </a:tc>
-                <a:tc vMerge="1">
-                  <a:txBody>
-                    <a:bodyPr/>
-                    <a:lstStyle/>
-                    <a:p>
-                      <a:pPr algn="ctr"/>
-                      <a:endParaRPr lang="en-ZA" dirty="0"/>
-                    </a:p>
-                  </a:txBody>
-                  <a:tcPr anchor="ctr"/>
-                </a:tc>
-                <a:tc>
-                  <a:txBody>
-                    <a:bodyPr/>
-                    <a:lstStyle/>
-                    <a:p>
-                      <a:pPr marL="0" marR="0" lvl="0" indent="0" algn="l" defTabSz="914400" rtl="0" eaLnBrk="1" fontAlgn="auto" latinLnBrk="0" hangingPunct="1">
-                        <a:lnSpc>
-                          <a:spcPct val="100000"/>
-                        </a:lnSpc>
-                        <a:spcBef>
-                          <a:spcPts val="0"/>
-                        </a:spcBef>
-                        <a:spcAft>
-                          <a:spcPts val="0"/>
-                        </a:spcAft>
-                        <a:buClrTx/>
-                        <a:buSzTx/>
-                        <a:buFontTx/>
-                        <a:buNone/>
-                        <a:tabLst/>
-                        <a:defRPr/>
-                      </a:pPr>
-                      <a:r>
-                        <a:rPr lang="en-US" dirty="0"/>
-                        <a:t>Iterations</a:t>
-                      </a:r>
-                      <a:endParaRPr lang="en-ZA" dirty="0"/>
-                    </a:p>
-                  </a:txBody>
-                  <a:tcPr anchor="ctr"/>
-                </a:tc>
-                <a:tc>
-                  <a:txBody>
-                    <a:bodyPr/>
-                    <a:lstStyle/>
-                    <a:p>
-                      <a:r>
-                        <a:rPr lang="en-US" dirty="0"/>
-                        <a:t>Minimize to a point</a:t>
-                      </a:r>
-                      <a:endParaRPr lang="en-ZA" dirty="0"/>
-                    </a:p>
-                  </a:txBody>
-                  <a:tcPr anchor="ctr"/>
-                </a:tc>
-                <a:extLst>
-                  <a:ext uri="{0D108BD9-81ED-4DB2-BD59-A6C34878D82A}">
-                    <a16:rowId xmlns:a16="http://schemas.microsoft.com/office/drawing/2014/main" val="3661678395"/>
-                  </a:ext>
-                </a:extLst>
-              </a:tr>
-            </a:tbl>
-          </a:graphicData>
-        </a:graphic>
-      </p:graphicFrame>
-      <p:sp>
-        <p:nvSpPr>
-          <p:cNvPr id="5" name="Content Placeholder 2">
-            <a:extLst>
-              <a:ext uri="{FF2B5EF4-FFF2-40B4-BE49-F238E27FC236}">
-                <a16:creationId xmlns:a16="http://schemas.microsoft.com/office/drawing/2014/main" id="{1C4E831E-43CD-430D-AC55-FA52B8E4D5BE}"/>
-              </a:ext>
-            </a:extLst>
-          </p:cNvPr>
-          <p:cNvSpPr txBox="1">
-            <a:spLocks/>
-          </p:cNvSpPr>
-          <p:nvPr/>
-        </p:nvSpPr>
-        <p:spPr>
-          <a:xfrm>
-            <a:off x="1202919" y="4967922"/>
-            <a:ext cx="9784080" cy="1249997"/>
-          </a:xfrm>
-          <a:prstGeom prst="rect">
-            <a:avLst/>
-          </a:prstGeom>
-        </p:spPr>
-        <p:txBody>
-          <a:bodyPr vert="horz" lIns="91440" tIns="45720" rIns="91440" bIns="45720" rtlCol="0">
-            <a:normAutofit/>
-          </a:bodyPr>
-          <a:lstStyle>
-            <a:lvl1pPr marL="182880" indent="-182880" algn="l" defTabSz="914400" rtl="0" eaLnBrk="1" latinLnBrk="0" hangingPunct="1">
-              <a:lnSpc>
-                <a:spcPct val="90000"/>
-              </a:lnSpc>
-              <a:spcBef>
-                <a:spcPts val="1200"/>
-              </a:spcBef>
-              <a:spcAft>
-                <a:spcPts val="200"/>
-              </a:spcAft>
-              <a:buClr>
-                <a:schemeClr val="tx1"/>
-              </a:buClr>
-              <a:buFont typeface="Wingdings" pitchFamily="2" charset="2"/>
-              <a:buChar char=""/>
-              <a:defRPr sz="2200" kern="1200">
-                <a:solidFill>
-                  <a:schemeClr val="tx1"/>
-                </a:solidFill>
-                <a:latin typeface="+mn-lt"/>
-                <a:ea typeface="+mn-ea"/>
-                <a:cs typeface="+mn-cs"/>
-              </a:defRPr>
-            </a:lvl1pPr>
-            <a:lvl2pPr marL="411480" indent="-182880" algn="l" defTabSz="914400" rtl="0" eaLnBrk="1" latinLnBrk="0" hangingPunct="1">
-              <a:lnSpc>
-                <a:spcPct val="90000"/>
-              </a:lnSpc>
-              <a:spcBef>
-                <a:spcPts val="200"/>
-              </a:spcBef>
-              <a:spcAft>
-                <a:spcPts val="400"/>
-              </a:spcAft>
-              <a:buClr>
-                <a:schemeClr val="tx1"/>
-              </a:buClr>
-              <a:buFont typeface="Wingdings" pitchFamily="2" charset="2"/>
-              <a:buChar char=""/>
-              <a:defRPr sz="2000" kern="1200">
-                <a:solidFill>
-                  <a:schemeClr val="tx1"/>
-                </a:solidFill>
-                <a:latin typeface="+mn-lt"/>
-                <a:ea typeface="+mn-ea"/>
-                <a:cs typeface="+mn-cs"/>
-              </a:defRPr>
-            </a:lvl2pPr>
-            <a:lvl3pPr marL="640080" indent="-182880" algn="l" defTabSz="914400" rtl="0" eaLnBrk="1" latinLnBrk="0" hangingPunct="1">
-              <a:lnSpc>
-                <a:spcPct val="90000"/>
-              </a:lnSpc>
-              <a:spcBef>
-                <a:spcPts val="200"/>
-              </a:spcBef>
-              <a:spcAft>
-                <a:spcPts val="400"/>
-              </a:spcAft>
-              <a:buClr>
-                <a:schemeClr val="tx1"/>
-              </a:buClr>
-              <a:buFont typeface="Wingdings" pitchFamily="2" charset="2"/>
-              <a:buChar char=""/>
-              <a:defRPr sz="1800" kern="1200">
-                <a:solidFill>
-                  <a:schemeClr val="tx1"/>
-                </a:solidFill>
-                <a:latin typeface="+mn-lt"/>
-                <a:ea typeface="+mn-ea"/>
-                <a:cs typeface="+mn-cs"/>
-              </a:defRPr>
-            </a:lvl3pPr>
-            <a:lvl4pPr marL="868680" indent="-182880" algn="l" defTabSz="914400" rtl="0" eaLnBrk="1" latinLnBrk="0" hangingPunct="1">
-              <a:lnSpc>
-                <a:spcPct val="90000"/>
-              </a:lnSpc>
-              <a:spcBef>
-                <a:spcPts val="200"/>
-              </a:spcBef>
-              <a:spcAft>
-                <a:spcPts val="400"/>
-              </a:spcAft>
-              <a:buClr>
-                <a:schemeClr val="tx1"/>
-              </a:buClr>
-              <a:buFont typeface="Wingdings" pitchFamily="2" charset="2"/>
-              <a:buChar char=""/>
-              <a:defRPr sz="1600" kern="1200">
-                <a:solidFill>
-                  <a:schemeClr val="tx1"/>
-                </a:solidFill>
-                <a:latin typeface="+mn-lt"/>
-                <a:ea typeface="+mn-ea"/>
-                <a:cs typeface="+mn-cs"/>
-              </a:defRPr>
-            </a:lvl4pPr>
-            <a:lvl5pPr marL="1097280" indent="-182880" algn="l" defTabSz="914400" rtl="0" eaLnBrk="1" latinLnBrk="0" hangingPunct="1">
-              <a:lnSpc>
-                <a:spcPct val="90000"/>
-              </a:lnSpc>
-              <a:spcBef>
-                <a:spcPts val="200"/>
-              </a:spcBef>
-              <a:spcAft>
-                <a:spcPts val="400"/>
-              </a:spcAft>
-              <a:buClr>
-                <a:schemeClr val="tx1"/>
-              </a:buClr>
-              <a:buFont typeface="Wingdings" pitchFamily="2" charset="2"/>
-              <a:buChar char=""/>
-              <a:defRPr sz="1600" kern="1200">
-                <a:solidFill>
-                  <a:schemeClr val="tx1"/>
-                </a:solidFill>
-                <a:latin typeface="+mn-lt"/>
-                <a:ea typeface="+mn-ea"/>
-                <a:cs typeface="+mn-cs"/>
-              </a:defRPr>
-            </a:lvl5pPr>
-            <a:lvl6pPr marL="1284600" indent="-228600" algn="l" defTabSz="914400" rtl="0" eaLnBrk="1" latinLnBrk="0" hangingPunct="1">
-              <a:lnSpc>
-                <a:spcPct val="90000"/>
-              </a:lnSpc>
-              <a:spcBef>
-                <a:spcPts val="200"/>
-              </a:spcBef>
-              <a:spcAft>
-                <a:spcPts val="400"/>
-              </a:spcAft>
-              <a:buClr>
-                <a:schemeClr val="tx1"/>
-              </a:buClr>
-              <a:buFont typeface="Wingdings" pitchFamily="2" charset="2"/>
-              <a:buChar char=""/>
-              <a:defRPr sz="1600" kern="1200">
-                <a:solidFill>
-                  <a:schemeClr val="tx1"/>
-                </a:solidFill>
-                <a:latin typeface="+mn-lt"/>
-                <a:ea typeface="+mn-ea"/>
-                <a:cs typeface="+mn-cs"/>
-              </a:defRPr>
-            </a:lvl6pPr>
-            <a:lvl7pPr marL="1471800" indent="-228600" algn="l" defTabSz="914400" rtl="0" eaLnBrk="1" latinLnBrk="0" hangingPunct="1">
-              <a:lnSpc>
-                <a:spcPct val="90000"/>
-              </a:lnSpc>
-              <a:spcBef>
-                <a:spcPts val="200"/>
-              </a:spcBef>
-              <a:spcAft>
-                <a:spcPts val="400"/>
-              </a:spcAft>
-              <a:buClr>
-                <a:schemeClr val="tx1"/>
-              </a:buClr>
-              <a:buFont typeface="Wingdings" pitchFamily="2" charset="2"/>
-              <a:buChar char=""/>
-              <a:defRPr sz="1600" kern="1200">
-                <a:solidFill>
-                  <a:schemeClr val="tx1"/>
-                </a:solidFill>
-                <a:latin typeface="+mn-lt"/>
-                <a:ea typeface="+mn-ea"/>
-                <a:cs typeface="+mn-cs"/>
-              </a:defRPr>
-            </a:lvl7pPr>
-            <a:lvl8pPr marL="1629000" indent="-228600" algn="l" defTabSz="914400" rtl="0" eaLnBrk="1" latinLnBrk="0" hangingPunct="1">
-              <a:lnSpc>
-                <a:spcPct val="90000"/>
-              </a:lnSpc>
-              <a:spcBef>
-                <a:spcPts val="200"/>
-              </a:spcBef>
-              <a:spcAft>
-                <a:spcPts val="400"/>
-              </a:spcAft>
-              <a:buClr>
-                <a:schemeClr val="tx1"/>
-              </a:buClr>
-              <a:buFont typeface="Wingdings" pitchFamily="2" charset="2"/>
-              <a:buChar char=""/>
-              <a:defRPr sz="1600" kern="1200">
-                <a:solidFill>
-                  <a:schemeClr val="tx1"/>
-                </a:solidFill>
-                <a:latin typeface="+mn-lt"/>
-                <a:ea typeface="+mn-ea"/>
-                <a:cs typeface="+mn-cs"/>
-              </a:defRPr>
-            </a:lvl8pPr>
-            <a:lvl9pPr marL="1806200" indent="-228600" algn="l" defTabSz="914400" rtl="0" eaLnBrk="1" latinLnBrk="0" hangingPunct="1">
-              <a:lnSpc>
-                <a:spcPct val="90000"/>
-              </a:lnSpc>
-              <a:spcBef>
-                <a:spcPts val="200"/>
-              </a:spcBef>
-              <a:spcAft>
-                <a:spcPts val="400"/>
-              </a:spcAft>
-              <a:buClr>
-                <a:schemeClr val="tx1"/>
-              </a:buClr>
-              <a:buFont typeface="Wingdings" pitchFamily="2" charset="2"/>
-              <a:buChar char=""/>
-              <a:defRPr sz="1600" kern="1200">
-                <a:solidFill>
-                  <a:schemeClr val="tx1"/>
-                </a:solidFill>
-                <a:latin typeface="+mn-lt"/>
-                <a:ea typeface="+mn-ea"/>
-                <a:cs typeface="+mn-cs"/>
-              </a:defRPr>
-            </a:lvl9pPr>
-          </a:lstStyle>
-          <a:p>
-            <a:r>
-              <a:rPr lang="en-US" dirty="0"/>
-              <a:t>L-System rule units</a:t>
-            </a:r>
-          </a:p>
-          <a:p>
-            <a:pPr lvl="1"/>
-            <a:r>
-              <a:rPr lang="en-ZA" dirty="0"/>
-              <a:t>"F", "f", "+", "-", "++", "--", "</a:t>
-            </a:r>
-            <a:r>
-              <a:rPr lang="en-ZA" dirty="0" err="1"/>
-              <a:t>fF</a:t>
-            </a:r>
-            <a:r>
-              <a:rPr lang="en-ZA" dirty="0"/>
-              <a:t>", "Ff", "[F]", "[f]", "[+F]", "[+</a:t>
-            </a:r>
-            <a:r>
-              <a:rPr lang="en-ZA" dirty="0" err="1"/>
-              <a:t>fF</a:t>
-            </a:r>
-            <a:r>
-              <a:rPr lang="en-ZA" dirty="0"/>
-              <a:t>]", "[-F]", "[-</a:t>
-            </a:r>
-            <a:r>
-              <a:rPr lang="en-ZA" dirty="0" err="1"/>
-              <a:t>fF</a:t>
-            </a:r>
-            <a:r>
-              <a:rPr lang="en-ZA" dirty="0"/>
-              <a:t>]“</a:t>
-            </a:r>
-          </a:p>
-        </p:txBody>
-      </p:sp>
-    </p:spTree>
-    <p:extLst>
-      <p:ext uri="{BB962C8B-B14F-4D97-AF65-F5344CB8AC3E}">
-        <p14:creationId xmlns:p14="http://schemas.microsoft.com/office/powerpoint/2010/main" val="1924218437"/>
-      </p:ext>
-    </p:extLst>
-  </p:cSld>
-  <p:clrMapOvr>
-    <a:masterClrMapping/>
-  </p:clrMapOvr>
-</p:sld>
-</file>
-
-<file path=ppt/slides/slide7.xml><?xml version="1.0" encoding="utf-8"?>
-<p:sld xmlns:a="http://schemas.openxmlformats.org/drawingml/2006/main" xmlns:r="http://schemas.openxmlformats.org/officeDocument/2006/relationships" xmlns:p="http://schemas.openxmlformats.org/presentationml/2006/main">
-  <p:cSld>
-    <p:spTree>
-      <p:nvGrpSpPr>
-        <p:cNvPr id="1" name=""/>
-        <p:cNvGrpSpPr/>
-        <p:nvPr/>
-      </p:nvGrpSpPr>
-      <p:grpSpPr>
-        <a:xfrm>
-          <a:off x="0" y="0"/>
-          <a:ext cx="0" cy="0"/>
-          <a:chOff x="0" y="0"/>
-          <a:chExt cx="0" cy="0"/>
-        </a:xfrm>
-      </p:grpSpPr>
-      <p:sp>
-        <p:nvSpPr>
-          <p:cNvPr id="2" name="Title 1">
-            <a:extLst>
-              <a:ext uri="{FF2B5EF4-FFF2-40B4-BE49-F238E27FC236}">
-                <a16:creationId xmlns:a16="http://schemas.microsoft.com/office/drawing/2014/main" id="{C07E0A33-4076-4DD0-8B2B-26635AC48AD3}"/>
-              </a:ext>
-            </a:extLst>
-          </p:cNvPr>
-          <p:cNvSpPr>
-            <a:spLocks noGrp="1"/>
-          </p:cNvSpPr>
-          <p:nvPr>
-            <p:ph type="title"/>
-          </p:nvPr>
-        </p:nvSpPr>
-        <p:spPr/>
-        <p:txBody>
-          <a:bodyPr/>
-          <a:lstStyle/>
-          <a:p>
-            <a:r>
-              <a:rPr lang="en-US" dirty="0"/>
-              <a:t>Genetic Algorithms</a:t>
-            </a:r>
-            <a:endParaRPr lang="en-ZA" dirty="0"/>
-          </a:p>
-        </p:txBody>
-      </p:sp>
-      <p:graphicFrame>
-        <p:nvGraphicFramePr>
-          <p:cNvPr id="4" name="Content Placeholder 3">
-            <a:extLst>
-              <a:ext uri="{FF2B5EF4-FFF2-40B4-BE49-F238E27FC236}">
-                <a16:creationId xmlns:a16="http://schemas.microsoft.com/office/drawing/2014/main" id="{4C55D002-00EE-4FDB-A194-CF8FB122D798}"/>
-              </a:ext>
-            </a:extLst>
-          </p:cNvPr>
-          <p:cNvGraphicFramePr>
-            <a:graphicFrameLocks noGrp="1"/>
-          </p:cNvGraphicFramePr>
-          <p:nvPr>
-            <p:ph idx="1"/>
-            <p:extLst>
-              <p:ext uri="{D42A27DB-BD31-4B8C-83A1-F6EECF244321}">
-                <p14:modId xmlns:p14="http://schemas.microsoft.com/office/powerpoint/2010/main" val="3043926134"/>
-              </p:ext>
-            </p:extLst>
-          </p:nvPr>
-        </p:nvGraphicFramePr>
-        <p:xfrm>
-          <a:off x="1203325" y="2011363"/>
-          <a:ext cx="9628696" cy="2956560"/>
-        </p:xfrm>
-        <a:graphic>
-          <a:graphicData uri="http://schemas.openxmlformats.org/drawingml/2006/table">
-            <a:tbl>
-              <a:tblPr firstRow="1" bandRow="1">
-                <a:tableStyleId>{073A0DAA-6AF3-43AB-8588-CEC1D06C72B9}</a:tableStyleId>
-              </a:tblPr>
-              <a:tblGrid>
-                <a:gridCol w="2165668">
-                  <a:extLst>
-                    <a:ext uri="{9D8B030D-6E8A-4147-A177-3AD203B41FA5}">
-                      <a16:colId xmlns:a16="http://schemas.microsoft.com/office/drawing/2014/main" val="697532745"/>
-                    </a:ext>
-                  </a:extLst>
-                </a:gridCol>
-                <a:gridCol w="2269680">
-                  <a:extLst>
-                    <a:ext uri="{9D8B030D-6E8A-4147-A177-3AD203B41FA5}">
-                      <a16:colId xmlns:a16="http://schemas.microsoft.com/office/drawing/2014/main" val="1023702888"/>
-                    </a:ext>
-                  </a:extLst>
-                </a:gridCol>
-                <a:gridCol w="3146743">
-                  <a:extLst>
-                    <a:ext uri="{9D8B030D-6E8A-4147-A177-3AD203B41FA5}">
-                      <a16:colId xmlns:a16="http://schemas.microsoft.com/office/drawing/2014/main" val="743067059"/>
-                    </a:ext>
-                  </a:extLst>
-                </a:gridCol>
-                <a:gridCol w="2046605">
-                  <a:extLst>
-                    <a:ext uri="{9D8B030D-6E8A-4147-A177-3AD203B41FA5}">
-                      <a16:colId xmlns:a16="http://schemas.microsoft.com/office/drawing/2014/main" val="2851810920"/>
-                    </a:ext>
-                  </a:extLst>
-                </a:gridCol>
-              </a:tblGrid>
-              <a:tr h="370840">
-                <a:tc>
-                  <a:txBody>
-                    <a:bodyPr/>
-                    <a:lstStyle/>
-                    <a:p>
-                      <a:pPr algn="ctr"/>
-                      <a:r>
-                        <a:rPr lang="en-US" dirty="0"/>
-                        <a:t>Generation Method</a:t>
-                      </a:r>
-                      <a:endParaRPr lang="en-ZA" dirty="0"/>
-                    </a:p>
-                  </a:txBody>
-                  <a:tcPr anchor="ctr"/>
-                </a:tc>
-                <a:tc>
-                  <a:txBody>
-                    <a:bodyPr/>
-                    <a:lstStyle/>
-                    <a:p>
-                      <a:pPr algn="ctr"/>
-                      <a:r>
-                        <a:rPr lang="en-US" dirty="0"/>
-                        <a:t>Number Of Variables</a:t>
-                      </a:r>
-                      <a:endParaRPr lang="en-ZA" dirty="0"/>
-                    </a:p>
-                  </a:txBody>
-                  <a:tcPr anchor="ctr"/>
-                </a:tc>
-                <a:tc>
-                  <a:txBody>
-                    <a:bodyPr/>
-                    <a:lstStyle/>
-                    <a:p>
-                      <a:pPr algn="ctr"/>
-                      <a:r>
-                        <a:rPr lang="en-US" dirty="0"/>
-                        <a:t>Variables</a:t>
-                      </a:r>
-                      <a:endParaRPr lang="en-ZA" dirty="0"/>
-                    </a:p>
-                  </a:txBody>
-                  <a:tcPr anchor="ctr"/>
-                </a:tc>
-                <a:tc>
-                  <a:txBody>
-                    <a:bodyPr/>
-                    <a:lstStyle/>
-                    <a:p>
-                      <a:pPr algn="ctr"/>
-                      <a:r>
-                        <a:rPr lang="en-US" dirty="0"/>
-                        <a:t>Fitness</a:t>
-                      </a:r>
-                      <a:endParaRPr lang="en-ZA" dirty="0"/>
-                    </a:p>
-                  </a:txBody>
-                  <a:tcPr anchor="ctr"/>
-                </a:tc>
-                <a:extLst>
-                  <a:ext uri="{0D108BD9-81ED-4DB2-BD59-A6C34878D82A}">
-                    <a16:rowId xmlns:a16="http://schemas.microsoft.com/office/drawing/2014/main" val="103620994"/>
-                  </a:ext>
-                </a:extLst>
-              </a:tr>
-              <a:tr h="370840">
-                <a:tc rowSpan="7">
-                  <a:txBody>
-                    <a:bodyPr/>
-                    <a:lstStyle/>
-                    <a:p>
-                      <a:r>
-                        <a:rPr lang="en-US" dirty="0"/>
-                        <a:t>CPPNs</a:t>
-                      </a:r>
-                      <a:endParaRPr lang="en-ZA" dirty="0"/>
-                    </a:p>
-                  </a:txBody>
-                  <a:tcPr anchor="ctr"/>
-                </a:tc>
-                <a:tc rowSpan="7">
-                  <a:txBody>
-                    <a:bodyPr/>
-                    <a:lstStyle/>
-                    <a:p>
-                      <a:pPr algn="ctr"/>
-                      <a:r>
-                        <a:rPr lang="en-US" dirty="0"/>
-                        <a:t>7</a:t>
-                      </a:r>
-                      <a:endParaRPr lang="en-ZA" dirty="0"/>
-                    </a:p>
-                  </a:txBody>
-                  <a:tcPr anchor="ctr"/>
-                </a:tc>
-                <a:tc>
-                  <a:txBody>
-                    <a:bodyPr/>
-                    <a:lstStyle/>
-                    <a:p>
-                      <a:r>
-                        <a:rPr lang="en-US" dirty="0"/>
-                        <a:t>Number of models per CPPN</a:t>
-                      </a:r>
-                    </a:p>
-                  </a:txBody>
-                  <a:tcPr anchor="ctr"/>
-                </a:tc>
-                <a:tc>
-                  <a:txBody>
-                    <a:bodyPr/>
-                    <a:lstStyle/>
-                    <a:p>
-                      <a:endParaRPr lang="en-ZA" dirty="0"/>
-                    </a:p>
-                  </a:txBody>
-                  <a:tcPr anchor="ctr"/>
-                </a:tc>
-                <a:extLst>
-                  <a:ext uri="{0D108BD9-81ED-4DB2-BD59-A6C34878D82A}">
-                    <a16:rowId xmlns:a16="http://schemas.microsoft.com/office/drawing/2014/main" val="3998627747"/>
-                  </a:ext>
-                </a:extLst>
-              </a:tr>
-              <a:tr h="370840">
-                <a:tc vMerge="1">
-                  <a:txBody>
-                    <a:bodyPr/>
-                    <a:lstStyle/>
-                    <a:p>
-                      <a:endParaRPr lang="en-ZA" dirty="0"/>
-                    </a:p>
-                  </a:txBody>
-                  <a:tcPr anchor="ctr"/>
-                </a:tc>
-                <a:tc vMerge="1">
-                  <a:txBody>
-                    <a:bodyPr/>
-                    <a:lstStyle/>
-                    <a:p>
-                      <a:pPr algn="ctr"/>
-                      <a:endParaRPr lang="en-ZA" dirty="0"/>
-                    </a:p>
-                  </a:txBody>
-                  <a:tcPr anchor="ctr"/>
-                </a:tc>
-                <a:tc>
-                  <a:txBody>
-                    <a:bodyPr/>
-                    <a:lstStyle/>
-                    <a:p>
-                      <a:pPr marL="0" marR="0" lvl="0" indent="0" algn="l" defTabSz="914400" rtl="0" eaLnBrk="1" fontAlgn="auto" latinLnBrk="0" hangingPunct="1">
-                        <a:lnSpc>
-                          <a:spcPct val="100000"/>
-                        </a:lnSpc>
-                        <a:spcBef>
-                          <a:spcPts val="0"/>
-                        </a:spcBef>
-                        <a:spcAft>
-                          <a:spcPts val="0"/>
-                        </a:spcAft>
-                        <a:buClrTx/>
-                        <a:buSzTx/>
-                        <a:buFontTx/>
-                        <a:buNone/>
-                        <a:tabLst/>
-                        <a:defRPr/>
-                      </a:pPr>
-                      <a:r>
-                        <a:rPr lang="en-US" dirty="0"/>
-                        <a:t>Number of network layers</a:t>
-                      </a:r>
-                    </a:p>
-                  </a:txBody>
-                  <a:tcPr anchor="ctr"/>
-                </a:tc>
-                <a:tc>
-                  <a:txBody>
-                    <a:bodyPr/>
-                    <a:lstStyle/>
-                    <a:p>
-                      <a:pPr marL="0" marR="0" lvl="0" indent="0" algn="l" defTabSz="914400" rtl="0" eaLnBrk="1" fontAlgn="auto" latinLnBrk="0" hangingPunct="1">
-                        <a:lnSpc>
-                          <a:spcPct val="100000"/>
-                        </a:lnSpc>
-                        <a:spcBef>
-                          <a:spcPts val="0"/>
-                        </a:spcBef>
-                        <a:spcAft>
-                          <a:spcPts val="0"/>
-                        </a:spcAft>
-                        <a:buClrTx/>
-                        <a:buSzTx/>
-                        <a:buFontTx/>
-                        <a:buNone/>
-                        <a:tabLst/>
-                        <a:defRPr/>
-                      </a:pPr>
-                      <a:r>
-                        <a:rPr lang="en-US" dirty="0"/>
-                        <a:t>Minimize to a point</a:t>
-                      </a:r>
-                      <a:endParaRPr lang="en-ZA" dirty="0"/>
-                    </a:p>
-                  </a:txBody>
-                  <a:tcPr anchor="ctr"/>
-                </a:tc>
-                <a:extLst>
-                  <a:ext uri="{0D108BD9-81ED-4DB2-BD59-A6C34878D82A}">
-                    <a16:rowId xmlns:a16="http://schemas.microsoft.com/office/drawing/2014/main" val="3679364409"/>
-                  </a:ext>
-                </a:extLst>
-              </a:tr>
-              <a:tr h="370840">
-                <a:tc vMerge="1">
-                  <a:txBody>
-                    <a:bodyPr/>
-                    <a:lstStyle/>
-                    <a:p>
-                      <a:endParaRPr lang="en-ZA" dirty="0"/>
-                    </a:p>
-                  </a:txBody>
-                  <a:tcPr anchor="ctr"/>
-                </a:tc>
-                <a:tc vMerge="1">
-                  <a:txBody>
-                    <a:bodyPr/>
-                    <a:lstStyle/>
-                    <a:p>
-                      <a:pPr algn="ctr"/>
-                      <a:endParaRPr lang="en-ZA" dirty="0"/>
-                    </a:p>
-                  </a:txBody>
-                  <a:tcPr anchor="ctr"/>
-                </a:tc>
-                <a:tc>
-                  <a:txBody>
-                    <a:bodyPr/>
-                    <a:lstStyle/>
-                    <a:p>
-                      <a:pPr marL="0" marR="0" lvl="0" indent="0" algn="l" defTabSz="914400" rtl="0" eaLnBrk="1" fontAlgn="auto" latinLnBrk="0" hangingPunct="1">
-                        <a:lnSpc>
-                          <a:spcPct val="100000"/>
-                        </a:lnSpc>
-                        <a:spcBef>
-                          <a:spcPts val="0"/>
-                        </a:spcBef>
-                        <a:spcAft>
-                          <a:spcPts val="0"/>
-                        </a:spcAft>
-                        <a:buClrTx/>
-                        <a:buSzTx/>
-                        <a:buFontTx/>
-                        <a:buNone/>
-                        <a:tabLst/>
-                        <a:defRPr/>
-                      </a:pPr>
-                      <a:r>
-                        <a:rPr lang="en-US" dirty="0"/>
-                        <a:t>Size of initial layer</a:t>
-                      </a:r>
-                    </a:p>
-                  </a:txBody>
-                  <a:tcPr anchor="ctr"/>
-                </a:tc>
-                <a:tc>
-                  <a:txBody>
-                    <a:bodyPr/>
-                    <a:lstStyle/>
-                    <a:p>
-                      <a:pPr marL="0" marR="0" lvl="0" indent="0" algn="l" defTabSz="914400" rtl="0" eaLnBrk="1" fontAlgn="auto" latinLnBrk="0" hangingPunct="1">
-                        <a:lnSpc>
-                          <a:spcPct val="100000"/>
-                        </a:lnSpc>
-                        <a:spcBef>
-                          <a:spcPts val="0"/>
-                        </a:spcBef>
-                        <a:spcAft>
-                          <a:spcPts val="0"/>
-                        </a:spcAft>
-                        <a:buClrTx/>
-                        <a:buSzTx/>
-                        <a:buFontTx/>
-                        <a:buNone/>
-                        <a:tabLst/>
-                        <a:defRPr/>
-                      </a:pPr>
-                      <a:r>
-                        <a:rPr lang="en-US" dirty="0"/>
-                        <a:t>Minimize to a point</a:t>
-                      </a:r>
-                      <a:endParaRPr lang="en-ZA" dirty="0"/>
-                    </a:p>
-                  </a:txBody>
-                  <a:tcPr anchor="ctr"/>
-                </a:tc>
-                <a:extLst>
-                  <a:ext uri="{0D108BD9-81ED-4DB2-BD59-A6C34878D82A}">
-                    <a16:rowId xmlns:a16="http://schemas.microsoft.com/office/drawing/2014/main" val="2585565624"/>
-                  </a:ext>
-                </a:extLst>
-              </a:tr>
-              <a:tr h="370840">
-                <a:tc vMerge="1">
-                  <a:txBody>
-                    <a:bodyPr/>
-                    <a:lstStyle/>
-                    <a:p>
-                      <a:endParaRPr lang="en-ZA" dirty="0"/>
-                    </a:p>
-                  </a:txBody>
-                  <a:tcPr anchor="ctr"/>
-                </a:tc>
-                <a:tc vMerge="1">
-                  <a:txBody>
-                    <a:bodyPr/>
-                    <a:lstStyle/>
-                    <a:p>
-                      <a:pPr algn="ctr"/>
-                      <a:endParaRPr lang="en-ZA" dirty="0"/>
-                    </a:p>
-                  </a:txBody>
-                  <a:tcPr anchor="ctr"/>
-                </a:tc>
-                <a:tc>
-                  <a:txBody>
-                    <a:bodyPr/>
-                    <a:lstStyle/>
-                    <a:p>
-                      <a:pPr marL="0" marR="0" lvl="0" indent="0" algn="l" defTabSz="914400" rtl="0" eaLnBrk="1" fontAlgn="auto" latinLnBrk="0" hangingPunct="1">
-                        <a:lnSpc>
-                          <a:spcPct val="100000"/>
-                        </a:lnSpc>
-                        <a:spcBef>
-                          <a:spcPts val="0"/>
-                        </a:spcBef>
-                        <a:spcAft>
-                          <a:spcPts val="0"/>
-                        </a:spcAft>
-                        <a:buClrTx/>
-                        <a:buSzTx/>
-                        <a:buFontTx/>
-                        <a:buNone/>
-                        <a:tabLst/>
-                        <a:defRPr/>
-                      </a:pPr>
-                      <a:r>
-                        <a:rPr lang="en-US" dirty="0"/>
-                        <a:t>Scale</a:t>
-                      </a:r>
-                    </a:p>
-                  </a:txBody>
-                  <a:tcPr anchor="ctr"/>
-                </a:tc>
-                <a:tc>
-                  <a:txBody>
-                    <a:bodyPr/>
-                    <a:lstStyle/>
-                    <a:p>
-                      <a:endParaRPr lang="en-ZA" dirty="0"/>
-                    </a:p>
-                  </a:txBody>
-                  <a:tcPr anchor="ctr"/>
-                </a:tc>
-                <a:extLst>
-                  <a:ext uri="{0D108BD9-81ED-4DB2-BD59-A6C34878D82A}">
-                    <a16:rowId xmlns:a16="http://schemas.microsoft.com/office/drawing/2014/main" val="2766562798"/>
-                  </a:ext>
-                </a:extLst>
-              </a:tr>
-              <a:tr h="370840">
-                <a:tc vMerge="1">
-                  <a:txBody>
-                    <a:bodyPr/>
-                    <a:lstStyle/>
-                    <a:p>
-                      <a:endParaRPr lang="en-ZA" dirty="0"/>
-                    </a:p>
-                  </a:txBody>
-                  <a:tcPr anchor="ctr"/>
-                </a:tc>
-                <a:tc vMerge="1">
-                  <a:txBody>
-                    <a:bodyPr/>
-                    <a:lstStyle/>
-                    <a:p>
-                      <a:pPr algn="ctr"/>
-                      <a:endParaRPr lang="en-ZA" dirty="0"/>
-                    </a:p>
-                  </a:txBody>
-                  <a:tcPr anchor="ctr"/>
-                </a:tc>
-                <a:tc>
-                  <a:txBody>
-                    <a:bodyPr/>
-                    <a:lstStyle/>
-                    <a:p>
-                      <a:pPr marL="0" marR="0" lvl="0" indent="0" algn="l" defTabSz="914400" rtl="0" eaLnBrk="1" fontAlgn="auto" latinLnBrk="0" hangingPunct="1">
-                        <a:lnSpc>
-                          <a:spcPct val="100000"/>
-                        </a:lnSpc>
-                        <a:spcBef>
-                          <a:spcPts val="0"/>
-                        </a:spcBef>
-                        <a:spcAft>
-                          <a:spcPts val="0"/>
-                        </a:spcAft>
-                        <a:buClrTx/>
-                        <a:buSzTx/>
-                        <a:buFontTx/>
-                        <a:buNone/>
-                        <a:tabLst/>
-                        <a:defRPr/>
-                      </a:pPr>
-                      <a:r>
-                        <a:rPr lang="en-US" dirty="0"/>
-                        <a:t>Seed</a:t>
-                      </a:r>
-                    </a:p>
-                  </a:txBody>
-                  <a:tcPr anchor="ctr"/>
-                </a:tc>
-                <a:tc>
-                  <a:txBody>
-                    <a:bodyPr/>
-                    <a:lstStyle/>
-                    <a:p>
-                      <a:endParaRPr lang="en-ZA" dirty="0"/>
-                    </a:p>
-                  </a:txBody>
-                  <a:tcPr anchor="ctr"/>
-                </a:tc>
-                <a:extLst>
-                  <a:ext uri="{0D108BD9-81ED-4DB2-BD59-A6C34878D82A}">
-                    <a16:rowId xmlns:a16="http://schemas.microsoft.com/office/drawing/2014/main" val="2401554264"/>
-                  </a:ext>
-                </a:extLst>
-              </a:tr>
-              <a:tr h="185420">
-                <a:tc vMerge="1">
-                  <a:txBody>
-                    <a:bodyPr/>
-                    <a:lstStyle/>
-                    <a:p>
-                      <a:endParaRPr lang="en-ZA" dirty="0"/>
-                    </a:p>
-                  </a:txBody>
-                  <a:tcPr anchor="ctr"/>
-                </a:tc>
-                <a:tc vMerge="1">
-                  <a:txBody>
-                    <a:bodyPr/>
-                    <a:lstStyle/>
-                    <a:p>
-                      <a:pPr algn="ctr"/>
-                      <a:endParaRPr lang="en-ZA" dirty="0"/>
-                    </a:p>
-                  </a:txBody>
-                  <a:tcPr anchor="ctr"/>
-                </a:tc>
-                <a:tc>
-                  <a:txBody>
-                    <a:bodyPr/>
-                    <a:lstStyle/>
-                    <a:p>
-                      <a:pPr marL="0" marR="0" lvl="0" indent="0" algn="l" defTabSz="914400" rtl="0" eaLnBrk="1" fontAlgn="auto" latinLnBrk="0" hangingPunct="1">
-                        <a:lnSpc>
-                          <a:spcPct val="100000"/>
-                        </a:lnSpc>
-                        <a:spcBef>
-                          <a:spcPts val="0"/>
-                        </a:spcBef>
-                        <a:spcAft>
-                          <a:spcPts val="0"/>
-                        </a:spcAft>
-                        <a:buClrTx/>
-                        <a:buSzTx/>
-                        <a:buFontTx/>
-                        <a:buNone/>
-                        <a:tabLst/>
-                        <a:defRPr/>
-                      </a:pPr>
-                      <a:r>
-                        <a:rPr lang="en-US" dirty="0"/>
-                        <a:t>Percentage of elements kept</a:t>
-                      </a:r>
-                      <a:endParaRPr lang="en-ZA" dirty="0"/>
-                    </a:p>
-                  </a:txBody>
-                  <a:tcPr anchor="ctr"/>
-                </a:tc>
-                <a:tc>
-                  <a:txBody>
-                    <a:bodyPr/>
-                    <a:lstStyle/>
-                    <a:p>
-                      <a:pPr marL="0" marR="0" lvl="0" indent="0" algn="l" defTabSz="914400" rtl="0" eaLnBrk="1" fontAlgn="auto" latinLnBrk="0" hangingPunct="1">
-                        <a:lnSpc>
-                          <a:spcPct val="100000"/>
-                        </a:lnSpc>
-                        <a:spcBef>
-                          <a:spcPts val="0"/>
-                        </a:spcBef>
-                        <a:spcAft>
-                          <a:spcPts val="0"/>
-                        </a:spcAft>
-                        <a:buClrTx/>
-                        <a:buSzTx/>
-                        <a:buFontTx/>
-                        <a:buNone/>
-                        <a:tabLst/>
-                        <a:defRPr/>
-                      </a:pPr>
-                      <a:r>
-                        <a:rPr lang="en-US" dirty="0"/>
-                        <a:t>Minimize to a point</a:t>
-                      </a:r>
-                      <a:endParaRPr lang="en-ZA" dirty="0"/>
-                    </a:p>
-                  </a:txBody>
-                  <a:tcPr anchor="ctr"/>
-                </a:tc>
-                <a:extLst>
-                  <a:ext uri="{0D108BD9-81ED-4DB2-BD59-A6C34878D82A}">
-                    <a16:rowId xmlns:a16="http://schemas.microsoft.com/office/drawing/2014/main" val="235480900"/>
-                  </a:ext>
-                </a:extLst>
-              </a:tr>
-              <a:tr h="185420">
-                <a:tc vMerge="1">
-                  <a:txBody>
-                    <a:bodyPr/>
-                    <a:lstStyle/>
-                    <a:p>
-                      <a:endParaRPr lang="en-ZA"/>
-                    </a:p>
-                  </a:txBody>
-                  <a:tcPr/>
-                </a:tc>
-                <a:tc vMerge="1">
-                  <a:txBody>
-                    <a:bodyPr/>
-                    <a:lstStyle/>
-                    <a:p>
-                      <a:endParaRPr lang="en-ZA"/>
-                    </a:p>
-                  </a:txBody>
-                  <a:tcPr/>
-                </a:tc>
-                <a:tc>
-                  <a:txBody>
-                    <a:bodyPr/>
-                    <a:lstStyle/>
-                    <a:p>
-                      <a:pPr marL="0" marR="0" lvl="0" indent="0" algn="l" defTabSz="914400" rtl="0" eaLnBrk="1" fontAlgn="auto" latinLnBrk="0" hangingPunct="1">
-                        <a:lnSpc>
-                          <a:spcPct val="100000"/>
-                        </a:lnSpc>
-                        <a:spcBef>
-                          <a:spcPts val="0"/>
-                        </a:spcBef>
-                        <a:spcAft>
-                          <a:spcPts val="0"/>
-                        </a:spcAft>
-                        <a:buClrTx/>
-                        <a:buSzTx/>
-                        <a:buFontTx/>
-                        <a:buNone/>
-                        <a:tabLst/>
-                        <a:defRPr/>
-                      </a:pPr>
-                      <a:r>
-                        <a:rPr lang="en-US" dirty="0"/>
-                        <a:t>Functions applied to each layer</a:t>
-                      </a:r>
-                      <a:endParaRPr lang="en-ZA" dirty="0"/>
-                    </a:p>
-                  </a:txBody>
-                  <a:tcPr anchor="ctr"/>
-                </a:tc>
-                <a:tc>
-                  <a:txBody>
-                    <a:bodyPr/>
-                    <a:lstStyle/>
-                    <a:p>
-                      <a:pPr marL="0" marR="0" lvl="0" indent="0" algn="l" defTabSz="914400" rtl="0" eaLnBrk="1" fontAlgn="auto" latinLnBrk="0" hangingPunct="1">
-                        <a:lnSpc>
-                          <a:spcPct val="100000"/>
-                        </a:lnSpc>
-                        <a:spcBef>
-                          <a:spcPts val="0"/>
-                        </a:spcBef>
-                        <a:spcAft>
-                          <a:spcPts val="0"/>
-                        </a:spcAft>
-                        <a:buClrTx/>
-                        <a:buSzTx/>
-                        <a:buFontTx/>
-                        <a:buNone/>
-                        <a:tabLst/>
-                        <a:defRPr/>
-                      </a:pPr>
-                      <a:endParaRPr lang="en-ZA" dirty="0"/>
-                    </a:p>
-                  </a:txBody>
-                  <a:tcPr anchor="ctr"/>
-                </a:tc>
-                <a:extLst>
-                  <a:ext uri="{0D108BD9-81ED-4DB2-BD59-A6C34878D82A}">
-                    <a16:rowId xmlns:a16="http://schemas.microsoft.com/office/drawing/2014/main" val="500795715"/>
-                  </a:ext>
-                </a:extLst>
-              </a:tr>
-            </a:tbl>
-          </a:graphicData>
-        </a:graphic>
-      </p:graphicFrame>
-      <p:sp>
-        <p:nvSpPr>
-          <p:cNvPr id="5" name="Content Placeholder 2">
-            <a:extLst>
-              <a:ext uri="{FF2B5EF4-FFF2-40B4-BE49-F238E27FC236}">
-                <a16:creationId xmlns:a16="http://schemas.microsoft.com/office/drawing/2014/main" id="{A1BAA4CA-CF4D-42C3-9DD4-FB3E5FC9FAC1}"/>
-              </a:ext>
-            </a:extLst>
-          </p:cNvPr>
-          <p:cNvSpPr txBox="1">
-            <a:spLocks/>
-          </p:cNvSpPr>
-          <p:nvPr/>
-        </p:nvSpPr>
-        <p:spPr>
-          <a:xfrm>
-            <a:off x="1202919" y="4967923"/>
-            <a:ext cx="9784080" cy="1249996"/>
-          </a:xfrm>
-          <a:prstGeom prst="rect">
-            <a:avLst/>
-          </a:prstGeom>
-        </p:spPr>
-        <p:txBody>
-          <a:bodyPr vert="horz" lIns="91440" tIns="45720" rIns="91440" bIns="45720" rtlCol="0">
-            <a:normAutofit/>
-          </a:bodyPr>
-          <a:lstStyle>
-            <a:lvl1pPr marL="182880" indent="-182880" algn="l" defTabSz="914400" rtl="0" eaLnBrk="1" latinLnBrk="0" hangingPunct="1">
-              <a:lnSpc>
-                <a:spcPct val="90000"/>
-              </a:lnSpc>
-              <a:spcBef>
-                <a:spcPts val="1200"/>
-              </a:spcBef>
-              <a:spcAft>
-                <a:spcPts val="200"/>
-              </a:spcAft>
-              <a:buClr>
-                <a:schemeClr val="tx1"/>
-              </a:buClr>
-              <a:buFont typeface="Wingdings" pitchFamily="2" charset="2"/>
-              <a:buChar char=""/>
-              <a:defRPr sz="2200" kern="1200">
-                <a:solidFill>
-                  <a:schemeClr val="tx1"/>
-                </a:solidFill>
-                <a:latin typeface="+mn-lt"/>
-                <a:ea typeface="+mn-ea"/>
-                <a:cs typeface="+mn-cs"/>
-              </a:defRPr>
-            </a:lvl1pPr>
-            <a:lvl2pPr marL="411480" indent="-182880" algn="l" defTabSz="914400" rtl="0" eaLnBrk="1" latinLnBrk="0" hangingPunct="1">
-              <a:lnSpc>
-                <a:spcPct val="90000"/>
-              </a:lnSpc>
-              <a:spcBef>
-                <a:spcPts val="200"/>
-              </a:spcBef>
-              <a:spcAft>
-                <a:spcPts val="400"/>
-              </a:spcAft>
-              <a:buClr>
-                <a:schemeClr val="tx1"/>
-              </a:buClr>
-              <a:buFont typeface="Wingdings" pitchFamily="2" charset="2"/>
-              <a:buChar char=""/>
-              <a:defRPr sz="2000" kern="1200">
-                <a:solidFill>
-                  <a:schemeClr val="tx1"/>
-                </a:solidFill>
-                <a:latin typeface="+mn-lt"/>
-                <a:ea typeface="+mn-ea"/>
-                <a:cs typeface="+mn-cs"/>
-              </a:defRPr>
-            </a:lvl2pPr>
-            <a:lvl3pPr marL="640080" indent="-182880" algn="l" defTabSz="914400" rtl="0" eaLnBrk="1" latinLnBrk="0" hangingPunct="1">
-              <a:lnSpc>
-                <a:spcPct val="90000"/>
-              </a:lnSpc>
-              <a:spcBef>
-                <a:spcPts val="200"/>
-              </a:spcBef>
-              <a:spcAft>
-                <a:spcPts val="400"/>
-              </a:spcAft>
-              <a:buClr>
-                <a:schemeClr val="tx1"/>
-              </a:buClr>
-              <a:buFont typeface="Wingdings" pitchFamily="2" charset="2"/>
-              <a:buChar char=""/>
-              <a:defRPr sz="1800" kern="1200">
-                <a:solidFill>
-                  <a:schemeClr val="tx1"/>
-                </a:solidFill>
-                <a:latin typeface="+mn-lt"/>
-                <a:ea typeface="+mn-ea"/>
-                <a:cs typeface="+mn-cs"/>
-              </a:defRPr>
-            </a:lvl3pPr>
-            <a:lvl4pPr marL="868680" indent="-182880" algn="l" defTabSz="914400" rtl="0" eaLnBrk="1" latinLnBrk="0" hangingPunct="1">
-              <a:lnSpc>
-                <a:spcPct val="90000"/>
-              </a:lnSpc>
-              <a:spcBef>
-                <a:spcPts val="200"/>
-              </a:spcBef>
-              <a:spcAft>
-                <a:spcPts val="400"/>
-              </a:spcAft>
-              <a:buClr>
-                <a:schemeClr val="tx1"/>
-              </a:buClr>
-              <a:buFont typeface="Wingdings" pitchFamily="2" charset="2"/>
-              <a:buChar char=""/>
-              <a:defRPr sz="1600" kern="1200">
-                <a:solidFill>
-                  <a:schemeClr val="tx1"/>
-                </a:solidFill>
-                <a:latin typeface="+mn-lt"/>
-                <a:ea typeface="+mn-ea"/>
-                <a:cs typeface="+mn-cs"/>
-              </a:defRPr>
-            </a:lvl4pPr>
-            <a:lvl5pPr marL="1097280" indent="-182880" algn="l" defTabSz="914400" rtl="0" eaLnBrk="1" latinLnBrk="0" hangingPunct="1">
-              <a:lnSpc>
-                <a:spcPct val="90000"/>
-              </a:lnSpc>
-              <a:spcBef>
-                <a:spcPts val="200"/>
-              </a:spcBef>
-              <a:spcAft>
-                <a:spcPts val="400"/>
-              </a:spcAft>
-              <a:buClr>
-                <a:schemeClr val="tx1"/>
-              </a:buClr>
-              <a:buFont typeface="Wingdings" pitchFamily="2" charset="2"/>
-              <a:buChar char=""/>
-              <a:defRPr sz="1600" kern="1200">
-                <a:solidFill>
-                  <a:schemeClr val="tx1"/>
-                </a:solidFill>
-                <a:latin typeface="+mn-lt"/>
-                <a:ea typeface="+mn-ea"/>
-                <a:cs typeface="+mn-cs"/>
-              </a:defRPr>
-            </a:lvl5pPr>
-            <a:lvl6pPr marL="1284600" indent="-228600" algn="l" defTabSz="914400" rtl="0" eaLnBrk="1" latinLnBrk="0" hangingPunct="1">
-              <a:lnSpc>
-                <a:spcPct val="90000"/>
-              </a:lnSpc>
-              <a:spcBef>
-                <a:spcPts val="200"/>
-              </a:spcBef>
-              <a:spcAft>
-                <a:spcPts val="400"/>
-              </a:spcAft>
-              <a:buClr>
-                <a:schemeClr val="tx1"/>
-              </a:buClr>
-              <a:buFont typeface="Wingdings" pitchFamily="2" charset="2"/>
-              <a:buChar char=""/>
-              <a:defRPr sz="1600" kern="1200">
-                <a:solidFill>
-                  <a:schemeClr val="tx1"/>
-                </a:solidFill>
-                <a:latin typeface="+mn-lt"/>
-                <a:ea typeface="+mn-ea"/>
-                <a:cs typeface="+mn-cs"/>
-              </a:defRPr>
-            </a:lvl6pPr>
-            <a:lvl7pPr marL="1471800" indent="-228600" algn="l" defTabSz="914400" rtl="0" eaLnBrk="1" latinLnBrk="0" hangingPunct="1">
-              <a:lnSpc>
-                <a:spcPct val="90000"/>
-              </a:lnSpc>
-              <a:spcBef>
-                <a:spcPts val="200"/>
-              </a:spcBef>
-              <a:spcAft>
-                <a:spcPts val="400"/>
-              </a:spcAft>
-              <a:buClr>
-                <a:schemeClr val="tx1"/>
-              </a:buClr>
-              <a:buFont typeface="Wingdings" pitchFamily="2" charset="2"/>
-              <a:buChar char=""/>
-              <a:defRPr sz="1600" kern="1200">
-                <a:solidFill>
-                  <a:schemeClr val="tx1"/>
-                </a:solidFill>
-                <a:latin typeface="+mn-lt"/>
-                <a:ea typeface="+mn-ea"/>
-                <a:cs typeface="+mn-cs"/>
-              </a:defRPr>
-            </a:lvl7pPr>
-            <a:lvl8pPr marL="1629000" indent="-228600" algn="l" defTabSz="914400" rtl="0" eaLnBrk="1" latinLnBrk="0" hangingPunct="1">
-              <a:lnSpc>
-                <a:spcPct val="90000"/>
-              </a:lnSpc>
-              <a:spcBef>
-                <a:spcPts val="200"/>
-              </a:spcBef>
-              <a:spcAft>
-                <a:spcPts val="400"/>
-              </a:spcAft>
-              <a:buClr>
-                <a:schemeClr val="tx1"/>
-              </a:buClr>
-              <a:buFont typeface="Wingdings" pitchFamily="2" charset="2"/>
-              <a:buChar char=""/>
-              <a:defRPr sz="1600" kern="1200">
-                <a:solidFill>
-                  <a:schemeClr val="tx1"/>
-                </a:solidFill>
-                <a:latin typeface="+mn-lt"/>
-                <a:ea typeface="+mn-ea"/>
-                <a:cs typeface="+mn-cs"/>
-              </a:defRPr>
-            </a:lvl8pPr>
-            <a:lvl9pPr marL="1806200" indent="-228600" algn="l" defTabSz="914400" rtl="0" eaLnBrk="1" latinLnBrk="0" hangingPunct="1">
-              <a:lnSpc>
-                <a:spcPct val="90000"/>
-              </a:lnSpc>
-              <a:spcBef>
-                <a:spcPts val="200"/>
-              </a:spcBef>
-              <a:spcAft>
-                <a:spcPts val="400"/>
-              </a:spcAft>
-              <a:buClr>
-                <a:schemeClr val="tx1"/>
-              </a:buClr>
-              <a:buFont typeface="Wingdings" pitchFamily="2" charset="2"/>
-              <a:buChar char=""/>
-              <a:defRPr sz="1600" kern="1200">
-                <a:solidFill>
-                  <a:schemeClr val="tx1"/>
-                </a:solidFill>
-                <a:latin typeface="+mn-lt"/>
-                <a:ea typeface="+mn-ea"/>
-                <a:cs typeface="+mn-cs"/>
-              </a:defRPr>
-            </a:lvl9pPr>
-          </a:lstStyle>
-          <a:p>
-            <a:r>
-              <a:rPr lang="en-US" dirty="0"/>
-              <a:t>Overall fitness evaluation</a:t>
-            </a:r>
-          </a:p>
-          <a:p>
-            <a:pPr lvl="1"/>
-            <a:r>
-              <a:rPr lang="en-US" dirty="0"/>
-              <a:t>Minimum constraint energy</a:t>
-            </a:r>
-          </a:p>
-          <a:p>
-            <a:pPr lvl="1"/>
-            <a:r>
-              <a:rPr lang="en-US" dirty="0"/>
-              <a:t>Minimum strain energy</a:t>
-            </a:r>
-            <a:endParaRPr lang="en-ZA" dirty="0"/>
-          </a:p>
-        </p:txBody>
-      </p:sp>
-    </p:spTree>
-    <p:extLst>
-      <p:ext uri="{BB962C8B-B14F-4D97-AF65-F5344CB8AC3E}">
-        <p14:creationId xmlns:p14="http://schemas.microsoft.com/office/powerpoint/2010/main" val="4009423319"/>
-      </p:ext>
-    </p:extLst>
-  </p:cSld>
-  <p:clrMapOvr>
-    <a:masterClrMapping/>
-  </p:clrMapOvr>
-</p:sld>
-</file>
-
-<file path=ppt/slides/slide8.xml><?xml version="1.0" encoding="utf-8"?>
-<p:sld xmlns:a="http://schemas.openxmlformats.org/drawingml/2006/main" xmlns:r="http://schemas.openxmlformats.org/officeDocument/2006/relationships" xmlns:p="http://schemas.openxmlformats.org/presentationml/2006/main">
-  <p:cSld>
-    <p:spTree>
-      <p:nvGrpSpPr>
-        <p:cNvPr id="1" name=""/>
-        <p:cNvGrpSpPr/>
-        <p:nvPr/>
-      </p:nvGrpSpPr>
-      <p:grpSpPr>
-        <a:xfrm>
-          <a:off x="0" y="0"/>
-          <a:ext cx="0" cy="0"/>
-          <a:chOff x="0" y="0"/>
-          <a:chExt cx="0" cy="0"/>
-        </a:xfrm>
-      </p:grpSpPr>
-      <p:sp>
-        <p:nvSpPr>
-          <p:cNvPr id="2" name="Title 1">
-            <a:extLst>
-              <a:ext uri="{FF2B5EF4-FFF2-40B4-BE49-F238E27FC236}">
                 <a16:creationId xmlns:a16="http://schemas.microsoft.com/office/drawing/2014/main" id="{0F62DCB3-9FBD-4384-9248-EEFBF7CA6D4C}"/>
               </a:ext>
             </a:extLst>
@@ -6993,69 +5911,21 @@
           <a:p>
             <a:pPr lvl="1"/>
             <a:r>
+              <a:rPr lang="en-US" dirty="0" err="1"/>
+              <a:t>Hausdorff</a:t>
+            </a:r>
+            <a:r>
               <a:rPr lang="en-US" dirty="0"/>
-              <a:t>Rank according to minimums in ascending order of importance</a:t>
+              <a:t> distance</a:t>
             </a:r>
           </a:p>
           <a:p>
             <a:pPr lvl="1"/>
             <a:r>
               <a:rPr lang="en-US" dirty="0"/>
-              <a:t>Boundary conditions and </a:t>
-            </a:r>
-            <a:r>
-              <a:rPr lang="en-US" dirty="0" err="1"/>
-              <a:t>loadcases</a:t>
-            </a:r>
-            <a:endParaRPr lang="en-US" dirty="0"/>
-          </a:p>
-          <a:p>
-            <a:r>
-              <a:rPr lang="en-US" dirty="0"/>
-              <a:t>Unique modification</a:t>
-            </a:r>
-          </a:p>
-          <a:p>
-            <a:pPr lvl="1"/>
-            <a:r>
-              <a:rPr lang="en-US" dirty="0"/>
-              <a:t>Random</a:t>
-            </a:r>
-          </a:p>
-          <a:p>
-            <a:pPr lvl="2"/>
-            <a:r>
-              <a:rPr lang="en-US" dirty="0"/>
-              <a:t>Element locations removed</a:t>
-            </a:r>
-          </a:p>
-          <a:p>
-            <a:pPr lvl="1"/>
-            <a:r>
-              <a:rPr lang="en-US" dirty="0"/>
-              <a:t>L-Systems</a:t>
-            </a:r>
-          </a:p>
-          <a:p>
-            <a:pPr lvl="2"/>
-            <a:r>
-              <a:rPr lang="en-ZA" dirty="0"/>
-              <a:t>Rule units</a:t>
-            </a:r>
-          </a:p>
-          <a:p>
-            <a:pPr lvl="1"/>
-            <a:r>
-              <a:rPr lang="en-ZA" dirty="0"/>
-              <a:t>CPPNs</a:t>
-            </a:r>
-          </a:p>
-          <a:p>
-            <a:pPr lvl="2"/>
-            <a:r>
-              <a:rPr lang="en-ZA" dirty="0"/>
-              <a:t>Functions applied to each layer</a:t>
-            </a:r>
+              <a:t>Other possibilities</a:t>
+            </a:r>
+            <a:endParaRPr lang="en-ZA" dirty="0"/>
           </a:p>
           <a:p>
             <a:pPr lvl="2"/>
@@ -7071,142 +5941,6 @@
     <p:extLst>
       <p:ext uri="{BB962C8B-B14F-4D97-AF65-F5344CB8AC3E}">
         <p14:creationId xmlns:p14="http://schemas.microsoft.com/office/powerpoint/2010/main" val="2536163286"/>
-      </p:ext>
-    </p:extLst>
-  </p:cSld>
-  <p:clrMapOvr>
-    <a:masterClrMapping/>
-  </p:clrMapOvr>
-</p:sld>
-</file>
-
-<file path=ppt/slides/slide9.xml><?xml version="1.0" encoding="utf-8"?>
-<p:sld xmlns:a="http://schemas.openxmlformats.org/drawingml/2006/main" xmlns:r="http://schemas.openxmlformats.org/officeDocument/2006/relationships" xmlns:p="http://schemas.openxmlformats.org/presentationml/2006/main">
-  <p:cSld>
-    <p:spTree>
-      <p:nvGrpSpPr>
-        <p:cNvPr id="1" name=""/>
-        <p:cNvGrpSpPr/>
-        <p:nvPr/>
-      </p:nvGrpSpPr>
-      <p:grpSpPr>
-        <a:xfrm>
-          <a:off x="0" y="0"/>
-          <a:ext cx="0" cy="0"/>
-          <a:chOff x="0" y="0"/>
-          <a:chExt cx="0" cy="0"/>
-        </a:xfrm>
-      </p:grpSpPr>
-      <p:sp>
-        <p:nvSpPr>
-          <p:cNvPr id="2" name="Title 1">
-            <a:extLst>
-              <a:ext uri="{FF2B5EF4-FFF2-40B4-BE49-F238E27FC236}">
-                <a16:creationId xmlns:a16="http://schemas.microsoft.com/office/drawing/2014/main" id="{6EDC4375-D4A4-42CC-9C1E-EDFCF992756C}"/>
-              </a:ext>
-            </a:extLst>
-          </p:cNvPr>
-          <p:cNvSpPr>
-            <a:spLocks noGrp="1"/>
-          </p:cNvSpPr>
-          <p:nvPr>
-            <p:ph type="title"/>
-          </p:nvPr>
-        </p:nvSpPr>
-        <p:spPr/>
-        <p:txBody>
-          <a:bodyPr/>
-          <a:lstStyle/>
-          <a:p>
-            <a:r>
-              <a:rPr lang="en-US" dirty="0"/>
-              <a:t>Admin</a:t>
-            </a:r>
-            <a:endParaRPr lang="en-ZA" dirty="0"/>
-          </a:p>
-        </p:txBody>
-      </p:sp>
-      <p:sp>
-        <p:nvSpPr>
-          <p:cNvPr id="3" name="Content Placeholder 2">
-            <a:extLst>
-              <a:ext uri="{FF2B5EF4-FFF2-40B4-BE49-F238E27FC236}">
-                <a16:creationId xmlns:a16="http://schemas.microsoft.com/office/drawing/2014/main" id="{2F953646-C236-4A64-AD92-5E4688D3D21D}"/>
-              </a:ext>
-            </a:extLst>
-          </p:cNvPr>
-          <p:cNvSpPr>
-            <a:spLocks noGrp="1"/>
-          </p:cNvSpPr>
-          <p:nvPr>
-            <p:ph idx="1"/>
-          </p:nvPr>
-        </p:nvSpPr>
-        <p:spPr/>
-        <p:txBody>
-          <a:bodyPr/>
-          <a:lstStyle/>
-          <a:p>
-            <a:r>
-              <a:rPr lang="en-US" dirty="0"/>
-              <a:t>Journal</a:t>
-            </a:r>
-          </a:p>
-          <a:p>
-            <a:pPr lvl="1"/>
-            <a:r>
-              <a:rPr lang="en-US" dirty="0"/>
-              <a:t>Specific journal</a:t>
-            </a:r>
-          </a:p>
-          <a:p>
-            <a:pPr lvl="1"/>
-            <a:r>
-              <a:rPr lang="en-US" dirty="0"/>
-              <a:t>Content</a:t>
-            </a:r>
-          </a:p>
-          <a:p>
-            <a:pPr lvl="2"/>
-            <a:r>
-              <a:rPr lang="en-ZA" dirty="0"/>
-              <a:t>Entire project</a:t>
-            </a:r>
-          </a:p>
-          <a:p>
-            <a:pPr lvl="2"/>
-            <a:r>
-              <a:rPr lang="en-ZA" dirty="0"/>
-              <a:t>Single aspect</a:t>
-            </a:r>
-          </a:p>
-          <a:p>
-            <a:pPr lvl="1"/>
-            <a:r>
-              <a:rPr lang="en-ZA" dirty="0"/>
-              <a:t>Style</a:t>
-            </a:r>
-          </a:p>
-          <a:p>
-            <a:pPr lvl="1"/>
-            <a:r>
-              <a:rPr lang="en-ZA" dirty="0"/>
-              <a:t>Literature</a:t>
-            </a:r>
-          </a:p>
-          <a:p>
-            <a:pPr lvl="1"/>
-            <a:r>
-              <a:rPr lang="en-ZA" dirty="0"/>
-              <a:t>Length</a:t>
-            </a:r>
-          </a:p>
-        </p:txBody>
-      </p:sp>
-    </p:spTree>
-    <p:extLst>
-      <p:ext uri="{BB962C8B-B14F-4D97-AF65-F5344CB8AC3E}">
-        <p14:creationId xmlns:p14="http://schemas.microsoft.com/office/powerpoint/2010/main" val="328876121"/>
       </p:ext>
     </p:extLst>
   </p:cSld>
